--- a/talks/src/class00.pptx
+++ b/talks/src/class00.pptx
@@ -244,7 +244,7 @@
           <a:p>
             <a:fld id="{56C6788E-680A-49E5-BB93-D456A9D23A29}" type="datetimeFigureOut">
               <a:rPr lang="ru-RU" smtClean="0"/>
-              <a:t>28.09.2021</a:t>
+              <a:t>11.09.2022</a:t>
             </a:fld>
             <a:endParaRPr lang="ru-RU"/>
           </a:p>
@@ -413,7 +413,7 @@
           <a:p>
             <a:fld id="{C4DF4945-C160-4CD5-B124-49B9BE14C0AB}" type="datetimeFigureOut">
               <a:rPr lang="ru-RU" smtClean="0"/>
-              <a:t>28.09.2021</a:t>
+              <a:t>11.09.2022</a:t>
             </a:fld>
             <a:endParaRPr lang="ru-RU"/>
           </a:p>
@@ -5159,7 +5159,7 @@
           <a:p>
             <a:fld id="{12C63722-5D9F-4E99-9720-9B6A0C7BB1C9}" type="datetimeFigureOut">
               <a:rPr lang="ru-RU" smtClean="0"/>
-              <a:t>28.09.2021</a:t>
+              <a:t>11.09.2022</a:t>
             </a:fld>
             <a:endParaRPr lang="ru-RU"/>
           </a:p>
@@ -5329,7 +5329,7 @@
           <a:p>
             <a:fld id="{12C63722-5D9F-4E99-9720-9B6A0C7BB1C9}" type="datetimeFigureOut">
               <a:rPr lang="ru-RU" smtClean="0"/>
-              <a:t>28.09.2021</a:t>
+              <a:t>11.09.2022</a:t>
             </a:fld>
             <a:endParaRPr lang="ru-RU"/>
           </a:p>
@@ -5509,7 +5509,7 @@
           <a:p>
             <a:fld id="{12C63722-5D9F-4E99-9720-9B6A0C7BB1C9}" type="datetimeFigureOut">
               <a:rPr lang="ru-RU" smtClean="0"/>
-              <a:t>28.09.2021</a:t>
+              <a:t>11.09.2022</a:t>
             </a:fld>
             <a:endParaRPr lang="ru-RU"/>
           </a:p>
@@ -5701,7 +5701,7 @@
           <a:p>
             <a:fld id="{8C218C88-2408-4CFC-B25C-07450930B282}" type="datetimeFigureOut">
               <a:rPr lang="ru-RU" smtClean="0"/>
-              <a:t>28.09.2021</a:t>
+              <a:t>11.09.2022</a:t>
             </a:fld>
             <a:endParaRPr lang="ru-RU"/>
           </a:p>
@@ -5871,7 +5871,7 @@
           <a:p>
             <a:fld id="{8C218C88-2408-4CFC-B25C-07450930B282}" type="datetimeFigureOut">
               <a:rPr lang="ru-RU" smtClean="0"/>
-              <a:t>28.09.2021</a:t>
+              <a:t>11.09.2022</a:t>
             </a:fld>
             <a:endParaRPr lang="ru-RU"/>
           </a:p>
@@ -6117,7 +6117,7 @@
           <a:p>
             <a:fld id="{8C218C88-2408-4CFC-B25C-07450930B282}" type="datetimeFigureOut">
               <a:rPr lang="ru-RU" smtClean="0"/>
-              <a:t>28.09.2021</a:t>
+              <a:t>11.09.2022</a:t>
             </a:fld>
             <a:endParaRPr lang="ru-RU"/>
           </a:p>
@@ -6349,7 +6349,7 @@
           <a:p>
             <a:fld id="{8C218C88-2408-4CFC-B25C-07450930B282}" type="datetimeFigureOut">
               <a:rPr lang="ru-RU" smtClean="0"/>
-              <a:t>28.09.2021</a:t>
+              <a:t>11.09.2022</a:t>
             </a:fld>
             <a:endParaRPr lang="ru-RU"/>
           </a:p>
@@ -6716,7 +6716,7 @@
           <a:p>
             <a:fld id="{8C218C88-2408-4CFC-B25C-07450930B282}" type="datetimeFigureOut">
               <a:rPr lang="ru-RU" smtClean="0"/>
-              <a:t>28.09.2021</a:t>
+              <a:t>11.09.2022</a:t>
             </a:fld>
             <a:endParaRPr lang="ru-RU"/>
           </a:p>
@@ -6834,7 +6834,7 @@
           <a:p>
             <a:fld id="{8C218C88-2408-4CFC-B25C-07450930B282}" type="datetimeFigureOut">
               <a:rPr lang="ru-RU" smtClean="0"/>
-              <a:t>28.09.2021</a:t>
+              <a:t>11.09.2022</a:t>
             </a:fld>
             <a:endParaRPr lang="ru-RU"/>
           </a:p>
@@ -6929,7 +6929,7 @@
           <a:p>
             <a:fld id="{8C218C88-2408-4CFC-B25C-07450930B282}" type="datetimeFigureOut">
               <a:rPr lang="ru-RU" smtClean="0"/>
-              <a:t>28.09.2021</a:t>
+              <a:t>11.09.2022</a:t>
             </a:fld>
             <a:endParaRPr lang="ru-RU"/>
           </a:p>
@@ -7206,7 +7206,7 @@
           <a:p>
             <a:fld id="{8C218C88-2408-4CFC-B25C-07450930B282}" type="datetimeFigureOut">
               <a:rPr lang="ru-RU" smtClean="0"/>
-              <a:t>28.09.2021</a:t>
+              <a:t>11.09.2022</a:t>
             </a:fld>
             <a:endParaRPr lang="ru-RU"/>
           </a:p>
@@ -7376,7 +7376,7 @@
           <a:p>
             <a:fld id="{12C63722-5D9F-4E99-9720-9B6A0C7BB1C9}" type="datetimeFigureOut">
               <a:rPr lang="ru-RU" smtClean="0"/>
-              <a:t>28.09.2021</a:t>
+              <a:t>11.09.2022</a:t>
             </a:fld>
             <a:endParaRPr lang="ru-RU"/>
           </a:p>
@@ -7629,7 +7629,7 @@
           <a:p>
             <a:fld id="{8C218C88-2408-4CFC-B25C-07450930B282}" type="datetimeFigureOut">
               <a:rPr lang="ru-RU" smtClean="0"/>
-              <a:t>28.09.2021</a:t>
+              <a:t>11.09.2022</a:t>
             </a:fld>
             <a:endParaRPr lang="ru-RU"/>
           </a:p>
@@ -7799,7 +7799,7 @@
           <a:p>
             <a:fld id="{8C218C88-2408-4CFC-B25C-07450930B282}" type="datetimeFigureOut">
               <a:rPr lang="ru-RU" smtClean="0"/>
-              <a:t>28.09.2021</a:t>
+              <a:t>11.09.2022</a:t>
             </a:fld>
             <a:endParaRPr lang="ru-RU"/>
           </a:p>
@@ -7979,7 +7979,7 @@
           <a:p>
             <a:fld id="{8C218C88-2408-4CFC-B25C-07450930B282}" type="datetimeFigureOut">
               <a:rPr lang="ru-RU" smtClean="0"/>
-              <a:t>28.09.2021</a:t>
+              <a:t>11.09.2022</a:t>
             </a:fld>
             <a:endParaRPr lang="ru-RU"/>
           </a:p>
@@ -8225,7 +8225,7 @@
           <a:p>
             <a:fld id="{12C63722-5D9F-4E99-9720-9B6A0C7BB1C9}" type="datetimeFigureOut">
               <a:rPr lang="ru-RU" smtClean="0"/>
-              <a:t>28.09.2021</a:t>
+              <a:t>11.09.2022</a:t>
             </a:fld>
             <a:endParaRPr lang="ru-RU"/>
           </a:p>
@@ -8465,7 +8465,7 @@
           <a:p>
             <a:fld id="{12C63722-5D9F-4E99-9720-9B6A0C7BB1C9}" type="datetimeFigureOut">
               <a:rPr lang="ru-RU" smtClean="0"/>
-              <a:t>28.09.2021</a:t>
+              <a:t>11.09.2022</a:t>
             </a:fld>
             <a:endParaRPr lang="ru-RU"/>
           </a:p>
@@ -8832,7 +8832,7 @@
           <a:p>
             <a:fld id="{12C63722-5D9F-4E99-9720-9B6A0C7BB1C9}" type="datetimeFigureOut">
               <a:rPr lang="ru-RU" smtClean="0"/>
-              <a:t>28.09.2021</a:t>
+              <a:t>11.09.2022</a:t>
             </a:fld>
             <a:endParaRPr lang="ru-RU"/>
           </a:p>
@@ -8950,7 +8950,7 @@
           <a:p>
             <a:fld id="{12C63722-5D9F-4E99-9720-9B6A0C7BB1C9}" type="datetimeFigureOut">
               <a:rPr lang="ru-RU" smtClean="0"/>
-              <a:t>28.09.2021</a:t>
+              <a:t>11.09.2022</a:t>
             </a:fld>
             <a:endParaRPr lang="ru-RU"/>
           </a:p>
@@ -9045,7 +9045,7 @@
           <a:p>
             <a:fld id="{12C63722-5D9F-4E99-9720-9B6A0C7BB1C9}" type="datetimeFigureOut">
               <a:rPr lang="ru-RU" smtClean="0"/>
-              <a:t>28.09.2021</a:t>
+              <a:t>11.09.2022</a:t>
             </a:fld>
             <a:endParaRPr lang="ru-RU"/>
           </a:p>
@@ -9322,7 +9322,7 @@
           <a:p>
             <a:fld id="{12C63722-5D9F-4E99-9720-9B6A0C7BB1C9}" type="datetimeFigureOut">
               <a:rPr lang="ru-RU" smtClean="0"/>
-              <a:t>28.09.2021</a:t>
+              <a:t>11.09.2022</a:t>
             </a:fld>
             <a:endParaRPr lang="ru-RU"/>
           </a:p>
@@ -9575,7 +9575,7 @@
           <a:p>
             <a:fld id="{12C63722-5D9F-4E99-9720-9B6A0C7BB1C9}" type="datetimeFigureOut">
               <a:rPr lang="ru-RU" smtClean="0"/>
-              <a:t>28.09.2021</a:t>
+              <a:t>11.09.2022</a:t>
             </a:fld>
             <a:endParaRPr lang="ru-RU"/>
           </a:p>
@@ -9788,7 +9788,7 @@
           <a:p>
             <a:fld id="{12C63722-5D9F-4E99-9720-9B6A0C7BB1C9}" type="datetimeFigureOut">
               <a:rPr lang="ru-RU" smtClean="0"/>
-              <a:t>28.09.2021</a:t>
+              <a:t>11.09.2022</a:t>
             </a:fld>
             <a:endParaRPr lang="ru-RU"/>
           </a:p>
@@ -10328,7 +10328,7 @@
           <a:p>
             <a:fld id="{8C218C88-2408-4CFC-B25C-07450930B282}" type="datetimeFigureOut">
               <a:rPr lang="ru-RU" smtClean="0"/>
-              <a:t>28.09.2021</a:t>
+              <a:t>11.09.2022</a:t>
             </a:fld>
             <a:endParaRPr lang="ru-RU"/>
           </a:p>
@@ -10796,7 +10796,7 @@
           <p:nvPr>
             <p:extLst>
               <p:ext uri="{D42A27DB-BD31-4B8C-83A1-F6EECF244321}">
-                <p14:modId xmlns:p14="http://schemas.microsoft.com/office/powerpoint/2010/main" val="84033989"/>
+                <p14:modId xmlns:p14="http://schemas.microsoft.com/office/powerpoint/2010/main" val="441933860"/>
               </p:ext>
             </p:extLst>
           </p:nvPr>
@@ -10826,14 +10826,7 @@
                     <a:bodyPr/>
                     <a:lstStyle/>
                     <a:p>
-                      <a:r>
-                        <a:rPr lang="en-US" dirty="0"/>
-                        <a:t>Acronis @ </a:t>
-                      </a:r>
-                      <a:r>
-                        <a:rPr lang="ru-RU" dirty="0"/>
-                        <a:t>МФТИ</a:t>
-                      </a:r>
+                      <a:endParaRPr lang="ru-RU" dirty="0"/>
                     </a:p>
                   </a:txBody>
                   <a:tcPr/>
@@ -11060,7 +11053,7 @@
           <p:nvPr>
             <p:extLst>
               <p:ext uri="{D42A27DB-BD31-4B8C-83A1-F6EECF244321}">
-                <p14:modId xmlns:p14="http://schemas.microsoft.com/office/powerpoint/2010/main" val="4164474727"/>
+                <p14:modId xmlns:p14="http://schemas.microsoft.com/office/powerpoint/2010/main" val="880147065"/>
               </p:ext>
             </p:extLst>
           </p:nvPr>
@@ -11090,14 +11083,7 @@
                     <a:bodyPr/>
                     <a:lstStyle/>
                     <a:p>
-                      <a:r>
-                        <a:rPr lang="en-US" dirty="0"/>
-                        <a:t>Acronis @ </a:t>
-                      </a:r>
-                      <a:r>
-                        <a:rPr lang="ru-RU" dirty="0"/>
-                        <a:t>МФТИ</a:t>
-                      </a:r>
+                      <a:endParaRPr lang="ru-RU" dirty="0"/>
                     </a:p>
                   </a:txBody>
                   <a:tcPr/>
@@ -11713,7 +11699,7 @@
           <p:nvPr>
             <p:extLst>
               <p:ext uri="{D42A27DB-BD31-4B8C-83A1-F6EECF244321}">
-                <p14:modId xmlns:p14="http://schemas.microsoft.com/office/powerpoint/2010/main" val="4164474727"/>
+                <p14:modId xmlns:p14="http://schemas.microsoft.com/office/powerpoint/2010/main" val="3655803033"/>
               </p:ext>
             </p:extLst>
           </p:nvPr>
@@ -11743,14 +11729,7 @@
                     <a:bodyPr/>
                     <a:lstStyle/>
                     <a:p>
-                      <a:r>
-                        <a:rPr lang="en-US" dirty="0"/>
-                        <a:t>Acronis @ </a:t>
-                      </a:r>
-                      <a:r>
-                        <a:rPr lang="ru-RU" dirty="0"/>
-                        <a:t>МФТИ</a:t>
-                      </a:r>
+                      <a:endParaRPr lang="ru-RU" dirty="0"/>
                     </a:p>
                   </a:txBody>
                   <a:tcPr/>
@@ -12165,7 +12144,7 @@
           <p:nvPr>
             <p:extLst>
               <p:ext uri="{D42A27DB-BD31-4B8C-83A1-F6EECF244321}">
-                <p14:modId xmlns:p14="http://schemas.microsoft.com/office/powerpoint/2010/main" val="4164474727"/>
+                <p14:modId xmlns:p14="http://schemas.microsoft.com/office/powerpoint/2010/main" val="4210998201"/>
               </p:ext>
             </p:extLst>
           </p:nvPr>
@@ -12195,14 +12174,7 @@
                     <a:bodyPr/>
                     <a:lstStyle/>
                     <a:p>
-                      <a:r>
-                        <a:rPr lang="en-US" dirty="0"/>
-                        <a:t>Acronis @ </a:t>
-                      </a:r>
-                      <a:r>
-                        <a:rPr lang="ru-RU" dirty="0"/>
-                        <a:t>МФТИ</a:t>
-                      </a:r>
+                      <a:endParaRPr lang="ru-RU" dirty="0"/>
                     </a:p>
                   </a:txBody>
                   <a:tcPr/>
@@ -12643,7 +12615,13 @@
           <p:cNvGraphicFramePr>
             <a:graphicFrameLocks noGrp="1"/>
           </p:cNvGraphicFramePr>
-          <p:nvPr/>
+          <p:nvPr>
+            <p:extLst>
+              <p:ext uri="{D42A27DB-BD31-4B8C-83A1-F6EECF244321}">
+                <p14:modId xmlns:p14="http://schemas.microsoft.com/office/powerpoint/2010/main" val="1222537988"/>
+              </p:ext>
+            </p:extLst>
+          </p:nvPr>
         </p:nvGraphicFramePr>
         <p:xfrm>
           <a:off x="0" y="6532604"/>
@@ -12670,14 +12648,7 @@
                     <a:bodyPr/>
                     <a:lstStyle/>
                     <a:p>
-                      <a:r>
-                        <a:rPr lang="en-US" dirty="0"/>
-                        <a:t>Acronis @ </a:t>
-                      </a:r>
-                      <a:r>
-                        <a:rPr lang="ru-RU" dirty="0"/>
-                        <a:t>МФТИ</a:t>
-                      </a:r>
+                      <a:endParaRPr lang="ru-RU" dirty="0"/>
                     </a:p>
                   </a:txBody>
                   <a:tcPr/>
@@ -13877,7 +13848,7 @@
           <p:nvPr>
             <p:extLst>
               <p:ext uri="{D42A27DB-BD31-4B8C-83A1-F6EECF244321}">
-                <p14:modId xmlns:p14="http://schemas.microsoft.com/office/powerpoint/2010/main" val="4164474727"/>
+                <p14:modId xmlns:p14="http://schemas.microsoft.com/office/powerpoint/2010/main" val="4104136973"/>
               </p:ext>
             </p:extLst>
           </p:nvPr>
@@ -13907,14 +13878,7 @@
                     <a:bodyPr/>
                     <a:lstStyle/>
                     <a:p>
-                      <a:r>
-                        <a:rPr lang="en-US" dirty="0"/>
-                        <a:t>Acronis @ </a:t>
-                      </a:r>
-                      <a:r>
-                        <a:rPr lang="ru-RU" dirty="0"/>
-                        <a:t>МФТИ</a:t>
-                      </a:r>
+                      <a:endParaRPr lang="ru-RU" dirty="0"/>
                     </a:p>
                   </a:txBody>
                   <a:tcPr/>
@@ -15144,7 +15108,7 @@
           <p:nvPr>
             <p:extLst>
               <p:ext uri="{D42A27DB-BD31-4B8C-83A1-F6EECF244321}">
-                <p14:modId xmlns:p14="http://schemas.microsoft.com/office/powerpoint/2010/main" val="4164474727"/>
+                <p14:modId xmlns:p14="http://schemas.microsoft.com/office/powerpoint/2010/main" val="984721010"/>
               </p:ext>
             </p:extLst>
           </p:nvPr>
@@ -15174,14 +15138,7 @@
                     <a:bodyPr/>
                     <a:lstStyle/>
                     <a:p>
-                      <a:r>
-                        <a:rPr lang="en-US" dirty="0"/>
-                        <a:t>Acronis @ </a:t>
-                      </a:r>
-                      <a:r>
-                        <a:rPr lang="ru-RU" dirty="0"/>
-                        <a:t>МФТИ</a:t>
-                      </a:r>
+                      <a:endParaRPr lang="ru-RU" dirty="0"/>
                     </a:p>
                   </a:txBody>
                   <a:tcPr/>
@@ -15661,7 +15618,7 @@
           <p:nvPr>
             <p:extLst>
               <p:ext uri="{D42A27DB-BD31-4B8C-83A1-F6EECF244321}">
-                <p14:modId xmlns:p14="http://schemas.microsoft.com/office/powerpoint/2010/main" val="4164474727"/>
+                <p14:modId xmlns:p14="http://schemas.microsoft.com/office/powerpoint/2010/main" val="2937995216"/>
               </p:ext>
             </p:extLst>
           </p:nvPr>
@@ -15691,14 +15648,7 @@
                     <a:bodyPr/>
                     <a:lstStyle/>
                     <a:p>
-                      <a:r>
-                        <a:rPr lang="en-US" dirty="0"/>
-                        <a:t>Acronis @ </a:t>
-                      </a:r>
-                      <a:r>
-                        <a:rPr lang="ru-RU" dirty="0"/>
-                        <a:t>МФТИ</a:t>
-                      </a:r>
+                      <a:endParaRPr lang="ru-RU" dirty="0"/>
                     </a:p>
                   </a:txBody>
                   <a:tcPr/>
@@ -16207,7 +16157,7 @@
           <p:nvPr>
             <p:extLst>
               <p:ext uri="{D42A27DB-BD31-4B8C-83A1-F6EECF244321}">
-                <p14:modId xmlns:p14="http://schemas.microsoft.com/office/powerpoint/2010/main" val="4164474727"/>
+                <p14:modId xmlns:p14="http://schemas.microsoft.com/office/powerpoint/2010/main" val="1746465205"/>
               </p:ext>
             </p:extLst>
           </p:nvPr>
@@ -16237,14 +16187,7 @@
                     <a:bodyPr/>
                     <a:lstStyle/>
                     <a:p>
-                      <a:r>
-                        <a:rPr lang="en-US" dirty="0"/>
-                        <a:t>Acronis @ </a:t>
-                      </a:r>
-                      <a:r>
-                        <a:rPr lang="ru-RU" dirty="0"/>
-                        <a:t>МФТИ</a:t>
-                      </a:r>
+                      <a:endParaRPr lang="ru-RU" dirty="0"/>
                     </a:p>
                   </a:txBody>
                   <a:tcPr/>
@@ -16790,7 +16733,7 @@
           <p:nvPr>
             <p:extLst>
               <p:ext uri="{D42A27DB-BD31-4B8C-83A1-F6EECF244321}">
-                <p14:modId xmlns:p14="http://schemas.microsoft.com/office/powerpoint/2010/main" val="4164474727"/>
+                <p14:modId xmlns:p14="http://schemas.microsoft.com/office/powerpoint/2010/main" val="93355657"/>
               </p:ext>
             </p:extLst>
           </p:nvPr>
@@ -16820,14 +16763,7 @@
                     <a:bodyPr/>
                     <a:lstStyle/>
                     <a:p>
-                      <a:r>
-                        <a:rPr lang="en-US" dirty="0"/>
-                        <a:t>Acronis @ </a:t>
-                      </a:r>
-                      <a:r>
-                        <a:rPr lang="ru-RU" dirty="0"/>
-                        <a:t>МФТИ</a:t>
-                      </a:r>
+                      <a:endParaRPr lang="ru-RU" dirty="0"/>
                     </a:p>
                   </a:txBody>
                   <a:tcPr/>
@@ -18135,7 +18071,7 @@
           <p:nvPr>
             <p:extLst>
               <p:ext uri="{D42A27DB-BD31-4B8C-83A1-F6EECF244321}">
-                <p14:modId xmlns:p14="http://schemas.microsoft.com/office/powerpoint/2010/main" val="4164474727"/>
+                <p14:modId xmlns:p14="http://schemas.microsoft.com/office/powerpoint/2010/main" val="2656664467"/>
               </p:ext>
             </p:extLst>
           </p:nvPr>
@@ -18165,14 +18101,7 @@
                     <a:bodyPr/>
                     <a:lstStyle/>
                     <a:p>
-                      <a:r>
-                        <a:rPr lang="en-US" dirty="0"/>
-                        <a:t>Acronis @ </a:t>
-                      </a:r>
-                      <a:r>
-                        <a:rPr lang="ru-RU" dirty="0"/>
-                        <a:t>МФТИ</a:t>
-                      </a:r>
+                      <a:endParaRPr lang="ru-RU" dirty="0"/>
                     </a:p>
                   </a:txBody>
                   <a:tcPr/>
@@ -18573,7 +18502,7 @@
           <p:nvPr>
             <p:extLst>
               <p:ext uri="{D42A27DB-BD31-4B8C-83A1-F6EECF244321}">
-                <p14:modId xmlns:p14="http://schemas.microsoft.com/office/powerpoint/2010/main" val="3232086562"/>
+                <p14:modId xmlns:p14="http://schemas.microsoft.com/office/powerpoint/2010/main" val="2649401094"/>
               </p:ext>
             </p:extLst>
           </p:nvPr>
@@ -18603,14 +18532,7 @@
                     <a:bodyPr/>
                     <a:lstStyle/>
                     <a:p>
-                      <a:r>
-                        <a:rPr lang="en-US" dirty="0"/>
-                        <a:t>Acronis @ </a:t>
-                      </a:r>
-                      <a:r>
-                        <a:rPr lang="ru-RU" dirty="0"/>
-                        <a:t>МФТИ</a:t>
-                      </a:r>
+                      <a:endParaRPr lang="ru-RU" dirty="0"/>
                     </a:p>
                   </a:txBody>
                   <a:tcPr/>
@@ -18853,7 +18775,7 @@
           <p:nvPr>
             <p:extLst>
               <p:ext uri="{D42A27DB-BD31-4B8C-83A1-F6EECF244321}">
-                <p14:modId xmlns:p14="http://schemas.microsoft.com/office/powerpoint/2010/main" val="4164474727"/>
+                <p14:modId xmlns:p14="http://schemas.microsoft.com/office/powerpoint/2010/main" val="2447009961"/>
               </p:ext>
             </p:extLst>
           </p:nvPr>
@@ -18883,14 +18805,7 @@
                     <a:bodyPr/>
                     <a:lstStyle/>
                     <a:p>
-                      <a:r>
-                        <a:rPr lang="en-US" dirty="0"/>
-                        <a:t>Acronis @ </a:t>
-                      </a:r>
-                      <a:r>
-                        <a:rPr lang="ru-RU" dirty="0"/>
-                        <a:t>МФТИ</a:t>
-                      </a:r>
+                      <a:endParaRPr lang="ru-RU" dirty="0"/>
                     </a:p>
                   </a:txBody>
                   <a:tcPr/>
@@ -19399,7 +19314,7 @@
           <p:nvPr>
             <p:extLst>
               <p:ext uri="{D42A27DB-BD31-4B8C-83A1-F6EECF244321}">
-                <p14:modId xmlns:p14="http://schemas.microsoft.com/office/powerpoint/2010/main" val="4164474727"/>
+                <p14:modId xmlns:p14="http://schemas.microsoft.com/office/powerpoint/2010/main" val="2946197541"/>
               </p:ext>
             </p:extLst>
           </p:nvPr>
@@ -19429,14 +19344,7 @@
                     <a:bodyPr/>
                     <a:lstStyle/>
                     <a:p>
-                      <a:r>
-                        <a:rPr lang="en-US" dirty="0"/>
-                        <a:t>Acronis @ </a:t>
-                      </a:r>
-                      <a:r>
-                        <a:rPr lang="ru-RU" dirty="0"/>
-                        <a:t>МФТИ</a:t>
-                      </a:r>
+                      <a:endParaRPr lang="ru-RU" dirty="0"/>
                     </a:p>
                   </a:txBody>
                   <a:tcPr/>
@@ -20111,7 +20019,13 @@
           <p:cNvGraphicFramePr>
             <a:graphicFrameLocks noGrp="1"/>
           </p:cNvGraphicFramePr>
-          <p:nvPr/>
+          <p:nvPr>
+            <p:extLst>
+              <p:ext uri="{D42A27DB-BD31-4B8C-83A1-F6EECF244321}">
+                <p14:modId xmlns:p14="http://schemas.microsoft.com/office/powerpoint/2010/main" val="3166532625"/>
+              </p:ext>
+            </p:extLst>
+          </p:nvPr>
         </p:nvGraphicFramePr>
         <p:xfrm>
           <a:off x="0" y="6532604"/>
@@ -20138,14 +20052,7 @@
                     <a:bodyPr/>
                     <a:lstStyle/>
                     <a:p>
-                      <a:r>
-                        <a:rPr lang="en-US" dirty="0"/>
-                        <a:t>Acronis @ </a:t>
-                      </a:r>
-                      <a:r>
-                        <a:rPr lang="ru-RU" dirty="0"/>
-                        <a:t>МФТИ</a:t>
-                      </a:r>
+                      <a:endParaRPr lang="ru-RU" dirty="0"/>
                     </a:p>
                   </a:txBody>
                   <a:tcPr/>
@@ -20876,7 +20783,13 @@
           <p:cNvGraphicFramePr>
             <a:graphicFrameLocks noGrp="1"/>
           </p:cNvGraphicFramePr>
-          <p:nvPr/>
+          <p:nvPr>
+            <p:extLst>
+              <p:ext uri="{D42A27DB-BD31-4B8C-83A1-F6EECF244321}">
+                <p14:modId xmlns:p14="http://schemas.microsoft.com/office/powerpoint/2010/main" val="3699176643"/>
+              </p:ext>
+            </p:extLst>
+          </p:nvPr>
         </p:nvGraphicFramePr>
         <p:xfrm>
           <a:off x="0" y="6532604"/>
@@ -20903,14 +20816,7 @@
                     <a:bodyPr/>
                     <a:lstStyle/>
                     <a:p>
-                      <a:r>
-                        <a:rPr lang="en-US" dirty="0"/>
-                        <a:t>Acronis @ </a:t>
-                      </a:r>
-                      <a:r>
-                        <a:rPr lang="ru-RU" dirty="0"/>
-                        <a:t>МФТИ</a:t>
-                      </a:r>
+                      <a:endParaRPr lang="ru-RU" dirty="0"/>
                     </a:p>
                   </a:txBody>
                   <a:tcPr/>
@@ -21742,7 +21648,7 @@
           <p:nvPr>
             <p:extLst>
               <p:ext uri="{D42A27DB-BD31-4B8C-83A1-F6EECF244321}">
-                <p14:modId xmlns:p14="http://schemas.microsoft.com/office/powerpoint/2010/main" val="4164474727"/>
+                <p14:modId xmlns:p14="http://schemas.microsoft.com/office/powerpoint/2010/main" val="2253413593"/>
               </p:ext>
             </p:extLst>
           </p:nvPr>
@@ -21772,14 +21678,7 @@
                     <a:bodyPr/>
                     <a:lstStyle/>
                     <a:p>
-                      <a:r>
-                        <a:rPr lang="en-US" dirty="0"/>
-                        <a:t>Acronis @ </a:t>
-                      </a:r>
-                      <a:r>
-                        <a:rPr lang="ru-RU" dirty="0"/>
-                        <a:t>МФТИ</a:t>
-                      </a:r>
+                      <a:endParaRPr lang="ru-RU" dirty="0"/>
                     </a:p>
                   </a:txBody>
                   <a:tcPr/>
@@ -22035,7 +21934,7 @@
           <p:nvPr>
             <p:extLst>
               <p:ext uri="{D42A27DB-BD31-4B8C-83A1-F6EECF244321}">
-                <p14:modId xmlns:p14="http://schemas.microsoft.com/office/powerpoint/2010/main" val="4164474727"/>
+                <p14:modId xmlns:p14="http://schemas.microsoft.com/office/powerpoint/2010/main" val="1364700155"/>
               </p:ext>
             </p:extLst>
           </p:nvPr>
@@ -22065,14 +21964,7 @@
                     <a:bodyPr/>
                     <a:lstStyle/>
                     <a:p>
-                      <a:r>
-                        <a:rPr lang="en-US" dirty="0"/>
-                        <a:t>Acronis @ </a:t>
-                      </a:r>
-                      <a:r>
-                        <a:rPr lang="ru-RU" dirty="0"/>
-                        <a:t>МФТИ</a:t>
-                      </a:r>
+                      <a:endParaRPr lang="ru-RU" dirty="0"/>
                     </a:p>
                   </a:txBody>
                   <a:tcPr/>
@@ -22290,7 +22182,7 @@
           <p:nvPr>
             <p:extLst>
               <p:ext uri="{D42A27DB-BD31-4B8C-83A1-F6EECF244321}">
-                <p14:modId xmlns:p14="http://schemas.microsoft.com/office/powerpoint/2010/main" val="4164474727"/>
+                <p14:modId xmlns:p14="http://schemas.microsoft.com/office/powerpoint/2010/main" val="1726696389"/>
               </p:ext>
             </p:extLst>
           </p:nvPr>
@@ -22320,14 +22212,7 @@
                     <a:bodyPr/>
                     <a:lstStyle/>
                     <a:p>
-                      <a:r>
-                        <a:rPr lang="en-US" dirty="0"/>
-                        <a:t>Acronis @ </a:t>
-                      </a:r>
-                      <a:r>
-                        <a:rPr lang="ru-RU" dirty="0"/>
-                        <a:t>МФТИ</a:t>
-                      </a:r>
+                      <a:endParaRPr lang="ru-RU" dirty="0"/>
                     </a:p>
                   </a:txBody>
                   <a:tcPr/>
@@ -22687,7 +22572,7 @@
           <p:nvPr>
             <p:extLst>
               <p:ext uri="{D42A27DB-BD31-4B8C-83A1-F6EECF244321}">
-                <p14:modId xmlns:p14="http://schemas.microsoft.com/office/powerpoint/2010/main" val="4164474727"/>
+                <p14:modId xmlns:p14="http://schemas.microsoft.com/office/powerpoint/2010/main" val="118438998"/>
               </p:ext>
             </p:extLst>
           </p:nvPr>
@@ -22717,14 +22602,7 @@
                     <a:bodyPr/>
                     <a:lstStyle/>
                     <a:p>
-                      <a:r>
-                        <a:rPr lang="en-US" dirty="0"/>
-                        <a:t>Acronis @ </a:t>
-                      </a:r>
-                      <a:r>
-                        <a:rPr lang="ru-RU" dirty="0"/>
-                        <a:t>МФТИ</a:t>
-                      </a:r>
+                      <a:endParaRPr lang="ru-RU" dirty="0"/>
                     </a:p>
                   </a:txBody>
                   <a:tcPr/>
@@ -23142,7 +23020,7 @@
           <p:nvPr>
             <p:extLst>
               <p:ext uri="{D42A27DB-BD31-4B8C-83A1-F6EECF244321}">
-                <p14:modId xmlns:p14="http://schemas.microsoft.com/office/powerpoint/2010/main" val="4164474727"/>
+                <p14:modId xmlns:p14="http://schemas.microsoft.com/office/powerpoint/2010/main" val="3545797173"/>
               </p:ext>
             </p:extLst>
           </p:nvPr>
@@ -23172,14 +23050,7 @@
                     <a:bodyPr/>
                     <a:lstStyle/>
                     <a:p>
-                      <a:r>
-                        <a:rPr lang="en-US" dirty="0"/>
-                        <a:t>Acronis @ </a:t>
-                      </a:r>
-                      <a:r>
-                        <a:rPr lang="ru-RU" dirty="0"/>
-                        <a:t>МФТИ</a:t>
-                      </a:r>
+                      <a:endParaRPr lang="ru-RU" dirty="0"/>
                     </a:p>
                   </a:txBody>
                   <a:tcPr/>
@@ -23600,7 +23471,7 @@
           <p:nvPr>
             <p:extLst>
               <p:ext uri="{D42A27DB-BD31-4B8C-83A1-F6EECF244321}">
-                <p14:modId xmlns:p14="http://schemas.microsoft.com/office/powerpoint/2010/main" val="4164474727"/>
+                <p14:modId xmlns:p14="http://schemas.microsoft.com/office/powerpoint/2010/main" val="436242864"/>
               </p:ext>
             </p:extLst>
           </p:nvPr>
@@ -23630,14 +23501,7 @@
                     <a:bodyPr/>
                     <a:lstStyle/>
                     <a:p>
-                      <a:r>
-                        <a:rPr lang="en-US" dirty="0"/>
-                        <a:t>Acronis @ </a:t>
-                      </a:r>
-                      <a:r>
-                        <a:rPr lang="ru-RU" dirty="0"/>
-                        <a:t>МФТИ</a:t>
-                      </a:r>
+                      <a:endParaRPr lang="ru-RU" dirty="0"/>
                     </a:p>
                   </a:txBody>
                   <a:tcPr/>
@@ -24440,7 +24304,7 @@
           <p:nvPr>
             <p:extLst>
               <p:ext uri="{D42A27DB-BD31-4B8C-83A1-F6EECF244321}">
-                <p14:modId xmlns:p14="http://schemas.microsoft.com/office/powerpoint/2010/main" val="3232086562"/>
+                <p14:modId xmlns:p14="http://schemas.microsoft.com/office/powerpoint/2010/main" val="2496097309"/>
               </p:ext>
             </p:extLst>
           </p:nvPr>
@@ -24470,14 +24334,7 @@
                     <a:bodyPr/>
                     <a:lstStyle/>
                     <a:p>
-                      <a:r>
-                        <a:rPr lang="en-US" dirty="0"/>
-                        <a:t>Acronis @ </a:t>
-                      </a:r>
-                      <a:r>
-                        <a:rPr lang="ru-RU" dirty="0"/>
-                        <a:t>МФТИ</a:t>
-                      </a:r>
+                      <a:endParaRPr lang="ru-RU" dirty="0"/>
                     </a:p>
                   </a:txBody>
                   <a:tcPr/>
@@ -24821,7 +24678,7 @@
           <p:nvPr>
             <p:extLst>
               <p:ext uri="{D42A27DB-BD31-4B8C-83A1-F6EECF244321}">
-                <p14:modId xmlns:p14="http://schemas.microsoft.com/office/powerpoint/2010/main" val="4164474727"/>
+                <p14:modId xmlns:p14="http://schemas.microsoft.com/office/powerpoint/2010/main" val="2471234950"/>
               </p:ext>
             </p:extLst>
           </p:nvPr>
@@ -24851,14 +24708,7 @@
                     <a:bodyPr/>
                     <a:lstStyle/>
                     <a:p>
-                      <a:r>
-                        <a:rPr lang="en-US" dirty="0"/>
-                        <a:t>Acronis @ </a:t>
-                      </a:r>
-                      <a:r>
-                        <a:rPr lang="ru-RU" dirty="0"/>
-                        <a:t>МФТИ</a:t>
-                      </a:r>
+                      <a:endParaRPr lang="ru-RU" dirty="0"/>
                     </a:p>
                   </a:txBody>
                   <a:tcPr/>
@@ -25077,7 +24927,7 @@
           <p:nvPr>
             <p:extLst>
               <p:ext uri="{D42A27DB-BD31-4B8C-83A1-F6EECF244321}">
-                <p14:modId xmlns:p14="http://schemas.microsoft.com/office/powerpoint/2010/main" val="4164474727"/>
+                <p14:modId xmlns:p14="http://schemas.microsoft.com/office/powerpoint/2010/main" val="4696356"/>
               </p:ext>
             </p:extLst>
           </p:nvPr>
@@ -25107,14 +24957,7 @@
                     <a:bodyPr/>
                     <a:lstStyle/>
                     <a:p>
-                      <a:r>
-                        <a:rPr lang="en-US" dirty="0"/>
-                        <a:t>Acronis @ </a:t>
-                      </a:r>
-                      <a:r>
-                        <a:rPr lang="ru-RU" dirty="0"/>
-                        <a:t>МФТИ</a:t>
-                      </a:r>
+                      <a:endParaRPr lang="ru-RU" dirty="0"/>
                     </a:p>
                   </a:txBody>
                   <a:tcPr/>
@@ -25388,7 +25231,7 @@
           <p:nvPr>
             <p:extLst>
               <p:ext uri="{D42A27DB-BD31-4B8C-83A1-F6EECF244321}">
-                <p14:modId xmlns:p14="http://schemas.microsoft.com/office/powerpoint/2010/main" val="4164474727"/>
+                <p14:modId xmlns:p14="http://schemas.microsoft.com/office/powerpoint/2010/main" val="2092587633"/>
               </p:ext>
             </p:extLst>
           </p:nvPr>
@@ -25418,14 +25261,7 @@
                     <a:bodyPr/>
                     <a:lstStyle/>
                     <a:p>
-                      <a:r>
-                        <a:rPr lang="en-US" dirty="0"/>
-                        <a:t>Acronis @ </a:t>
-                      </a:r>
-                      <a:r>
-                        <a:rPr lang="ru-RU" dirty="0"/>
-                        <a:t>МФТИ</a:t>
-                      </a:r>
+                      <a:endParaRPr lang="ru-RU" dirty="0"/>
                     </a:p>
                   </a:txBody>
                   <a:tcPr/>
@@ -25681,7 +25517,7 @@
           <p:nvPr>
             <p:extLst>
               <p:ext uri="{D42A27DB-BD31-4B8C-83A1-F6EECF244321}">
-                <p14:modId xmlns:p14="http://schemas.microsoft.com/office/powerpoint/2010/main" val="4164474727"/>
+                <p14:modId xmlns:p14="http://schemas.microsoft.com/office/powerpoint/2010/main" val="197676859"/>
               </p:ext>
             </p:extLst>
           </p:nvPr>
@@ -25711,14 +25547,7 @@
                     <a:bodyPr/>
                     <a:lstStyle/>
                     <a:p>
-                      <a:r>
-                        <a:rPr lang="en-US" dirty="0"/>
-                        <a:t>Acronis @ </a:t>
-                      </a:r>
-                      <a:r>
-                        <a:rPr lang="ru-RU" dirty="0"/>
-                        <a:t>МФТИ</a:t>
-                      </a:r>
+                      <a:endParaRPr lang="ru-RU" dirty="0"/>
                     </a:p>
                   </a:txBody>
                   <a:tcPr/>
@@ -26015,7 +25844,7 @@
           <p:nvPr>
             <p:extLst>
               <p:ext uri="{D42A27DB-BD31-4B8C-83A1-F6EECF244321}">
-                <p14:modId xmlns:p14="http://schemas.microsoft.com/office/powerpoint/2010/main" val="4164474727"/>
+                <p14:modId xmlns:p14="http://schemas.microsoft.com/office/powerpoint/2010/main" val="3322136306"/>
               </p:ext>
             </p:extLst>
           </p:nvPr>
@@ -26045,14 +25874,7 @@
                     <a:bodyPr/>
                     <a:lstStyle/>
                     <a:p>
-                      <a:r>
-                        <a:rPr lang="en-US" dirty="0"/>
-                        <a:t>Acronis @ </a:t>
-                      </a:r>
-                      <a:r>
-                        <a:rPr lang="ru-RU" dirty="0"/>
-                        <a:t>МФТИ</a:t>
-                      </a:r>
+                      <a:endParaRPr lang="ru-RU" dirty="0"/>
                     </a:p>
                   </a:txBody>
                   <a:tcPr/>
@@ -26433,7 +26255,13 @@
           <p:cNvGraphicFramePr>
             <a:graphicFrameLocks noGrp="1"/>
           </p:cNvGraphicFramePr>
-          <p:nvPr/>
+          <p:nvPr>
+            <p:extLst>
+              <p:ext uri="{D42A27DB-BD31-4B8C-83A1-F6EECF244321}">
+                <p14:modId xmlns:p14="http://schemas.microsoft.com/office/powerpoint/2010/main" val="1973857240"/>
+              </p:ext>
+            </p:extLst>
+          </p:nvPr>
         </p:nvGraphicFramePr>
         <p:xfrm>
           <a:off x="0" y="6532604"/>
@@ -26460,14 +26288,7 @@
                     <a:bodyPr/>
                     <a:lstStyle/>
                     <a:p>
-                      <a:r>
-                        <a:rPr lang="en-US" dirty="0"/>
-                        <a:t>Acronis @ </a:t>
-                      </a:r>
-                      <a:r>
-                        <a:rPr lang="ru-RU" dirty="0"/>
-                        <a:t>МФТИ</a:t>
-                      </a:r>
+                      <a:endParaRPr lang="ru-RU" dirty="0"/>
                     </a:p>
                   </a:txBody>
                   <a:tcPr/>
@@ -26879,7 +26700,7 @@
           <p:nvPr>
             <p:extLst>
               <p:ext uri="{D42A27DB-BD31-4B8C-83A1-F6EECF244321}">
-                <p14:modId xmlns:p14="http://schemas.microsoft.com/office/powerpoint/2010/main" val="4164474727"/>
+                <p14:modId xmlns:p14="http://schemas.microsoft.com/office/powerpoint/2010/main" val="895172029"/>
               </p:ext>
             </p:extLst>
           </p:nvPr>
@@ -26909,14 +26730,7 @@
                     <a:bodyPr/>
                     <a:lstStyle/>
                     <a:p>
-                      <a:r>
-                        <a:rPr lang="en-US" dirty="0"/>
-                        <a:t>Acronis @ </a:t>
-                      </a:r>
-                      <a:r>
-                        <a:rPr lang="ru-RU" dirty="0"/>
-                        <a:t>МФТИ</a:t>
-                      </a:r>
+                      <a:endParaRPr lang="ru-RU" dirty="0"/>
                     </a:p>
                   </a:txBody>
                   <a:tcPr/>
@@ -27306,7 +27120,7 @@
           <p:nvPr>
             <p:extLst>
               <p:ext uri="{D42A27DB-BD31-4B8C-83A1-F6EECF244321}">
-                <p14:modId xmlns:p14="http://schemas.microsoft.com/office/powerpoint/2010/main" val="4164474727"/>
+                <p14:modId xmlns:p14="http://schemas.microsoft.com/office/powerpoint/2010/main" val="3900242186"/>
               </p:ext>
             </p:extLst>
           </p:nvPr>
@@ -27336,14 +27150,7 @@
                     <a:bodyPr/>
                     <a:lstStyle/>
                     <a:p>
-                      <a:r>
-                        <a:rPr lang="en-US" dirty="0"/>
-                        <a:t>Acronis @ </a:t>
-                      </a:r>
-                      <a:r>
-                        <a:rPr lang="ru-RU" dirty="0"/>
-                        <a:t>МФТИ</a:t>
-                      </a:r>
+                      <a:endParaRPr lang="ru-RU" dirty="0"/>
                     </a:p>
                   </a:txBody>
                   <a:tcPr/>
@@ -27790,7 +27597,7 @@
           <p:nvPr>
             <p:extLst>
               <p:ext uri="{D42A27DB-BD31-4B8C-83A1-F6EECF244321}">
-                <p14:modId xmlns:p14="http://schemas.microsoft.com/office/powerpoint/2010/main" val="4164474727"/>
+                <p14:modId xmlns:p14="http://schemas.microsoft.com/office/powerpoint/2010/main" val="3307140070"/>
               </p:ext>
             </p:extLst>
           </p:nvPr>
@@ -27820,14 +27627,7 @@
                     <a:bodyPr/>
                     <a:lstStyle/>
                     <a:p>
-                      <a:r>
-                        <a:rPr lang="en-US" dirty="0"/>
-                        <a:t>Acronis @ </a:t>
-                      </a:r>
-                      <a:r>
-                        <a:rPr lang="ru-RU" dirty="0"/>
-                        <a:t>МФТИ</a:t>
-                      </a:r>
+                      <a:endParaRPr lang="ru-RU" dirty="0"/>
                     </a:p>
                   </a:txBody>
                   <a:tcPr/>
@@ -28304,7 +28104,7 @@
           <p:nvPr>
             <p:extLst>
               <p:ext uri="{D42A27DB-BD31-4B8C-83A1-F6EECF244321}">
-                <p14:modId xmlns:p14="http://schemas.microsoft.com/office/powerpoint/2010/main" val="4164474727"/>
+                <p14:modId xmlns:p14="http://schemas.microsoft.com/office/powerpoint/2010/main" val="353043243"/>
               </p:ext>
             </p:extLst>
           </p:nvPr>
@@ -28334,14 +28134,7 @@
                     <a:bodyPr/>
                     <a:lstStyle/>
                     <a:p>
-                      <a:r>
-                        <a:rPr lang="en-US" dirty="0"/>
-                        <a:t>Acronis @ </a:t>
-                      </a:r>
-                      <a:r>
-                        <a:rPr lang="ru-RU" dirty="0"/>
-                        <a:t>МФТИ</a:t>
-                      </a:r>
+                      <a:endParaRPr lang="ru-RU" dirty="0"/>
                     </a:p>
                   </a:txBody>
                   <a:tcPr/>
@@ -28839,7 +28632,7 @@
           <p:nvPr>
             <p:extLst>
               <p:ext uri="{D42A27DB-BD31-4B8C-83A1-F6EECF244321}">
-                <p14:modId xmlns:p14="http://schemas.microsoft.com/office/powerpoint/2010/main" val="3232086562"/>
+                <p14:modId xmlns:p14="http://schemas.microsoft.com/office/powerpoint/2010/main" val="911041779"/>
               </p:ext>
             </p:extLst>
           </p:nvPr>
@@ -28869,14 +28662,7 @@
                     <a:bodyPr/>
                     <a:lstStyle/>
                     <a:p>
-                      <a:r>
-                        <a:rPr lang="en-US" dirty="0"/>
-                        <a:t>Acronis @ </a:t>
-                      </a:r>
-                      <a:r>
-                        <a:rPr lang="ru-RU" dirty="0"/>
-                        <a:t>МФТИ</a:t>
-                      </a:r>
+                      <a:endParaRPr lang="ru-RU" dirty="0"/>
                     </a:p>
                   </a:txBody>
                   <a:tcPr/>
@@ -29156,7 +28942,7 @@
           <p:nvPr>
             <p:extLst>
               <p:ext uri="{D42A27DB-BD31-4B8C-83A1-F6EECF244321}">
-                <p14:modId xmlns:p14="http://schemas.microsoft.com/office/powerpoint/2010/main" val="4164474727"/>
+                <p14:modId xmlns:p14="http://schemas.microsoft.com/office/powerpoint/2010/main" val="3746468786"/>
               </p:ext>
             </p:extLst>
           </p:nvPr>
@@ -29186,14 +28972,7 @@
                     <a:bodyPr/>
                     <a:lstStyle/>
                     <a:p>
-                      <a:r>
-                        <a:rPr lang="en-US" dirty="0"/>
-                        <a:t>Acronis @ </a:t>
-                      </a:r>
-                      <a:r>
-                        <a:rPr lang="ru-RU" dirty="0"/>
-                        <a:t>МФТИ</a:t>
-                      </a:r>
+                      <a:endParaRPr lang="ru-RU" dirty="0"/>
                     </a:p>
                   </a:txBody>
                   <a:tcPr/>
@@ -29684,7 +29463,7 @@
           <p:nvPr>
             <p:extLst>
               <p:ext uri="{D42A27DB-BD31-4B8C-83A1-F6EECF244321}">
-                <p14:modId xmlns:p14="http://schemas.microsoft.com/office/powerpoint/2010/main" val="4164474727"/>
+                <p14:modId xmlns:p14="http://schemas.microsoft.com/office/powerpoint/2010/main" val="2545770207"/>
               </p:ext>
             </p:extLst>
           </p:nvPr>
@@ -29714,14 +29493,7 @@
                     <a:bodyPr/>
                     <a:lstStyle/>
                     <a:p>
-                      <a:r>
-                        <a:rPr lang="en-US" dirty="0"/>
-                        <a:t>Acronis @ </a:t>
-                      </a:r>
-                      <a:r>
-                        <a:rPr lang="ru-RU" dirty="0"/>
-                        <a:t>МФТИ</a:t>
-                      </a:r>
+                      <a:endParaRPr lang="ru-RU" dirty="0"/>
                     </a:p>
                   </a:txBody>
                   <a:tcPr/>
@@ -29837,7 +29609,7 @@
           <p:nvPr>
             <p:extLst>
               <p:ext uri="{D42A27DB-BD31-4B8C-83A1-F6EECF244321}">
-                <p14:modId xmlns:p14="http://schemas.microsoft.com/office/powerpoint/2010/main" val="3232086562"/>
+                <p14:modId xmlns:p14="http://schemas.microsoft.com/office/powerpoint/2010/main" val="2509542192"/>
               </p:ext>
             </p:extLst>
           </p:nvPr>
@@ -29867,14 +29639,7 @@
                     <a:bodyPr/>
                     <a:lstStyle/>
                     <a:p>
-                      <a:r>
-                        <a:rPr lang="en-US" dirty="0"/>
-                        <a:t>Acronis @ </a:t>
-                      </a:r>
-                      <a:r>
-                        <a:rPr lang="ru-RU" dirty="0"/>
-                        <a:t>МФТИ</a:t>
-                      </a:r>
+                      <a:endParaRPr lang="ru-RU" dirty="0"/>
                     </a:p>
                   </a:txBody>
                   <a:tcPr/>
@@ -30150,7 +29915,7 @@
           <p:nvPr>
             <p:extLst>
               <p:ext uri="{D42A27DB-BD31-4B8C-83A1-F6EECF244321}">
-                <p14:modId xmlns:p14="http://schemas.microsoft.com/office/powerpoint/2010/main" val="3232086562"/>
+                <p14:modId xmlns:p14="http://schemas.microsoft.com/office/powerpoint/2010/main" val="3544009113"/>
               </p:ext>
             </p:extLst>
           </p:nvPr>
@@ -30180,14 +29945,7 @@
                     <a:bodyPr/>
                     <a:lstStyle/>
                     <a:p>
-                      <a:r>
-                        <a:rPr lang="en-US" dirty="0"/>
-                        <a:t>Acronis @ </a:t>
-                      </a:r>
-                      <a:r>
-                        <a:rPr lang="ru-RU" dirty="0"/>
-                        <a:t>МФТИ</a:t>
-                      </a:r>
+                      <a:endParaRPr lang="ru-RU" dirty="0"/>
                     </a:p>
                   </a:txBody>
                   <a:tcPr/>
@@ -30368,7 +30126,7 @@
           <p:nvPr>
             <p:extLst>
               <p:ext uri="{D42A27DB-BD31-4B8C-83A1-F6EECF244321}">
-                <p14:modId xmlns:p14="http://schemas.microsoft.com/office/powerpoint/2010/main" val="4164474727"/>
+                <p14:modId xmlns:p14="http://schemas.microsoft.com/office/powerpoint/2010/main" val="1844668163"/>
               </p:ext>
             </p:extLst>
           </p:nvPr>
@@ -30398,14 +30156,7 @@
                     <a:bodyPr/>
                     <a:lstStyle/>
                     <a:p>
-                      <a:r>
-                        <a:rPr lang="en-US" dirty="0"/>
-                        <a:t>Acronis @ </a:t>
-                      </a:r>
-                      <a:r>
-                        <a:rPr lang="ru-RU" dirty="0"/>
-                        <a:t>МФТИ</a:t>
-                      </a:r>
+                      <a:endParaRPr lang="ru-RU" dirty="0"/>
                     </a:p>
                   </a:txBody>
                   <a:tcPr/>
@@ -30721,7 +30472,7 @@
           <p:nvPr>
             <p:extLst>
               <p:ext uri="{D42A27DB-BD31-4B8C-83A1-F6EECF244321}">
-                <p14:modId xmlns:p14="http://schemas.microsoft.com/office/powerpoint/2010/main" val="4164474727"/>
+                <p14:modId xmlns:p14="http://schemas.microsoft.com/office/powerpoint/2010/main" val="1977298365"/>
               </p:ext>
             </p:extLst>
           </p:nvPr>
@@ -30751,14 +30502,7 @@
                     <a:bodyPr/>
                     <a:lstStyle/>
                     <a:p>
-                      <a:r>
-                        <a:rPr lang="en-US" dirty="0"/>
-                        <a:t>Acronis @ </a:t>
-                      </a:r>
-                      <a:r>
-                        <a:rPr lang="ru-RU" dirty="0"/>
-                        <a:t>МФТИ</a:t>
-                      </a:r>
+                      <a:endParaRPr lang="ru-RU" dirty="0"/>
                     </a:p>
                   </a:txBody>
                   <a:tcPr/>
@@ -31148,7 +30892,13 @@
           <p:cNvGraphicFramePr>
             <a:graphicFrameLocks noGrp="1"/>
           </p:cNvGraphicFramePr>
-          <p:nvPr/>
+          <p:nvPr>
+            <p:extLst>
+              <p:ext uri="{D42A27DB-BD31-4B8C-83A1-F6EECF244321}">
+                <p14:modId xmlns:p14="http://schemas.microsoft.com/office/powerpoint/2010/main" val="4158727961"/>
+              </p:ext>
+            </p:extLst>
+          </p:nvPr>
         </p:nvGraphicFramePr>
         <p:xfrm>
           <a:off x="0" y="6532604"/>
@@ -31175,14 +30925,7 @@
                     <a:bodyPr/>
                     <a:lstStyle/>
                     <a:p>
-                      <a:r>
-                        <a:rPr lang="en-US" dirty="0"/>
-                        <a:t>Acronis @ </a:t>
-                      </a:r>
-                      <a:r>
-                        <a:rPr lang="ru-RU" dirty="0"/>
-                        <a:t>МФТИ</a:t>
-                      </a:r>
+                      <a:endParaRPr lang="ru-RU" dirty="0"/>
                     </a:p>
                   </a:txBody>
                   <a:tcPr/>

--- a/talks/src/class00.pptx
+++ b/talks/src/class00.pptx
@@ -6,10 +6,10 @@
     <p:sldMasterId id="2147483660" r:id="rId2"/>
   </p:sldMasterIdLst>
   <p:notesMasterIdLst>
-    <p:notesMasterId r:id="rId44"/>
+    <p:notesMasterId r:id="rId45"/>
   </p:notesMasterIdLst>
   <p:handoutMasterIdLst>
-    <p:handoutMasterId r:id="rId45"/>
+    <p:handoutMasterId r:id="rId46"/>
   </p:handoutMasterIdLst>
   <p:sldIdLst>
     <p:sldId id="280" r:id="rId3"/>
@@ -31,28 +31,29 @@
     <p:sldId id="297" r:id="rId19"/>
     <p:sldId id="278" r:id="rId20"/>
     <p:sldId id="279" r:id="rId21"/>
-    <p:sldId id="283" r:id="rId22"/>
-    <p:sldId id="282" r:id="rId23"/>
-    <p:sldId id="301" r:id="rId24"/>
-    <p:sldId id="302" r:id="rId25"/>
-    <p:sldId id="259" r:id="rId26"/>
-    <p:sldId id="270" r:id="rId27"/>
-    <p:sldId id="275" r:id="rId28"/>
-    <p:sldId id="274" r:id="rId29"/>
-    <p:sldId id="273" r:id="rId30"/>
-    <p:sldId id="286" r:id="rId31"/>
-    <p:sldId id="285" r:id="rId32"/>
-    <p:sldId id="287" r:id="rId33"/>
-    <p:sldId id="288" r:id="rId34"/>
-    <p:sldId id="289" r:id="rId35"/>
-    <p:sldId id="290" r:id="rId36"/>
-    <p:sldId id="299" r:id="rId37"/>
-    <p:sldId id="291" r:id="rId38"/>
-    <p:sldId id="292" r:id="rId39"/>
-    <p:sldId id="293" r:id="rId40"/>
-    <p:sldId id="294" r:id="rId41"/>
-    <p:sldId id="295" r:id="rId42"/>
-    <p:sldId id="284" r:id="rId43"/>
+    <p:sldId id="303" r:id="rId22"/>
+    <p:sldId id="283" r:id="rId23"/>
+    <p:sldId id="282" r:id="rId24"/>
+    <p:sldId id="301" r:id="rId25"/>
+    <p:sldId id="302" r:id="rId26"/>
+    <p:sldId id="259" r:id="rId27"/>
+    <p:sldId id="270" r:id="rId28"/>
+    <p:sldId id="275" r:id="rId29"/>
+    <p:sldId id="274" r:id="rId30"/>
+    <p:sldId id="273" r:id="rId31"/>
+    <p:sldId id="286" r:id="rId32"/>
+    <p:sldId id="285" r:id="rId33"/>
+    <p:sldId id="287" r:id="rId34"/>
+    <p:sldId id="288" r:id="rId35"/>
+    <p:sldId id="289" r:id="rId36"/>
+    <p:sldId id="290" r:id="rId37"/>
+    <p:sldId id="299" r:id="rId38"/>
+    <p:sldId id="291" r:id="rId39"/>
+    <p:sldId id="292" r:id="rId40"/>
+    <p:sldId id="293" r:id="rId41"/>
+    <p:sldId id="294" r:id="rId42"/>
+    <p:sldId id="295" r:id="rId43"/>
+    <p:sldId id="284" r:id="rId44"/>
   </p:sldIdLst>
   <p:sldSz cx="12192000" cy="6858000"/>
   <p:notesSz cx="6858000" cy="9144000"/>
@@ -244,7 +245,7 @@
           <a:p>
             <a:fld id="{56C6788E-680A-49E5-BB93-D456A9D23A29}" type="datetimeFigureOut">
               <a:rPr lang="ru-RU" smtClean="0"/>
-              <a:t>11.09.2022</a:t>
+              <a:t>11.09.2023</a:t>
             </a:fld>
             <a:endParaRPr lang="ru-RU"/>
           </a:p>
@@ -413,7 +414,7 @@
           <a:p>
             <a:fld id="{C4DF4945-C160-4CD5-B124-49B9BE14C0AB}" type="datetimeFigureOut">
               <a:rPr lang="ru-RU" smtClean="0"/>
-              <a:t>11.09.2022</a:t>
+              <a:t>11.09.2023</a:t>
             </a:fld>
             <a:endParaRPr lang="ru-RU"/>
           </a:p>
@@ -2050,7 +2051,7 @@
     </p:spTree>
     <p:extLst>
       <p:ext uri="{BB962C8B-B14F-4D97-AF65-F5344CB8AC3E}">
-        <p14:creationId xmlns:p14="http://schemas.microsoft.com/office/powerpoint/2010/main" val="2174760312"/>
+        <p14:creationId xmlns:p14="http://schemas.microsoft.com/office/powerpoint/2010/main" val="2374771574"/>
       </p:ext>
     </p:extLst>
   </p:cSld>
@@ -2156,7 +2157,7 @@
     </p:spTree>
     <p:extLst>
       <p:ext uri="{BB962C8B-B14F-4D97-AF65-F5344CB8AC3E}">
-        <p14:creationId xmlns:p14="http://schemas.microsoft.com/office/powerpoint/2010/main" val="260031862"/>
+        <p14:creationId xmlns:p14="http://schemas.microsoft.com/office/powerpoint/2010/main" val="2174760312"/>
       </p:ext>
     </p:extLst>
   </p:cSld>
@@ -2262,7 +2263,7 @@
     </p:spTree>
     <p:extLst>
       <p:ext uri="{BB962C8B-B14F-4D97-AF65-F5344CB8AC3E}">
-        <p14:creationId xmlns:p14="http://schemas.microsoft.com/office/powerpoint/2010/main" val="3615796878"/>
+        <p14:creationId xmlns:p14="http://schemas.microsoft.com/office/powerpoint/2010/main" val="260031862"/>
       </p:ext>
     </p:extLst>
   </p:cSld>
@@ -2368,7 +2369,7 @@
     </p:spTree>
     <p:extLst>
       <p:ext uri="{BB962C8B-B14F-4D97-AF65-F5344CB8AC3E}">
-        <p14:creationId xmlns:p14="http://schemas.microsoft.com/office/powerpoint/2010/main" val="3539227940"/>
+        <p14:creationId xmlns:p14="http://schemas.microsoft.com/office/powerpoint/2010/main" val="3615796878"/>
       </p:ext>
     </p:extLst>
   </p:cSld>
@@ -2474,7 +2475,7 @@
     </p:spTree>
     <p:extLst>
       <p:ext uri="{BB962C8B-B14F-4D97-AF65-F5344CB8AC3E}">
-        <p14:creationId xmlns:p14="http://schemas.microsoft.com/office/powerpoint/2010/main" val="3471459958"/>
+        <p14:creationId xmlns:p14="http://schemas.microsoft.com/office/powerpoint/2010/main" val="3539227940"/>
       </p:ext>
     </p:extLst>
   </p:cSld>
@@ -2580,7 +2581,7 @@
     </p:spTree>
     <p:extLst>
       <p:ext uri="{BB962C8B-B14F-4D97-AF65-F5344CB8AC3E}">
-        <p14:creationId xmlns:p14="http://schemas.microsoft.com/office/powerpoint/2010/main" val="3104589451"/>
+        <p14:creationId xmlns:p14="http://schemas.microsoft.com/office/powerpoint/2010/main" val="3471459958"/>
       </p:ext>
     </p:extLst>
   </p:cSld>
@@ -2686,7 +2687,7 @@
     </p:spTree>
     <p:extLst>
       <p:ext uri="{BB962C8B-B14F-4D97-AF65-F5344CB8AC3E}">
-        <p14:creationId xmlns:p14="http://schemas.microsoft.com/office/powerpoint/2010/main" val="3089647710"/>
+        <p14:creationId xmlns:p14="http://schemas.microsoft.com/office/powerpoint/2010/main" val="3104589451"/>
       </p:ext>
     </p:extLst>
   </p:cSld>
@@ -2792,7 +2793,7 @@
     </p:spTree>
     <p:extLst>
       <p:ext uri="{BB962C8B-B14F-4D97-AF65-F5344CB8AC3E}">
-        <p14:creationId xmlns:p14="http://schemas.microsoft.com/office/powerpoint/2010/main" val="477853263"/>
+        <p14:creationId xmlns:p14="http://schemas.microsoft.com/office/powerpoint/2010/main" val="3089647710"/>
       </p:ext>
     </p:extLst>
   </p:cSld>
@@ -2898,7 +2899,7 @@
     </p:spTree>
     <p:extLst>
       <p:ext uri="{BB962C8B-B14F-4D97-AF65-F5344CB8AC3E}">
-        <p14:creationId xmlns:p14="http://schemas.microsoft.com/office/powerpoint/2010/main" val="3197921926"/>
+        <p14:creationId xmlns:p14="http://schemas.microsoft.com/office/powerpoint/2010/main" val="477853263"/>
       </p:ext>
     </p:extLst>
   </p:cSld>
@@ -3004,7 +3005,7 @@
     </p:spTree>
     <p:extLst>
       <p:ext uri="{BB962C8B-B14F-4D97-AF65-F5344CB8AC3E}">
-        <p14:creationId xmlns:p14="http://schemas.microsoft.com/office/powerpoint/2010/main" val="1856252035"/>
+        <p14:creationId xmlns:p14="http://schemas.microsoft.com/office/powerpoint/2010/main" val="3197921926"/>
       </p:ext>
     </p:extLst>
   </p:cSld>
@@ -3216,7 +3217,7 @@
     </p:spTree>
     <p:extLst>
       <p:ext uri="{BB962C8B-B14F-4D97-AF65-F5344CB8AC3E}">
-        <p14:creationId xmlns:p14="http://schemas.microsoft.com/office/powerpoint/2010/main" val="2360092116"/>
+        <p14:creationId xmlns:p14="http://schemas.microsoft.com/office/powerpoint/2010/main" val="1856252035"/>
       </p:ext>
     </p:extLst>
   </p:cSld>
@@ -3322,7 +3323,7 @@
     </p:spTree>
     <p:extLst>
       <p:ext uri="{BB962C8B-B14F-4D97-AF65-F5344CB8AC3E}">
-        <p14:creationId xmlns:p14="http://schemas.microsoft.com/office/powerpoint/2010/main" val="3801623072"/>
+        <p14:creationId xmlns:p14="http://schemas.microsoft.com/office/powerpoint/2010/main" val="2360092116"/>
       </p:ext>
     </p:extLst>
   </p:cSld>
@@ -3428,7 +3429,7 @@
     </p:spTree>
     <p:extLst>
       <p:ext uri="{BB962C8B-B14F-4D97-AF65-F5344CB8AC3E}">
-        <p14:creationId xmlns:p14="http://schemas.microsoft.com/office/powerpoint/2010/main" val="3103056123"/>
+        <p14:creationId xmlns:p14="http://schemas.microsoft.com/office/powerpoint/2010/main" val="3801623072"/>
       </p:ext>
     </p:extLst>
   </p:cSld>
@@ -3534,7 +3535,7 @@
     </p:spTree>
     <p:extLst>
       <p:ext uri="{BB962C8B-B14F-4D97-AF65-F5344CB8AC3E}">
-        <p14:creationId xmlns:p14="http://schemas.microsoft.com/office/powerpoint/2010/main" val="3544247710"/>
+        <p14:creationId xmlns:p14="http://schemas.microsoft.com/office/powerpoint/2010/main" val="3103056123"/>
       </p:ext>
     </p:extLst>
   </p:cSld>
@@ -3640,7 +3641,7 @@
     </p:spTree>
     <p:extLst>
       <p:ext uri="{BB962C8B-B14F-4D97-AF65-F5344CB8AC3E}">
-        <p14:creationId xmlns:p14="http://schemas.microsoft.com/office/powerpoint/2010/main" val="3322041196"/>
+        <p14:creationId xmlns:p14="http://schemas.microsoft.com/office/powerpoint/2010/main" val="3544247710"/>
       </p:ext>
     </p:extLst>
   </p:cSld>
@@ -3746,7 +3747,7 @@
     </p:spTree>
     <p:extLst>
       <p:ext uri="{BB962C8B-B14F-4D97-AF65-F5344CB8AC3E}">
-        <p14:creationId xmlns:p14="http://schemas.microsoft.com/office/powerpoint/2010/main" val="71045383"/>
+        <p14:creationId xmlns:p14="http://schemas.microsoft.com/office/powerpoint/2010/main" val="3322041196"/>
       </p:ext>
     </p:extLst>
   </p:cSld>
@@ -3852,7 +3853,7 @@
     </p:spTree>
     <p:extLst>
       <p:ext uri="{BB962C8B-B14F-4D97-AF65-F5344CB8AC3E}">
-        <p14:creationId xmlns:p14="http://schemas.microsoft.com/office/powerpoint/2010/main" val="3785205728"/>
+        <p14:creationId xmlns:p14="http://schemas.microsoft.com/office/powerpoint/2010/main" val="71045383"/>
       </p:ext>
     </p:extLst>
   </p:cSld>
@@ -3958,7 +3959,7 @@
     </p:spTree>
     <p:extLst>
       <p:ext uri="{BB962C8B-B14F-4D97-AF65-F5344CB8AC3E}">
-        <p14:creationId xmlns:p14="http://schemas.microsoft.com/office/powerpoint/2010/main" val="4086434289"/>
+        <p14:creationId xmlns:p14="http://schemas.microsoft.com/office/powerpoint/2010/main" val="3785205728"/>
       </p:ext>
     </p:extLst>
   </p:cSld>
@@ -4064,7 +4065,7 @@
     </p:spTree>
     <p:extLst>
       <p:ext uri="{BB962C8B-B14F-4D97-AF65-F5344CB8AC3E}">
-        <p14:creationId xmlns:p14="http://schemas.microsoft.com/office/powerpoint/2010/main" val="4006915539"/>
+        <p14:creationId xmlns:p14="http://schemas.microsoft.com/office/powerpoint/2010/main" val="4086434289"/>
       </p:ext>
     </p:extLst>
   </p:cSld>
@@ -4170,7 +4171,7 @@
     </p:spTree>
     <p:extLst>
       <p:ext uri="{BB962C8B-B14F-4D97-AF65-F5344CB8AC3E}">
-        <p14:creationId xmlns:p14="http://schemas.microsoft.com/office/powerpoint/2010/main" val="2532074372"/>
+        <p14:creationId xmlns:p14="http://schemas.microsoft.com/office/powerpoint/2010/main" val="4006915539"/>
       </p:ext>
     </p:extLst>
   </p:cSld>
@@ -4382,7 +4383,7 @@
     </p:spTree>
     <p:extLst>
       <p:ext uri="{BB962C8B-B14F-4D97-AF65-F5344CB8AC3E}">
-        <p14:creationId xmlns:p14="http://schemas.microsoft.com/office/powerpoint/2010/main" val="3979752268"/>
+        <p14:creationId xmlns:p14="http://schemas.microsoft.com/office/powerpoint/2010/main" val="2532074372"/>
       </p:ext>
     </p:extLst>
   </p:cSld>
@@ -4458,6 +4459,112 @@
             <a:fld id="{7F33120B-582B-4354-977D-A474A534F6B9}" type="slidenum">
               <a:rPr lang="ru-RU" smtClean="0"/>
               <a:t>41</a:t>
+            </a:fld>
+            <a:endParaRPr lang="ru-RU"/>
+          </a:p>
+        </p:txBody>
+      </p:sp>
+      <p:sp>
+        <p:nvSpPr>
+          <p:cNvPr id="5" name="Header Placeholder 4"/>
+          <p:cNvSpPr>
+            <a:spLocks noGrp="1"/>
+          </p:cNvSpPr>
+          <p:nvPr>
+            <p:ph type="hdr" sz="quarter" idx="11"/>
+          </p:nvPr>
+        </p:nvSpPr>
+        <p:spPr/>
+        <p:txBody>
+          <a:bodyPr/>
+          <a:lstStyle/>
+          <a:p>
+            <a:r>
+              <a:rPr lang="ru-RU"/>
+              <a:t>Основы построения файловых систем</a:t>
+            </a:r>
+          </a:p>
+        </p:txBody>
+      </p:sp>
+    </p:spTree>
+    <p:extLst>
+      <p:ext uri="{BB962C8B-B14F-4D97-AF65-F5344CB8AC3E}">
+        <p14:creationId xmlns:p14="http://schemas.microsoft.com/office/powerpoint/2010/main" val="3979752268"/>
+      </p:ext>
+    </p:extLst>
+  </p:cSld>
+  <p:clrMapOvr>
+    <a:masterClrMapping/>
+  </p:clrMapOvr>
+</p:notes>
+</file>
+
+<file path=ppt/notesSlides/notesSlide42.xml><?xml version="1.0" encoding="utf-8"?>
+<p:notes xmlns:a="http://schemas.openxmlformats.org/drawingml/2006/main" xmlns:r="http://schemas.openxmlformats.org/officeDocument/2006/relationships" xmlns:p="http://schemas.openxmlformats.org/presentationml/2006/main">
+  <p:cSld>
+    <p:spTree>
+      <p:nvGrpSpPr>
+        <p:cNvPr id="1" name=""/>
+        <p:cNvGrpSpPr/>
+        <p:nvPr/>
+      </p:nvGrpSpPr>
+      <p:grpSpPr>
+        <a:xfrm>
+          <a:off x="0" y="0"/>
+          <a:ext cx="0" cy="0"/>
+          <a:chOff x="0" y="0"/>
+          <a:chExt cx="0" cy="0"/>
+        </a:xfrm>
+      </p:grpSpPr>
+      <p:sp>
+        <p:nvSpPr>
+          <p:cNvPr id="2" name="Slide Image Placeholder 1"/>
+          <p:cNvSpPr>
+            <a:spLocks noGrp="1" noRot="1" noChangeAspect="1"/>
+          </p:cNvSpPr>
+          <p:nvPr>
+            <p:ph type="sldImg"/>
+          </p:nvPr>
+        </p:nvSpPr>
+        <p:spPr/>
+      </p:sp>
+      <p:sp>
+        <p:nvSpPr>
+          <p:cNvPr id="3" name="Notes Placeholder 2"/>
+          <p:cNvSpPr>
+            <a:spLocks noGrp="1"/>
+          </p:cNvSpPr>
+          <p:nvPr>
+            <p:ph type="body" idx="1"/>
+          </p:nvPr>
+        </p:nvSpPr>
+        <p:spPr/>
+        <p:txBody>
+          <a:bodyPr/>
+          <a:lstStyle/>
+          <a:p>
+            <a:endParaRPr lang="ru-RU"/>
+          </a:p>
+        </p:txBody>
+      </p:sp>
+      <p:sp>
+        <p:nvSpPr>
+          <p:cNvPr id="4" name="Slide Number Placeholder 3"/>
+          <p:cNvSpPr>
+            <a:spLocks noGrp="1"/>
+          </p:cNvSpPr>
+          <p:nvPr>
+            <p:ph type="sldNum" sz="quarter" idx="10"/>
+          </p:nvPr>
+        </p:nvSpPr>
+        <p:spPr/>
+        <p:txBody>
+          <a:bodyPr/>
+          <a:lstStyle/>
+          <a:p>
+            <a:fld id="{7F33120B-582B-4354-977D-A474A534F6B9}" type="slidenum">
+              <a:rPr lang="ru-RU" smtClean="0"/>
+              <a:t>42</a:t>
             </a:fld>
             <a:endParaRPr lang="ru-RU"/>
           </a:p>
@@ -5159,7 +5266,7 @@
           <a:p>
             <a:fld id="{12C63722-5D9F-4E99-9720-9B6A0C7BB1C9}" type="datetimeFigureOut">
               <a:rPr lang="ru-RU" smtClean="0"/>
-              <a:t>11.09.2022</a:t>
+              <a:t>11.09.2023</a:t>
             </a:fld>
             <a:endParaRPr lang="ru-RU"/>
           </a:p>
@@ -5329,7 +5436,7 @@
           <a:p>
             <a:fld id="{12C63722-5D9F-4E99-9720-9B6A0C7BB1C9}" type="datetimeFigureOut">
               <a:rPr lang="ru-RU" smtClean="0"/>
-              <a:t>11.09.2022</a:t>
+              <a:t>11.09.2023</a:t>
             </a:fld>
             <a:endParaRPr lang="ru-RU"/>
           </a:p>
@@ -5509,7 +5616,7 @@
           <a:p>
             <a:fld id="{12C63722-5D9F-4E99-9720-9B6A0C7BB1C9}" type="datetimeFigureOut">
               <a:rPr lang="ru-RU" smtClean="0"/>
-              <a:t>11.09.2022</a:t>
+              <a:t>11.09.2023</a:t>
             </a:fld>
             <a:endParaRPr lang="ru-RU"/>
           </a:p>
@@ -5701,7 +5808,7 @@
           <a:p>
             <a:fld id="{8C218C88-2408-4CFC-B25C-07450930B282}" type="datetimeFigureOut">
               <a:rPr lang="ru-RU" smtClean="0"/>
-              <a:t>11.09.2022</a:t>
+              <a:t>11.09.2023</a:t>
             </a:fld>
             <a:endParaRPr lang="ru-RU"/>
           </a:p>
@@ -5871,7 +5978,7 @@
           <a:p>
             <a:fld id="{8C218C88-2408-4CFC-B25C-07450930B282}" type="datetimeFigureOut">
               <a:rPr lang="ru-RU" smtClean="0"/>
-              <a:t>11.09.2022</a:t>
+              <a:t>11.09.2023</a:t>
             </a:fld>
             <a:endParaRPr lang="ru-RU"/>
           </a:p>
@@ -6117,7 +6224,7 @@
           <a:p>
             <a:fld id="{8C218C88-2408-4CFC-B25C-07450930B282}" type="datetimeFigureOut">
               <a:rPr lang="ru-RU" smtClean="0"/>
-              <a:t>11.09.2022</a:t>
+              <a:t>11.09.2023</a:t>
             </a:fld>
             <a:endParaRPr lang="ru-RU"/>
           </a:p>
@@ -6349,7 +6456,7 @@
           <a:p>
             <a:fld id="{8C218C88-2408-4CFC-B25C-07450930B282}" type="datetimeFigureOut">
               <a:rPr lang="ru-RU" smtClean="0"/>
-              <a:t>11.09.2022</a:t>
+              <a:t>11.09.2023</a:t>
             </a:fld>
             <a:endParaRPr lang="ru-RU"/>
           </a:p>
@@ -6716,7 +6823,7 @@
           <a:p>
             <a:fld id="{8C218C88-2408-4CFC-B25C-07450930B282}" type="datetimeFigureOut">
               <a:rPr lang="ru-RU" smtClean="0"/>
-              <a:t>11.09.2022</a:t>
+              <a:t>11.09.2023</a:t>
             </a:fld>
             <a:endParaRPr lang="ru-RU"/>
           </a:p>
@@ -6834,7 +6941,7 @@
           <a:p>
             <a:fld id="{8C218C88-2408-4CFC-B25C-07450930B282}" type="datetimeFigureOut">
               <a:rPr lang="ru-RU" smtClean="0"/>
-              <a:t>11.09.2022</a:t>
+              <a:t>11.09.2023</a:t>
             </a:fld>
             <a:endParaRPr lang="ru-RU"/>
           </a:p>
@@ -6929,7 +7036,7 @@
           <a:p>
             <a:fld id="{8C218C88-2408-4CFC-B25C-07450930B282}" type="datetimeFigureOut">
               <a:rPr lang="ru-RU" smtClean="0"/>
-              <a:t>11.09.2022</a:t>
+              <a:t>11.09.2023</a:t>
             </a:fld>
             <a:endParaRPr lang="ru-RU"/>
           </a:p>
@@ -7206,7 +7313,7 @@
           <a:p>
             <a:fld id="{8C218C88-2408-4CFC-B25C-07450930B282}" type="datetimeFigureOut">
               <a:rPr lang="ru-RU" smtClean="0"/>
-              <a:t>11.09.2022</a:t>
+              <a:t>11.09.2023</a:t>
             </a:fld>
             <a:endParaRPr lang="ru-RU"/>
           </a:p>
@@ -7376,7 +7483,7 @@
           <a:p>
             <a:fld id="{12C63722-5D9F-4E99-9720-9B6A0C7BB1C9}" type="datetimeFigureOut">
               <a:rPr lang="ru-RU" smtClean="0"/>
-              <a:t>11.09.2022</a:t>
+              <a:t>11.09.2023</a:t>
             </a:fld>
             <a:endParaRPr lang="ru-RU"/>
           </a:p>
@@ -7629,7 +7736,7 @@
           <a:p>
             <a:fld id="{8C218C88-2408-4CFC-B25C-07450930B282}" type="datetimeFigureOut">
               <a:rPr lang="ru-RU" smtClean="0"/>
-              <a:t>11.09.2022</a:t>
+              <a:t>11.09.2023</a:t>
             </a:fld>
             <a:endParaRPr lang="ru-RU"/>
           </a:p>
@@ -7799,7 +7906,7 @@
           <a:p>
             <a:fld id="{8C218C88-2408-4CFC-B25C-07450930B282}" type="datetimeFigureOut">
               <a:rPr lang="ru-RU" smtClean="0"/>
-              <a:t>11.09.2022</a:t>
+              <a:t>11.09.2023</a:t>
             </a:fld>
             <a:endParaRPr lang="ru-RU"/>
           </a:p>
@@ -7979,7 +8086,7 @@
           <a:p>
             <a:fld id="{8C218C88-2408-4CFC-B25C-07450930B282}" type="datetimeFigureOut">
               <a:rPr lang="ru-RU" smtClean="0"/>
-              <a:t>11.09.2022</a:t>
+              <a:t>11.09.2023</a:t>
             </a:fld>
             <a:endParaRPr lang="ru-RU"/>
           </a:p>
@@ -8225,7 +8332,7 @@
           <a:p>
             <a:fld id="{12C63722-5D9F-4E99-9720-9B6A0C7BB1C9}" type="datetimeFigureOut">
               <a:rPr lang="ru-RU" smtClean="0"/>
-              <a:t>11.09.2022</a:t>
+              <a:t>11.09.2023</a:t>
             </a:fld>
             <a:endParaRPr lang="ru-RU"/>
           </a:p>
@@ -8465,7 +8572,7 @@
           <a:p>
             <a:fld id="{12C63722-5D9F-4E99-9720-9B6A0C7BB1C9}" type="datetimeFigureOut">
               <a:rPr lang="ru-RU" smtClean="0"/>
-              <a:t>11.09.2022</a:t>
+              <a:t>11.09.2023</a:t>
             </a:fld>
             <a:endParaRPr lang="ru-RU"/>
           </a:p>
@@ -8832,7 +8939,7 @@
           <a:p>
             <a:fld id="{12C63722-5D9F-4E99-9720-9B6A0C7BB1C9}" type="datetimeFigureOut">
               <a:rPr lang="ru-RU" smtClean="0"/>
-              <a:t>11.09.2022</a:t>
+              <a:t>11.09.2023</a:t>
             </a:fld>
             <a:endParaRPr lang="ru-RU"/>
           </a:p>
@@ -8950,7 +9057,7 @@
           <a:p>
             <a:fld id="{12C63722-5D9F-4E99-9720-9B6A0C7BB1C9}" type="datetimeFigureOut">
               <a:rPr lang="ru-RU" smtClean="0"/>
-              <a:t>11.09.2022</a:t>
+              <a:t>11.09.2023</a:t>
             </a:fld>
             <a:endParaRPr lang="ru-RU"/>
           </a:p>
@@ -9045,7 +9152,7 @@
           <a:p>
             <a:fld id="{12C63722-5D9F-4E99-9720-9B6A0C7BB1C9}" type="datetimeFigureOut">
               <a:rPr lang="ru-RU" smtClean="0"/>
-              <a:t>11.09.2022</a:t>
+              <a:t>11.09.2023</a:t>
             </a:fld>
             <a:endParaRPr lang="ru-RU"/>
           </a:p>
@@ -9322,7 +9429,7 @@
           <a:p>
             <a:fld id="{12C63722-5D9F-4E99-9720-9B6A0C7BB1C9}" type="datetimeFigureOut">
               <a:rPr lang="ru-RU" smtClean="0"/>
-              <a:t>11.09.2022</a:t>
+              <a:t>11.09.2023</a:t>
             </a:fld>
             <a:endParaRPr lang="ru-RU"/>
           </a:p>
@@ -9575,7 +9682,7 @@
           <a:p>
             <a:fld id="{12C63722-5D9F-4E99-9720-9B6A0C7BB1C9}" type="datetimeFigureOut">
               <a:rPr lang="ru-RU" smtClean="0"/>
-              <a:t>11.09.2022</a:t>
+              <a:t>11.09.2023</a:t>
             </a:fld>
             <a:endParaRPr lang="ru-RU"/>
           </a:p>
@@ -9788,7 +9895,7 @@
           <a:p>
             <a:fld id="{12C63722-5D9F-4E99-9720-9B6A0C7BB1C9}" type="datetimeFigureOut">
               <a:rPr lang="ru-RU" smtClean="0"/>
-              <a:t>11.09.2022</a:t>
+              <a:t>11.09.2023</a:t>
             </a:fld>
             <a:endParaRPr lang="ru-RU"/>
           </a:p>
@@ -10328,7 +10435,7 @@
           <a:p>
             <a:fld id="{8C218C88-2408-4CFC-B25C-07450930B282}" type="datetimeFigureOut">
               <a:rPr lang="ru-RU" smtClean="0"/>
-              <a:t>11.09.2022</a:t>
+              <a:t>11.09.2023</a:t>
             </a:fld>
             <a:endParaRPr lang="ru-RU"/>
           </a:p>
@@ -12198,7 +12305,7 @@
           <p:nvPr>
             <p:extLst>
               <p:ext uri="{D42A27DB-BD31-4B8C-83A1-F6EECF244321}">
-                <p14:modId xmlns:p14="http://schemas.microsoft.com/office/powerpoint/2010/main" val="1566935996"/>
+                <p14:modId xmlns:p14="http://schemas.microsoft.com/office/powerpoint/2010/main" val="2446032856"/>
               </p:ext>
             </p:extLst>
           </p:nvPr>
@@ -12376,6 +12483,10 @@
                       <a:r>
                         <a:rPr lang="ru-RU" baseline="0" dirty="0"/>
                         <a:t> 16 сравнений</a:t>
+                      </a:r>
+                      <a:r>
+                        <a:rPr lang="en-US" baseline="0" dirty="0"/>
+                        <a:t>.</a:t>
                       </a:r>
                       <a:endParaRPr lang="ru-RU" dirty="0"/>
                     </a:p>
@@ -12669,7 +12780,13 @@
           <p:cNvGraphicFramePr>
             <a:graphicFrameLocks noGrp="1"/>
           </p:cNvGraphicFramePr>
-          <p:nvPr/>
+          <p:nvPr>
+            <p:extLst>
+              <p:ext uri="{D42A27DB-BD31-4B8C-83A1-F6EECF244321}">
+                <p14:modId xmlns:p14="http://schemas.microsoft.com/office/powerpoint/2010/main" val="2951810636"/>
+              </p:ext>
+            </p:extLst>
+          </p:nvPr>
         </p:nvGraphicFramePr>
         <p:xfrm>
           <a:off x="0" y="365760"/>
@@ -12847,6 +12964,10 @@
                       <a:r>
                         <a:rPr lang="ru-RU" baseline="0" dirty="0"/>
                         <a:t> 16 сравнений</a:t>
+                      </a:r>
+                      <a:r>
+                        <a:rPr lang="en-US" baseline="0" dirty="0"/>
+                        <a:t>.</a:t>
                       </a:r>
                       <a:endParaRPr lang="ru-RU" dirty="0"/>
                     </a:p>
@@ -13902,7 +14023,7 @@
           <p:nvPr>
             <p:extLst>
               <p:ext uri="{D42A27DB-BD31-4B8C-83A1-F6EECF244321}">
-                <p14:modId xmlns:p14="http://schemas.microsoft.com/office/powerpoint/2010/main" val="4189405855"/>
+                <p14:modId xmlns:p14="http://schemas.microsoft.com/office/powerpoint/2010/main" val="626756135"/>
               </p:ext>
             </p:extLst>
           </p:nvPr>
@@ -14083,6 +14204,10 @@
                       <a:r>
                         <a:rPr lang="ru-RU" baseline="0" dirty="0"/>
                         <a:t> 16 сравнений</a:t>
+                      </a:r>
+                      <a:r>
+                        <a:rPr lang="en-US" baseline="0" dirty="0"/>
+                        <a:t>.</a:t>
                       </a:r>
                       <a:endParaRPr lang="ru-RU" dirty="0"/>
                     </a:p>
@@ -18125,7 +18250,7 @@
           <p:nvPr>
             <p:extLst>
               <p:ext uri="{D42A27DB-BD31-4B8C-83A1-F6EECF244321}">
-                <p14:modId xmlns:p14="http://schemas.microsoft.com/office/powerpoint/2010/main" val="398340185"/>
+                <p14:modId xmlns:p14="http://schemas.microsoft.com/office/powerpoint/2010/main" val="3837147725"/>
               </p:ext>
             </p:extLst>
           </p:nvPr>
@@ -18199,11 +18324,7 @@
                     <a:p>
                       <a:r>
                         <a:rPr lang="en-US" dirty="0"/>
-                        <a:t>HDD (Hard Disk Drive, </a:t>
-                      </a:r>
-                      <a:r>
-                        <a:rPr lang="en-US" dirty="0" err="1"/>
-                        <a:t>a.k.a</a:t>
+                        <a:t>HDD (Hard Disk Drive, a.k.a.</a:t>
                       </a:r>
                       <a:r>
                         <a:rPr lang="en-US" baseline="0" dirty="0"/>
@@ -18213,12 +18334,8 @@
                         <a:rPr lang="en-US" baseline="0" dirty="0"/>
                       </a:br>
                       <a:r>
-                        <a:rPr lang="en-US" baseline="0" dirty="0" err="1"/>
-                        <a:t>a.k.a</a:t>
-                      </a:r>
-                      <a:r>
                         <a:rPr lang="en-US" baseline="0" dirty="0"/>
-                        <a:t> Spinning rust)</a:t>
+                        <a:t>a.k.a. Spinning rust)</a:t>
                       </a:r>
                       <a:endParaRPr lang="ru-RU" dirty="0"/>
                     </a:p>
@@ -18252,7 +18369,7 @@
                       </a:r>
                       <a:r>
                         <a:rPr lang="en-US" dirty="0"/>
-                        <a:t>100 MB/sec</a:t>
+                        <a:t>250 MB/sec</a:t>
                       </a:r>
                       <a:r>
                         <a:rPr lang="en-US" baseline="0" dirty="0"/>
@@ -18710,13 +18827,7 @@
           <p:cNvGraphicFramePr>
             <a:graphicFrameLocks noGrp="1"/>
           </p:cNvGraphicFramePr>
-          <p:nvPr>
-            <p:extLst>
-              <p:ext uri="{D42A27DB-BD31-4B8C-83A1-F6EECF244321}">
-                <p14:modId xmlns:p14="http://schemas.microsoft.com/office/powerpoint/2010/main" val="2281224332"/>
-              </p:ext>
-            </p:extLst>
-          </p:nvPr>
+          <p:nvPr/>
         </p:nvGraphicFramePr>
         <p:xfrm>
           <a:off x="0" y="1"/>
@@ -18772,13 +18883,7 @@
           <p:cNvGraphicFramePr>
             <a:graphicFrameLocks noGrp="1"/>
           </p:cNvGraphicFramePr>
-          <p:nvPr>
-            <p:extLst>
-              <p:ext uri="{D42A27DB-BD31-4B8C-83A1-F6EECF244321}">
-                <p14:modId xmlns:p14="http://schemas.microsoft.com/office/powerpoint/2010/main" val="2447009961"/>
-              </p:ext>
-            </p:extLst>
-          </p:nvPr>
+          <p:nvPr/>
         </p:nvGraphicFramePr>
         <p:xfrm>
           <a:off x="0" y="6532604"/>
@@ -18829,7 +18934,477 @@
           <p:nvPr>
             <p:extLst>
               <p:ext uri="{D42A27DB-BD31-4B8C-83A1-F6EECF244321}">
-                <p14:modId xmlns:p14="http://schemas.microsoft.com/office/powerpoint/2010/main" val="1077370961"/>
+                <p14:modId xmlns:p14="http://schemas.microsoft.com/office/powerpoint/2010/main" val="1579546632"/>
+              </p:ext>
+            </p:extLst>
+          </p:nvPr>
+        </p:nvGraphicFramePr>
+        <p:xfrm>
+          <a:off x="0" y="365760"/>
+          <a:ext cx="12192000" cy="1187873"/>
+        </p:xfrm>
+        <a:graphic>
+          <a:graphicData uri="http://schemas.openxmlformats.org/drawingml/2006/table">
+            <a:tbl>
+              <a:tblPr firstRow="1" bandRow="1">
+                <a:tableStyleId>{3B4B98B0-60AC-42C2-AFA5-B58CD77FA1E5}</a:tableStyleId>
+              </a:tblPr>
+              <a:tblGrid>
+                <a:gridCol w="4300151">
+                  <a:extLst>
+                    <a:ext uri="{9D8B030D-6E8A-4147-A177-3AD203B41FA5}">
+                      <a16:colId xmlns:a16="http://schemas.microsoft.com/office/drawing/2014/main" val="20000"/>
+                    </a:ext>
+                  </a:extLst>
+                </a:gridCol>
+                <a:gridCol w="7891849">
+                  <a:extLst>
+                    <a:ext uri="{9D8B030D-6E8A-4147-A177-3AD203B41FA5}">
+                      <a16:colId xmlns:a16="http://schemas.microsoft.com/office/drawing/2014/main" val="20001"/>
+                    </a:ext>
+                  </a:extLst>
+                </a:gridCol>
+              </a:tblGrid>
+              <a:tr h="547793">
+                <a:tc>
+                  <a:txBody>
+                    <a:bodyPr/>
+                    <a:lstStyle/>
+                    <a:p>
+                      <a:r>
+                        <a:rPr lang="ru-RU" sz="2400" dirty="0"/>
+                        <a:t>Устройства хранения данных</a:t>
+                      </a:r>
+                      <a:r>
+                        <a:rPr lang="en-US" sz="2400" dirty="0"/>
+                        <a:t>:</a:t>
+                      </a:r>
+                      <a:endParaRPr lang="ru-RU" sz="2400" dirty="0"/>
+                    </a:p>
+                  </a:txBody>
+                  <a:tcPr/>
+                </a:tc>
+                <a:tc>
+                  <a:txBody>
+                    <a:bodyPr/>
+                    <a:lstStyle/>
+                    <a:p>
+                      <a:endParaRPr lang="ru-RU" dirty="0"/>
+                    </a:p>
+                  </a:txBody>
+                  <a:tcPr/>
+                </a:tc>
+                <a:extLst>
+                  <a:ext uri="{0D108BD9-81ED-4DB2-BD59-A6C34878D82A}">
+                    <a16:rowId xmlns:a16="http://schemas.microsoft.com/office/drawing/2014/main" val="10000"/>
+                  </a:ext>
+                </a:extLst>
+              </a:tr>
+              <a:tr h="547793">
+                <a:tc>
+                  <a:txBody>
+                    <a:bodyPr/>
+                    <a:lstStyle/>
+                    <a:p>
+                      <a:r>
+                        <a:rPr lang="en-US" dirty="0"/>
+                        <a:t>HDD (Hard Disk Drive, a.k.a.</a:t>
+                      </a:r>
+                      <a:r>
+                        <a:rPr lang="en-US" baseline="0" dirty="0"/>
+                        <a:t> Rotating drive,</a:t>
+                      </a:r>
+                      <a:br>
+                        <a:rPr lang="en-US" baseline="0" dirty="0"/>
+                      </a:br>
+                      <a:r>
+                        <a:rPr lang="en-US" baseline="0" dirty="0"/>
+                        <a:t>a.k.a. Spinning rust)</a:t>
+                      </a:r>
+                      <a:endParaRPr lang="ru-RU" dirty="0"/>
+                    </a:p>
+                  </a:txBody>
+                  <a:tcPr/>
+                </a:tc>
+                <a:tc>
+                  <a:txBody>
+                    <a:bodyPr/>
+                    <a:lstStyle/>
+                    <a:p>
+                      <a:r>
+                        <a:rPr lang="en-US" dirty="0"/>
+                        <a:t>+ </a:t>
+                      </a:r>
+                      <a:r>
+                        <a:rPr lang="ru-RU" dirty="0"/>
+                        <a:t>достаточно</a:t>
+                      </a:r>
+                      <a:r>
+                        <a:rPr lang="ru-RU" baseline="0" dirty="0"/>
+                        <a:t> быстрое линейное чтение</a:t>
+                      </a:r>
+                      <a:r>
+                        <a:rPr lang="en-US" baseline="0" dirty="0"/>
+                        <a:t> (</a:t>
+                      </a:r>
+                      <a:r>
+                        <a:rPr lang="ru-RU" dirty="0"/>
+                        <a:t>≈</a:t>
+                      </a:r>
+                      <a:r>
+                        <a:rPr lang="en-US" dirty="0"/>
+                        <a:t>100 MB/sec</a:t>
+                      </a:r>
+                      <a:r>
+                        <a:rPr lang="en-US" baseline="0" dirty="0"/>
+                        <a:t>)</a:t>
+                      </a:r>
+                      <a:endParaRPr lang="ru-RU" baseline="0" dirty="0"/>
+                    </a:p>
+                    <a:p>
+                      <a:r>
+                        <a:rPr lang="ru-RU" baseline="0" dirty="0"/>
+                        <a:t>- очень медленный случайный доступ</a:t>
+                      </a:r>
+                      <a:r>
+                        <a:rPr lang="en-US" baseline="0" dirty="0"/>
+                        <a:t> (</a:t>
+                      </a:r>
+                      <a:r>
+                        <a:rPr lang="ru-RU" dirty="0"/>
+                        <a:t>≈</a:t>
+                      </a:r>
+                      <a:r>
+                        <a:rPr lang="en-US" dirty="0"/>
+                        <a:t>100 IOPS</a:t>
+                      </a:r>
+                      <a:r>
+                        <a:rPr lang="en-US" baseline="0" dirty="0"/>
+                        <a:t>)</a:t>
+                      </a:r>
+                      <a:endParaRPr lang="ru-RU" dirty="0"/>
+                    </a:p>
+                  </a:txBody>
+                  <a:tcPr/>
+                </a:tc>
+                <a:extLst>
+                  <a:ext uri="{0D108BD9-81ED-4DB2-BD59-A6C34878D82A}">
+                    <a16:rowId xmlns:a16="http://schemas.microsoft.com/office/drawing/2014/main" val="10001"/>
+                  </a:ext>
+                </a:extLst>
+              </a:tr>
+            </a:tbl>
+          </a:graphicData>
+        </a:graphic>
+      </p:graphicFrame>
+      <p:sp>
+        <p:nvSpPr>
+          <p:cNvPr id="4" name="TextBox 3">
+            <a:extLst>
+              <a:ext uri="{FF2B5EF4-FFF2-40B4-BE49-F238E27FC236}">
+                <a16:creationId xmlns:a16="http://schemas.microsoft.com/office/drawing/2014/main" id="{4C4C7B6F-92B9-644A-AE8C-21828686E364}"/>
+              </a:ext>
+            </a:extLst>
+          </p:cNvPr>
+          <p:cNvSpPr txBox="1"/>
+          <p:nvPr/>
+        </p:nvSpPr>
+        <p:spPr>
+          <a:xfrm>
+            <a:off x="0" y="6194050"/>
+            <a:ext cx="7676204" cy="338554"/>
+          </a:xfrm>
+          <a:prstGeom prst="rect">
+            <a:avLst/>
+          </a:prstGeom>
+          <a:noFill/>
+        </p:spPr>
+        <p:txBody>
+          <a:bodyPr wrap="none" rtlCol="0">
+            <a:spAutoFit/>
+          </a:bodyPr>
+          <a:lstStyle/>
+          <a:p>
+            <a:r>
+              <a:rPr lang="en-US" sz="1600" i="1" dirty="0">
+                <a:solidFill>
+                  <a:schemeClr val="tx1">
+                    <a:lumMod val="50000"/>
+                    <a:lumOff val="50000"/>
+                  </a:schemeClr>
+                </a:solidFill>
+              </a:rPr>
+              <a:t>* IOPS – Input/output Operations Per Second; </a:t>
+            </a:r>
+            <a:r>
+              <a:rPr lang="ru-RU" sz="1600" i="1" dirty="0">
+                <a:solidFill>
+                  <a:schemeClr val="tx1">
+                    <a:lumMod val="50000"/>
+                    <a:lumOff val="50000"/>
+                  </a:schemeClr>
+                </a:solidFill>
+              </a:rPr>
+              <a:t>Данные для </a:t>
+            </a:r>
+            <a:r>
+              <a:rPr lang="en-US" sz="1600" i="1" baseline="0" dirty="0">
+                <a:solidFill>
+                  <a:schemeClr val="tx1">
+                    <a:lumMod val="50000"/>
+                    <a:lumOff val="50000"/>
+                  </a:schemeClr>
+                </a:solidFill>
+              </a:rPr>
+              <a:t>Intel SSD DC S3700 </a:t>
+            </a:r>
+            <a:r>
+              <a:rPr lang="ru-RU" sz="1600" i="1" baseline="0" dirty="0">
+                <a:solidFill>
+                  <a:schemeClr val="tx1">
+                    <a:lumMod val="50000"/>
+                    <a:lumOff val="50000"/>
+                  </a:schemeClr>
+                </a:solidFill>
+              </a:rPr>
+              <a:t>и </a:t>
+            </a:r>
+            <a:r>
+              <a:rPr lang="en-GB" sz="1600" i="1" baseline="0" dirty="0">
+                <a:solidFill>
+                  <a:schemeClr val="tx1">
+                    <a:lumMod val="50000"/>
+                    <a:lumOff val="50000"/>
+                  </a:schemeClr>
+                </a:solidFill>
+              </a:rPr>
+              <a:t>D7-P5600</a:t>
+            </a:r>
+            <a:r>
+              <a:rPr lang="en-US" sz="1600" i="1" baseline="0" dirty="0">
+                <a:solidFill>
+                  <a:schemeClr val="tx1">
+                    <a:lumMod val="50000"/>
+                    <a:lumOff val="50000"/>
+                  </a:schemeClr>
+                </a:solidFill>
+              </a:rPr>
+              <a:t>.</a:t>
+            </a:r>
+            <a:endParaRPr lang="en-GB" sz="1600" i="1" baseline="0" dirty="0">
+              <a:solidFill>
+                <a:schemeClr val="tx1">
+                  <a:lumMod val="50000"/>
+                  <a:lumOff val="50000"/>
+                </a:schemeClr>
+              </a:solidFill>
+            </a:endParaRPr>
+          </a:p>
+        </p:txBody>
+      </p:sp>
+      <p:pic>
+        <p:nvPicPr>
+          <p:cNvPr id="1026" name="Picture 2">
+            <a:extLst>
+              <a:ext uri="{FF2B5EF4-FFF2-40B4-BE49-F238E27FC236}">
+                <a16:creationId xmlns:a16="http://schemas.microsoft.com/office/drawing/2014/main" id="{A85EFBB9-5BCF-B997-87AD-FC2A2AB28001}"/>
+              </a:ext>
+            </a:extLst>
+          </p:cNvPr>
+          <p:cNvPicPr>
+            <a:picLocks noChangeAspect="1" noChangeArrowheads="1"/>
+          </p:cNvPicPr>
+          <p:nvPr/>
+        </p:nvPicPr>
+        <p:blipFill>
+          <a:blip r:embed="rId3">
+            <a:extLst>
+              <a:ext uri="{28A0092B-C50C-407E-A947-70E740481C1C}">
+                <a14:useLocalDpi xmlns:a14="http://schemas.microsoft.com/office/drawing/2010/main" val="0"/>
+              </a:ext>
+            </a:extLst>
+          </a:blip>
+          <a:srcRect/>
+          <a:stretch>
+            <a:fillRect/>
+          </a:stretch>
+        </p:blipFill>
+        <p:spPr bwMode="auto">
+          <a:xfrm>
+            <a:off x="4515796" y="365760"/>
+            <a:ext cx="7676204" cy="5117469"/>
+          </a:xfrm>
+          <a:prstGeom prst="rect">
+            <a:avLst/>
+          </a:prstGeom>
+          <a:noFill/>
+          <a:extLst>
+            <a:ext uri="{909E8E84-426E-40DD-AFC4-6F175D3DCCD1}">
+              <a14:hiddenFill xmlns:a14="http://schemas.microsoft.com/office/drawing/2010/main">
+                <a:solidFill>
+                  <a:srgbClr val="FFFFFF"/>
+                </a:solidFill>
+              </a14:hiddenFill>
+            </a:ext>
+          </a:extLst>
+        </p:spPr>
+      </p:pic>
+    </p:spTree>
+    <p:extLst>
+      <p:ext uri="{BB962C8B-B14F-4D97-AF65-F5344CB8AC3E}">
+        <p14:creationId xmlns:p14="http://schemas.microsoft.com/office/powerpoint/2010/main" val="2360623642"/>
+      </p:ext>
+    </p:extLst>
+  </p:cSld>
+  <p:clrMapOvr>
+    <a:masterClrMapping/>
+  </p:clrMapOvr>
+</p:sld>
+</file>
+
+<file path=ppt/slides/slide21.xml><?xml version="1.0" encoding="utf-8"?>
+<p:sld xmlns:a="http://schemas.openxmlformats.org/drawingml/2006/main" xmlns:r="http://schemas.openxmlformats.org/officeDocument/2006/relationships" xmlns:p="http://schemas.openxmlformats.org/presentationml/2006/main">
+  <p:cSld>
+    <p:spTree>
+      <p:nvGrpSpPr>
+        <p:cNvPr id="1" name=""/>
+        <p:cNvGrpSpPr/>
+        <p:nvPr/>
+      </p:nvGrpSpPr>
+      <p:grpSpPr>
+        <a:xfrm>
+          <a:off x="0" y="0"/>
+          <a:ext cx="0" cy="0"/>
+          <a:chOff x="0" y="0"/>
+          <a:chExt cx="0" cy="0"/>
+        </a:xfrm>
+      </p:grpSpPr>
+      <p:graphicFrame>
+        <p:nvGraphicFramePr>
+          <p:cNvPr id="5" name="Table 4"/>
+          <p:cNvGraphicFramePr>
+            <a:graphicFrameLocks noGrp="1"/>
+          </p:cNvGraphicFramePr>
+          <p:nvPr>
+            <p:extLst>
+              <p:ext uri="{D42A27DB-BD31-4B8C-83A1-F6EECF244321}">
+                <p14:modId xmlns:p14="http://schemas.microsoft.com/office/powerpoint/2010/main" val="2281224332"/>
+              </p:ext>
+            </p:extLst>
+          </p:nvPr>
+        </p:nvGraphicFramePr>
+        <p:xfrm>
+          <a:off x="0" y="1"/>
+          <a:ext cx="12192000" cy="365760"/>
+        </p:xfrm>
+        <a:graphic>
+          <a:graphicData uri="http://schemas.openxmlformats.org/drawingml/2006/table">
+            <a:tbl>
+              <a:tblPr firstRow="1" bandRow="1">
+                <a:tableStyleId>{5C22544A-7EE6-4342-B048-85BDC9FD1C3A}</a:tableStyleId>
+              </a:tblPr>
+              <a:tblGrid>
+                <a:gridCol w="12192000">
+                  <a:extLst>
+                    <a:ext uri="{9D8B030D-6E8A-4147-A177-3AD203B41FA5}">
+                      <a16:colId xmlns:a16="http://schemas.microsoft.com/office/drawing/2014/main" val="20000"/>
+                    </a:ext>
+                  </a:extLst>
+                </a:gridCol>
+              </a:tblGrid>
+              <a:tr h="321276">
+                <a:tc>
+                  <a:txBody>
+                    <a:bodyPr/>
+                    <a:lstStyle/>
+                    <a:p>
+                      <a:r>
+                        <a:rPr lang="ru-RU" dirty="0"/>
+                        <a:t>Основы</a:t>
+                      </a:r>
+                      <a:r>
+                        <a:rPr lang="ru-RU" baseline="0" dirty="0"/>
+                        <a:t> построения файловых систем</a:t>
+                      </a:r>
+                      <a:endParaRPr lang="ru-RU" dirty="0"/>
+                    </a:p>
+                  </a:txBody>
+                  <a:tcPr/>
+                </a:tc>
+                <a:extLst>
+                  <a:ext uri="{0D108BD9-81ED-4DB2-BD59-A6C34878D82A}">
+                    <a16:rowId xmlns:a16="http://schemas.microsoft.com/office/drawing/2014/main" val="10000"/>
+                  </a:ext>
+                </a:extLst>
+              </a:tr>
+            </a:tbl>
+          </a:graphicData>
+        </a:graphic>
+      </p:graphicFrame>
+      <p:graphicFrame>
+        <p:nvGraphicFramePr>
+          <p:cNvPr id="6" name="Table 5"/>
+          <p:cNvGraphicFramePr>
+            <a:graphicFrameLocks noGrp="1"/>
+          </p:cNvGraphicFramePr>
+          <p:nvPr>
+            <p:extLst>
+              <p:ext uri="{D42A27DB-BD31-4B8C-83A1-F6EECF244321}">
+                <p14:modId xmlns:p14="http://schemas.microsoft.com/office/powerpoint/2010/main" val="2447009961"/>
+              </p:ext>
+            </p:extLst>
+          </p:nvPr>
+        </p:nvGraphicFramePr>
+        <p:xfrm>
+          <a:off x="0" y="6532604"/>
+          <a:ext cx="12192000" cy="365760"/>
+        </p:xfrm>
+        <a:graphic>
+          <a:graphicData uri="http://schemas.openxmlformats.org/drawingml/2006/table">
+            <a:tbl>
+              <a:tblPr firstRow="1" bandRow="1">
+                <a:tableStyleId>{5C22544A-7EE6-4342-B048-85BDC9FD1C3A}</a:tableStyleId>
+              </a:tblPr>
+              <a:tblGrid>
+                <a:gridCol w="12192000">
+                  <a:extLst>
+                    <a:ext uri="{9D8B030D-6E8A-4147-A177-3AD203B41FA5}">
+                      <a16:colId xmlns:a16="http://schemas.microsoft.com/office/drawing/2014/main" val="20000"/>
+                    </a:ext>
+                  </a:extLst>
+                </a:gridCol>
+              </a:tblGrid>
+              <a:tr h="308094">
+                <a:tc>
+                  <a:txBody>
+                    <a:bodyPr/>
+                    <a:lstStyle/>
+                    <a:p>
+                      <a:endParaRPr lang="ru-RU" dirty="0"/>
+                    </a:p>
+                  </a:txBody>
+                  <a:tcPr/>
+                </a:tc>
+                <a:extLst>
+                  <a:ext uri="{0D108BD9-81ED-4DB2-BD59-A6C34878D82A}">
+                    <a16:rowId xmlns:a16="http://schemas.microsoft.com/office/drawing/2014/main" val="10000"/>
+                  </a:ext>
+                </a:extLst>
+              </a:tr>
+            </a:tbl>
+          </a:graphicData>
+        </a:graphic>
+      </p:graphicFrame>
+      <p:graphicFrame>
+        <p:nvGraphicFramePr>
+          <p:cNvPr id="2" name="Table 1"/>
+          <p:cNvGraphicFramePr>
+            <a:graphicFrameLocks noGrp="1"/>
+          </p:cNvGraphicFramePr>
+          <p:nvPr>
+            <p:extLst>
+              <p:ext uri="{D42A27DB-BD31-4B8C-83A1-F6EECF244321}">
+                <p14:modId xmlns:p14="http://schemas.microsoft.com/office/powerpoint/2010/main" val="660290556"/>
               </p:ext>
             </p:extLst>
           </p:nvPr>
@@ -18903,11 +19478,7 @@
                     <a:p>
                       <a:r>
                         <a:rPr lang="en-US" dirty="0"/>
-                        <a:t>HDD (Hard Disk Drive, </a:t>
-                      </a:r>
-                      <a:r>
-                        <a:rPr lang="en-US" dirty="0" err="1"/>
-                        <a:t>a.k.a</a:t>
+                        <a:t>HDD (Hard Disk Drive, a.k.a.</a:t>
                       </a:r>
                       <a:r>
                         <a:rPr lang="en-US" baseline="0" dirty="0"/>
@@ -18917,12 +19488,8 @@
                         <a:rPr lang="en-US" baseline="0" dirty="0"/>
                       </a:br>
                       <a:r>
-                        <a:rPr lang="en-US" baseline="0" dirty="0" err="1"/>
-                        <a:t>a.k.a</a:t>
-                      </a:r>
-                      <a:r>
                         <a:rPr lang="en-US" baseline="0" dirty="0"/>
-                        <a:t> Spinning rust)</a:t>
+                        <a:t>a.k.a. Spinning rust)</a:t>
                       </a:r>
                       <a:endParaRPr lang="ru-RU" dirty="0"/>
                     </a:p>
@@ -18956,7 +19523,7 @@
                       </a:r>
                       <a:r>
                         <a:rPr lang="en-US" dirty="0"/>
-                        <a:t>100 MB/sec</a:t>
+                        <a:t>250 MB/sec</a:t>
                       </a:r>
                       <a:r>
                         <a:rPr lang="en-US" baseline="0" dirty="0"/>
@@ -19226,7 +19793,7 @@
 </p:sld>
 </file>
 
-<file path=ppt/slides/slide21.xml><?xml version="1.0" encoding="utf-8"?>
+<file path=ppt/slides/slide22.xml><?xml version="1.0" encoding="utf-8"?>
 <p:sld xmlns:a="http://schemas.openxmlformats.org/drawingml/2006/main" xmlns:r="http://schemas.openxmlformats.org/officeDocument/2006/relationships" xmlns:p="http://schemas.openxmlformats.org/presentationml/2006/main">
   <p:cSld>
     <p:spTree>
@@ -19368,7 +19935,7 @@
           <p:nvPr>
             <p:extLst>
               <p:ext uri="{D42A27DB-BD31-4B8C-83A1-F6EECF244321}">
-                <p14:modId xmlns:p14="http://schemas.microsoft.com/office/powerpoint/2010/main" val="816777515"/>
+                <p14:modId xmlns:p14="http://schemas.microsoft.com/office/powerpoint/2010/main" val="4161280404"/>
               </p:ext>
             </p:extLst>
           </p:nvPr>
@@ -19442,11 +20009,7 @@
                     <a:p>
                       <a:r>
                         <a:rPr lang="en-US" dirty="0"/>
-                        <a:t>HDD (Hard Disk Drive, </a:t>
-                      </a:r>
-                      <a:r>
-                        <a:rPr lang="en-US" dirty="0" err="1"/>
-                        <a:t>a.k.a</a:t>
+                        <a:t>HDD (Hard Disk Drive, a.k.a.</a:t>
                       </a:r>
                       <a:r>
                         <a:rPr lang="en-US" baseline="0" dirty="0"/>
@@ -19456,12 +20019,8 @@
                         <a:rPr lang="en-US" baseline="0" dirty="0"/>
                       </a:br>
                       <a:r>
-                        <a:rPr lang="en-US" baseline="0" dirty="0" err="1"/>
-                        <a:t>a.k.a</a:t>
-                      </a:r>
-                      <a:r>
                         <a:rPr lang="en-US" baseline="0" dirty="0"/>
-                        <a:t> Spinning rust)</a:t>
+                        <a:t>a.k.a. Spinning rust)</a:t>
                       </a:r>
                       <a:endParaRPr lang="ru-RU" dirty="0"/>
                     </a:p>
@@ -19495,7 +20054,7 @@
                       </a:r>
                       <a:r>
                         <a:rPr lang="en-US" dirty="0"/>
-                        <a:t>100 MB/sec</a:t>
+                        <a:t>250 MB/sec</a:t>
                       </a:r>
                       <a:r>
                         <a:rPr lang="en-US" baseline="0" dirty="0"/>
@@ -19931,770 +20490,6 @@
     <p:extLst>
       <p:ext uri="{BB962C8B-B14F-4D97-AF65-F5344CB8AC3E}">
         <p14:creationId xmlns:p14="http://schemas.microsoft.com/office/powerpoint/2010/main" val="1461535599"/>
-      </p:ext>
-    </p:extLst>
-  </p:cSld>
-  <p:clrMapOvr>
-    <a:masterClrMapping/>
-  </p:clrMapOvr>
-</p:sld>
-</file>
-
-<file path=ppt/slides/slide22.xml><?xml version="1.0" encoding="utf-8"?>
-<p:sld xmlns:a="http://schemas.openxmlformats.org/drawingml/2006/main" xmlns:r="http://schemas.openxmlformats.org/officeDocument/2006/relationships" xmlns:p="http://schemas.openxmlformats.org/presentationml/2006/main">
-  <p:cSld>
-    <p:spTree>
-      <p:nvGrpSpPr>
-        <p:cNvPr id="1" name=""/>
-        <p:cNvGrpSpPr/>
-        <p:nvPr/>
-      </p:nvGrpSpPr>
-      <p:grpSpPr>
-        <a:xfrm>
-          <a:off x="0" y="0"/>
-          <a:ext cx="0" cy="0"/>
-          <a:chOff x="0" y="0"/>
-          <a:chExt cx="0" cy="0"/>
-        </a:xfrm>
-      </p:grpSpPr>
-      <p:graphicFrame>
-        <p:nvGraphicFramePr>
-          <p:cNvPr id="5" name="Table 4"/>
-          <p:cNvGraphicFramePr>
-            <a:graphicFrameLocks noGrp="1"/>
-          </p:cNvGraphicFramePr>
-          <p:nvPr/>
-        </p:nvGraphicFramePr>
-        <p:xfrm>
-          <a:off x="0" y="1"/>
-          <a:ext cx="12192000" cy="365760"/>
-        </p:xfrm>
-        <a:graphic>
-          <a:graphicData uri="http://schemas.openxmlformats.org/drawingml/2006/table">
-            <a:tbl>
-              <a:tblPr firstRow="1" bandRow="1">
-                <a:tableStyleId>{5C22544A-7EE6-4342-B048-85BDC9FD1C3A}</a:tableStyleId>
-              </a:tblPr>
-              <a:tblGrid>
-                <a:gridCol w="12192000">
-                  <a:extLst>
-                    <a:ext uri="{9D8B030D-6E8A-4147-A177-3AD203B41FA5}">
-                      <a16:colId xmlns:a16="http://schemas.microsoft.com/office/drawing/2014/main" val="20000"/>
-                    </a:ext>
-                  </a:extLst>
-                </a:gridCol>
-              </a:tblGrid>
-              <a:tr h="321276">
-                <a:tc>
-                  <a:txBody>
-                    <a:bodyPr/>
-                    <a:lstStyle/>
-                    <a:p>
-                      <a:r>
-                        <a:rPr lang="ru-RU" dirty="0"/>
-                        <a:t>Основы</a:t>
-                      </a:r>
-                      <a:r>
-                        <a:rPr lang="ru-RU" baseline="0" dirty="0"/>
-                        <a:t> построения файловых систем</a:t>
-                      </a:r>
-                      <a:endParaRPr lang="ru-RU" dirty="0"/>
-                    </a:p>
-                  </a:txBody>
-                  <a:tcPr/>
-                </a:tc>
-                <a:extLst>
-                  <a:ext uri="{0D108BD9-81ED-4DB2-BD59-A6C34878D82A}">
-                    <a16:rowId xmlns:a16="http://schemas.microsoft.com/office/drawing/2014/main" val="10000"/>
-                  </a:ext>
-                </a:extLst>
-              </a:tr>
-            </a:tbl>
-          </a:graphicData>
-        </a:graphic>
-      </p:graphicFrame>
-      <p:graphicFrame>
-        <p:nvGraphicFramePr>
-          <p:cNvPr id="6" name="Table 5"/>
-          <p:cNvGraphicFramePr>
-            <a:graphicFrameLocks noGrp="1"/>
-          </p:cNvGraphicFramePr>
-          <p:nvPr>
-            <p:extLst>
-              <p:ext uri="{D42A27DB-BD31-4B8C-83A1-F6EECF244321}">
-                <p14:modId xmlns:p14="http://schemas.microsoft.com/office/powerpoint/2010/main" val="3166532625"/>
-              </p:ext>
-            </p:extLst>
-          </p:nvPr>
-        </p:nvGraphicFramePr>
-        <p:xfrm>
-          <a:off x="0" y="6532604"/>
-          <a:ext cx="12192000" cy="365760"/>
-        </p:xfrm>
-        <a:graphic>
-          <a:graphicData uri="http://schemas.openxmlformats.org/drawingml/2006/table">
-            <a:tbl>
-              <a:tblPr firstRow="1" bandRow="1">
-                <a:tableStyleId>{5C22544A-7EE6-4342-B048-85BDC9FD1C3A}</a:tableStyleId>
-              </a:tblPr>
-              <a:tblGrid>
-                <a:gridCol w="12192000">
-                  <a:extLst>
-                    <a:ext uri="{9D8B030D-6E8A-4147-A177-3AD203B41FA5}">
-                      <a16:colId xmlns:a16="http://schemas.microsoft.com/office/drawing/2014/main" val="20000"/>
-                    </a:ext>
-                  </a:extLst>
-                </a:gridCol>
-              </a:tblGrid>
-              <a:tr h="308094">
-                <a:tc>
-                  <a:txBody>
-                    <a:bodyPr/>
-                    <a:lstStyle/>
-                    <a:p>
-                      <a:endParaRPr lang="ru-RU" dirty="0"/>
-                    </a:p>
-                  </a:txBody>
-                  <a:tcPr/>
-                </a:tc>
-                <a:extLst>
-                  <a:ext uri="{0D108BD9-81ED-4DB2-BD59-A6C34878D82A}">
-                    <a16:rowId xmlns:a16="http://schemas.microsoft.com/office/drawing/2014/main" val="10000"/>
-                  </a:ext>
-                </a:extLst>
-              </a:tr>
-            </a:tbl>
-          </a:graphicData>
-        </a:graphic>
-      </p:graphicFrame>
-      <p:graphicFrame>
-        <p:nvGraphicFramePr>
-          <p:cNvPr id="2" name="Table 1"/>
-          <p:cNvGraphicFramePr>
-            <a:graphicFrameLocks noGrp="1"/>
-          </p:cNvGraphicFramePr>
-          <p:nvPr>
-            <p:extLst>
-              <p:ext uri="{D42A27DB-BD31-4B8C-83A1-F6EECF244321}">
-                <p14:modId xmlns:p14="http://schemas.microsoft.com/office/powerpoint/2010/main" val="1459378188"/>
-              </p:ext>
-            </p:extLst>
-          </p:nvPr>
-        </p:nvGraphicFramePr>
-        <p:xfrm>
-          <a:off x="0" y="365760"/>
-          <a:ext cx="12192000" cy="4661746"/>
-        </p:xfrm>
-        <a:graphic>
-          <a:graphicData uri="http://schemas.openxmlformats.org/drawingml/2006/table">
-            <a:tbl>
-              <a:tblPr firstRow="1" bandRow="1">
-                <a:tableStyleId>{3B4B98B0-60AC-42C2-AFA5-B58CD77FA1E5}</a:tableStyleId>
-              </a:tblPr>
-              <a:tblGrid>
-                <a:gridCol w="4300151">
-                  <a:extLst>
-                    <a:ext uri="{9D8B030D-6E8A-4147-A177-3AD203B41FA5}">
-                      <a16:colId xmlns:a16="http://schemas.microsoft.com/office/drawing/2014/main" val="20000"/>
-                    </a:ext>
-                  </a:extLst>
-                </a:gridCol>
-                <a:gridCol w="7891849">
-                  <a:extLst>
-                    <a:ext uri="{9D8B030D-6E8A-4147-A177-3AD203B41FA5}">
-                      <a16:colId xmlns:a16="http://schemas.microsoft.com/office/drawing/2014/main" val="20001"/>
-                    </a:ext>
-                  </a:extLst>
-                </a:gridCol>
-              </a:tblGrid>
-              <a:tr h="547793">
-                <a:tc>
-                  <a:txBody>
-                    <a:bodyPr/>
-                    <a:lstStyle/>
-                    <a:p>
-                      <a:r>
-                        <a:rPr lang="ru-RU" sz="2400" dirty="0"/>
-                        <a:t>Устройства хранения данных</a:t>
-                      </a:r>
-                      <a:r>
-                        <a:rPr lang="en-US" sz="2400" dirty="0"/>
-                        <a:t>:</a:t>
-                      </a:r>
-                      <a:endParaRPr lang="ru-RU" sz="2400" dirty="0"/>
-                    </a:p>
-                  </a:txBody>
-                  <a:tcPr/>
-                </a:tc>
-                <a:tc>
-                  <a:txBody>
-                    <a:bodyPr/>
-                    <a:lstStyle/>
-                    <a:p>
-                      <a:endParaRPr lang="ru-RU" dirty="0"/>
-                    </a:p>
-                  </a:txBody>
-                  <a:tcPr/>
-                </a:tc>
-                <a:extLst>
-                  <a:ext uri="{0D108BD9-81ED-4DB2-BD59-A6C34878D82A}">
-                    <a16:rowId xmlns:a16="http://schemas.microsoft.com/office/drawing/2014/main" val="10000"/>
-                  </a:ext>
-                </a:extLst>
-              </a:tr>
-              <a:tr h="547793">
-                <a:tc>
-                  <a:txBody>
-                    <a:bodyPr/>
-                    <a:lstStyle/>
-                    <a:p>
-                      <a:r>
-                        <a:rPr lang="en-US" dirty="0"/>
-                        <a:t>HDD (Hard Disk Drive, </a:t>
-                      </a:r>
-                      <a:r>
-                        <a:rPr lang="en-US" dirty="0" err="1"/>
-                        <a:t>a.k.a</a:t>
-                      </a:r>
-                      <a:r>
-                        <a:rPr lang="en-US" baseline="0" dirty="0"/>
-                        <a:t> Rotating drive,</a:t>
-                      </a:r>
-                      <a:br>
-                        <a:rPr lang="en-US" baseline="0" dirty="0"/>
-                      </a:br>
-                      <a:r>
-                        <a:rPr lang="en-US" baseline="0" dirty="0" err="1"/>
-                        <a:t>a.k.a</a:t>
-                      </a:r>
-                      <a:r>
-                        <a:rPr lang="en-US" baseline="0" dirty="0"/>
-                        <a:t> Spinning rust)</a:t>
-                      </a:r>
-                      <a:endParaRPr lang="ru-RU" dirty="0"/>
-                    </a:p>
-                  </a:txBody>
-                  <a:tcPr/>
-                </a:tc>
-                <a:tc>
-                  <a:txBody>
-                    <a:bodyPr/>
-                    <a:lstStyle/>
-                    <a:p>
-                      <a:r>
-                        <a:rPr lang="en-US" dirty="0"/>
-                        <a:t>+ </a:t>
-                      </a:r>
-                      <a:r>
-                        <a:rPr lang="ru-RU" dirty="0"/>
-                        <a:t>достаточно</a:t>
-                      </a:r>
-                      <a:r>
-                        <a:rPr lang="ru-RU" baseline="0" dirty="0"/>
-                        <a:t> быстрое линейное чтение</a:t>
-                      </a:r>
-                      <a:r>
-                        <a:rPr lang="en-US" baseline="0" dirty="0"/>
-                        <a:t> (</a:t>
-                      </a:r>
-                      <a:r>
-                        <a:rPr lang="ru-RU" dirty="0"/>
-                        <a:t>≈</a:t>
-                      </a:r>
-                      <a:r>
-                        <a:rPr lang="en-US" dirty="0"/>
-                        <a:t>100 MB/sec</a:t>
-                      </a:r>
-                      <a:r>
-                        <a:rPr lang="en-US" baseline="0" dirty="0"/>
-                        <a:t>),</a:t>
-                      </a:r>
-                      <a:endParaRPr lang="ru-RU" baseline="0" dirty="0"/>
-                    </a:p>
-                    <a:p>
-                      <a:r>
-                        <a:rPr lang="ru-RU" baseline="0" dirty="0"/>
-                        <a:t>- очень медленный случайный доступ</a:t>
-                      </a:r>
-                      <a:r>
-                        <a:rPr lang="en-US" baseline="0" dirty="0"/>
-                        <a:t> (</a:t>
-                      </a:r>
-                      <a:r>
-                        <a:rPr lang="ru-RU" dirty="0"/>
-                        <a:t>≈</a:t>
-                      </a:r>
-                      <a:r>
-                        <a:rPr lang="en-US" dirty="0"/>
-                        <a:t>100 IOPS</a:t>
-                      </a:r>
-                      <a:r>
-                        <a:rPr lang="en-US" baseline="0" dirty="0"/>
-                        <a:t>).</a:t>
-                      </a:r>
-                      <a:endParaRPr lang="ru-RU" dirty="0"/>
-                    </a:p>
-                  </a:txBody>
-                  <a:tcPr/>
-                </a:tc>
-                <a:extLst>
-                  <a:ext uri="{0D108BD9-81ED-4DB2-BD59-A6C34878D82A}">
-                    <a16:rowId xmlns:a16="http://schemas.microsoft.com/office/drawing/2014/main" val="10001"/>
-                  </a:ext>
-                </a:extLst>
-              </a:tr>
-              <a:tr h="547793">
-                <a:tc>
-                  <a:txBody>
-                    <a:bodyPr/>
-                    <a:lstStyle/>
-                    <a:p>
-                      <a:r>
-                        <a:rPr lang="en-US" dirty="0"/>
-                        <a:t>Flash</a:t>
-                      </a:r>
-                      <a:r>
-                        <a:rPr lang="en-US" baseline="0" dirty="0"/>
-                        <a:t> memory</a:t>
-                      </a:r>
-                      <a:endParaRPr lang="ru-RU" dirty="0"/>
-                    </a:p>
-                  </a:txBody>
-                  <a:tcPr/>
-                </a:tc>
-                <a:tc>
-                  <a:txBody>
-                    <a:bodyPr/>
-                    <a:lstStyle/>
-                    <a:p>
-                      <a:r>
-                        <a:rPr lang="en-US" dirty="0"/>
-                        <a:t>+ </a:t>
-                      </a:r>
-                      <a:r>
-                        <a:rPr lang="ru-RU" dirty="0"/>
-                        <a:t>быстрое линейное чтение</a:t>
-                      </a:r>
-                      <a:r>
-                        <a:rPr lang="en-US" dirty="0"/>
-                        <a:t>,</a:t>
-                      </a:r>
-                      <a:endParaRPr lang="ru-RU" dirty="0"/>
-                    </a:p>
-                    <a:p>
-                      <a:r>
-                        <a:rPr lang="ru-RU" dirty="0"/>
-                        <a:t>+ нет времени</a:t>
-                      </a:r>
-                      <a:r>
-                        <a:rPr lang="ru-RU" baseline="0" dirty="0"/>
-                        <a:t> «позиционирования головок»</a:t>
-                      </a:r>
-                      <a:r>
-                        <a:rPr lang="en-US" baseline="0" dirty="0"/>
-                        <a:t>,</a:t>
-                      </a:r>
-                      <a:endParaRPr lang="ru-RU" baseline="0" dirty="0"/>
-                    </a:p>
-                    <a:p>
-                      <a:pPr marL="285750" indent="-285750">
-                        <a:buFontTx/>
-                        <a:buChar char="-"/>
-                      </a:pPr>
-                      <a:r>
-                        <a:rPr lang="ru-RU" baseline="0" dirty="0"/>
-                        <a:t>перезаписывать можно только </a:t>
-                      </a:r>
-                      <a:r>
-                        <a:rPr lang="en-US" baseline="0" dirty="0"/>
-                        <a:t>“rewrite block”</a:t>
-                      </a:r>
-                      <a:r>
-                        <a:rPr lang="ru-RU" baseline="0" dirty="0"/>
-                        <a:t> целиком, а он несколько </a:t>
-                      </a:r>
-                      <a:r>
-                        <a:rPr lang="en-US" baseline="0" dirty="0"/>
-                        <a:t>MB </a:t>
-                      </a:r>
-                      <a:r>
-                        <a:rPr lang="ru-RU" baseline="0" dirty="0"/>
-                        <a:t>в размере</a:t>
-                      </a:r>
-                      <a:r>
-                        <a:rPr lang="en-US" baseline="0" dirty="0"/>
-                        <a:t>,</a:t>
-                      </a:r>
-                      <a:endParaRPr lang="ru-RU" baseline="0" dirty="0"/>
-                    </a:p>
-                    <a:p>
-                      <a:pPr marL="285750" indent="-285750">
-                        <a:buFontTx/>
-                        <a:buChar char="-"/>
-                      </a:pPr>
-                      <a:r>
-                        <a:rPr lang="ru-RU" baseline="0" dirty="0"/>
-                        <a:t>небольшое число циклов перезаписи</a:t>
-                      </a:r>
-                      <a:r>
-                        <a:rPr lang="en-US" baseline="0" dirty="0"/>
-                        <a:t>.</a:t>
-                      </a:r>
-                      <a:endParaRPr lang="ru-RU" dirty="0"/>
-                    </a:p>
-                  </a:txBody>
-                  <a:tcPr/>
-                </a:tc>
-                <a:extLst>
-                  <a:ext uri="{0D108BD9-81ED-4DB2-BD59-A6C34878D82A}">
-                    <a16:rowId xmlns:a16="http://schemas.microsoft.com/office/drawing/2014/main" val="10002"/>
-                  </a:ext>
-                </a:extLst>
-              </a:tr>
-              <a:tr h="547793">
-                <a:tc>
-                  <a:txBody>
-                    <a:bodyPr/>
-                    <a:lstStyle/>
-                    <a:p>
-                      <a:r>
-                        <a:rPr lang="en-US" dirty="0"/>
-                        <a:t>SSD</a:t>
-                      </a:r>
-                      <a:r>
-                        <a:rPr lang="en-US" baseline="0" dirty="0"/>
-                        <a:t> (Solid State Drive), SATA</a:t>
-                      </a:r>
-                      <a:endParaRPr lang="ru-RU" dirty="0"/>
-                    </a:p>
-                  </a:txBody>
-                  <a:tcPr/>
-                </a:tc>
-                <a:tc>
-                  <a:txBody>
-                    <a:bodyPr/>
-                    <a:lstStyle/>
-                    <a:p>
-                      <a:r>
-                        <a:rPr lang="en-US" dirty="0"/>
-                        <a:t>Flash + </a:t>
-                      </a:r>
-                      <a:r>
-                        <a:rPr lang="ru-RU" baseline="0" dirty="0"/>
-                        <a:t>компьютер, который прячет сложность работы с </a:t>
-                      </a:r>
-                      <a:r>
-                        <a:rPr lang="en-US" baseline="0" dirty="0"/>
-                        <a:t>“rewrite blocks”.</a:t>
-                      </a:r>
-                      <a:endParaRPr lang="ru-RU" baseline="0" dirty="0"/>
-                    </a:p>
-                    <a:p>
-                      <a:r>
-                        <a:rPr lang="ru-RU" baseline="0" dirty="0"/>
-                        <a:t>+ быстрый линейный доступ (</a:t>
-                      </a:r>
-                      <a:r>
-                        <a:rPr lang="ru-RU" dirty="0"/>
-                        <a:t>≈</a:t>
-                      </a:r>
-                      <a:r>
-                        <a:rPr lang="ru-RU" baseline="0" dirty="0"/>
-                        <a:t>500</a:t>
-                      </a:r>
-                      <a:r>
-                        <a:rPr lang="en-US" baseline="0" dirty="0"/>
-                        <a:t> MB/sec sequential read</a:t>
-                      </a:r>
-                      <a:r>
-                        <a:rPr lang="en-US" baseline="30000" dirty="0"/>
-                        <a:t>*</a:t>
-                      </a:r>
-                      <a:r>
-                        <a:rPr lang="ru-RU" baseline="0" dirty="0"/>
-                        <a:t>)</a:t>
-                      </a:r>
-                      <a:r>
-                        <a:rPr lang="en-US" baseline="0" dirty="0"/>
-                        <a:t>,</a:t>
-                      </a:r>
-                    </a:p>
-                    <a:p>
-                      <a:pPr marL="0" marR="0" lvl="0" indent="0" algn="l" defTabSz="914400" rtl="0" eaLnBrk="1" fontAlgn="auto" latinLnBrk="0" hangingPunct="1">
-                        <a:lnSpc>
-                          <a:spcPct val="100000"/>
-                        </a:lnSpc>
-                        <a:spcBef>
-                          <a:spcPts val="0"/>
-                        </a:spcBef>
-                        <a:spcAft>
-                          <a:spcPts val="0"/>
-                        </a:spcAft>
-                        <a:buClrTx/>
-                        <a:buSzTx/>
-                        <a:buFontTx/>
-                        <a:buNone/>
-                        <a:tabLst/>
-                        <a:defRPr/>
-                      </a:pPr>
-                      <a:r>
-                        <a:rPr lang="en-US" baseline="0" dirty="0"/>
-                        <a:t>+ </a:t>
-                      </a:r>
-                      <a:r>
-                        <a:rPr lang="ru-RU" baseline="0" dirty="0"/>
-                        <a:t>быстрый</a:t>
-                      </a:r>
-                      <a:r>
-                        <a:rPr lang="en-US" baseline="0" dirty="0"/>
-                        <a:t> </a:t>
-                      </a:r>
-                      <a:r>
-                        <a:rPr lang="ru-RU" baseline="0" dirty="0"/>
-                        <a:t>произвольный доступ (</a:t>
-                      </a:r>
-                      <a:r>
-                        <a:rPr lang="ru-RU" dirty="0"/>
-                        <a:t>≈</a:t>
-                      </a:r>
-                      <a:r>
-                        <a:rPr lang="en-US" baseline="0" dirty="0"/>
-                        <a:t>75.000 IOPS),</a:t>
-                      </a:r>
-                    </a:p>
-                    <a:p>
-                      <a:pPr marL="285750" marR="0" lvl="0" indent="-285750" algn="l" defTabSz="914400" rtl="0" eaLnBrk="1" fontAlgn="auto" latinLnBrk="0" hangingPunct="1">
-                        <a:lnSpc>
-                          <a:spcPct val="100000"/>
-                        </a:lnSpc>
-                        <a:spcBef>
-                          <a:spcPts val="0"/>
-                        </a:spcBef>
-                        <a:spcAft>
-                          <a:spcPts val="0"/>
-                        </a:spcAft>
-                        <a:buClrTx/>
-                        <a:buSzTx/>
-                        <a:buFontTx/>
-                        <a:buChar char="-"/>
-                        <a:tabLst/>
-                        <a:defRPr/>
-                      </a:pPr>
-                      <a:r>
-                        <a:rPr lang="ru-RU" baseline="0" dirty="0"/>
-                        <a:t>деградация производительности со временем</a:t>
-                      </a:r>
-                      <a:r>
-                        <a:rPr lang="en-US" baseline="0" dirty="0"/>
-                        <a:t>,</a:t>
-                      </a:r>
-                    </a:p>
-                    <a:p>
-                      <a:pPr marL="285750" marR="0" lvl="0" indent="-285750" algn="l" defTabSz="914400" rtl="0" eaLnBrk="1" fontAlgn="auto" latinLnBrk="0" hangingPunct="1">
-                        <a:lnSpc>
-                          <a:spcPct val="100000"/>
-                        </a:lnSpc>
-                        <a:spcBef>
-                          <a:spcPts val="0"/>
-                        </a:spcBef>
-                        <a:spcAft>
-                          <a:spcPts val="0"/>
-                        </a:spcAft>
-                        <a:buClrTx/>
-                        <a:buSzTx/>
-                        <a:buFontTx/>
-                        <a:buChar char="-"/>
-                        <a:tabLst/>
-                        <a:defRPr/>
-                      </a:pPr>
-                      <a:r>
-                        <a:rPr lang="ru-RU" baseline="0" dirty="0"/>
-                        <a:t>желательна специальная поддержки со стороны ОС, например, </a:t>
-                      </a:r>
-                      <a:r>
-                        <a:rPr lang="en-US" baseline="0" dirty="0"/>
-                        <a:t>ATA TRIM.</a:t>
-                      </a:r>
-                      <a:endParaRPr lang="ru-RU" dirty="0"/>
-                    </a:p>
-                  </a:txBody>
-                  <a:tcPr/>
-                </a:tc>
-                <a:extLst>
-                  <a:ext uri="{0D108BD9-81ED-4DB2-BD59-A6C34878D82A}">
-                    <a16:rowId xmlns:a16="http://schemas.microsoft.com/office/drawing/2014/main" val="10003"/>
-                  </a:ext>
-                </a:extLst>
-              </a:tr>
-              <a:tr h="547793">
-                <a:tc>
-                  <a:txBody>
-                    <a:bodyPr/>
-                    <a:lstStyle/>
-                    <a:p>
-                      <a:r>
-                        <a:rPr lang="en-US" dirty="0"/>
-                        <a:t>SSD, </a:t>
-                      </a:r>
-                      <a:r>
-                        <a:rPr lang="en-US" dirty="0" err="1"/>
-                        <a:t>NVMe</a:t>
-                      </a:r>
-                      <a:endParaRPr lang="ru-RU" dirty="0"/>
-                    </a:p>
-                  </a:txBody>
-                  <a:tcPr/>
-                </a:tc>
-                <a:tc>
-                  <a:txBody>
-                    <a:bodyPr/>
-                    <a:lstStyle/>
-                    <a:p>
-                      <a:r>
-                        <a:rPr lang="en-US" baseline="0" dirty="0"/>
-                        <a:t>SSD </a:t>
-                      </a:r>
-                      <a:r>
-                        <a:rPr lang="ru-RU" baseline="0" dirty="0"/>
-                        <a:t>с более быстрым интерфейсом</a:t>
-                      </a:r>
-                      <a:r>
-                        <a:rPr lang="en-US" baseline="0" dirty="0"/>
-                        <a:t>: </a:t>
-                      </a:r>
-                      <a:r>
-                        <a:rPr lang="ru-RU" dirty="0"/>
-                        <a:t>≈</a:t>
-                      </a:r>
-                      <a:r>
-                        <a:rPr lang="en-US" baseline="0" dirty="0"/>
-                        <a:t>5 GB/sec sequential read, </a:t>
-                      </a:r>
-                      <a:r>
-                        <a:rPr lang="ru-RU" dirty="0"/>
-                        <a:t>≈</a:t>
-                      </a:r>
-                      <a:r>
-                        <a:rPr lang="en-US" baseline="0" dirty="0"/>
-                        <a:t>1M IOPS*.</a:t>
-                      </a:r>
-                    </a:p>
-                  </a:txBody>
-                  <a:tcPr/>
-                </a:tc>
-                <a:extLst>
-                  <a:ext uri="{0D108BD9-81ED-4DB2-BD59-A6C34878D82A}">
-                    <a16:rowId xmlns:a16="http://schemas.microsoft.com/office/drawing/2014/main" val="3699355593"/>
-                  </a:ext>
-                </a:extLst>
-              </a:tr>
-            </a:tbl>
-          </a:graphicData>
-        </a:graphic>
-      </p:graphicFrame>
-      <p:sp>
-        <p:nvSpPr>
-          <p:cNvPr id="3" name="TextBox 2"/>
-          <p:cNvSpPr txBox="1"/>
-          <p:nvPr/>
-        </p:nvSpPr>
-        <p:spPr>
-          <a:xfrm>
-            <a:off x="0" y="6194050"/>
-            <a:ext cx="7676204" cy="338554"/>
-          </a:xfrm>
-          <a:prstGeom prst="rect">
-            <a:avLst/>
-          </a:prstGeom>
-          <a:noFill/>
-        </p:spPr>
-        <p:txBody>
-          <a:bodyPr wrap="none" rtlCol="0">
-            <a:spAutoFit/>
-          </a:bodyPr>
-          <a:lstStyle/>
-          <a:p>
-            <a:r>
-              <a:rPr lang="en-US" sz="1600" i="1" dirty="0">
-                <a:solidFill>
-                  <a:schemeClr val="tx1">
-                    <a:lumMod val="50000"/>
-                    <a:lumOff val="50000"/>
-                  </a:schemeClr>
-                </a:solidFill>
-              </a:rPr>
-              <a:t>* IOPS – Input/output Operations Per Second; </a:t>
-            </a:r>
-            <a:r>
-              <a:rPr lang="ru-RU" sz="1600" i="1" dirty="0">
-                <a:solidFill>
-                  <a:schemeClr val="tx1">
-                    <a:lumMod val="50000"/>
-                    <a:lumOff val="50000"/>
-                  </a:schemeClr>
-                </a:solidFill>
-              </a:rPr>
-              <a:t>Данные для </a:t>
-            </a:r>
-            <a:r>
-              <a:rPr lang="en-US" sz="1600" i="1" baseline="0" dirty="0">
-                <a:solidFill>
-                  <a:schemeClr val="tx1">
-                    <a:lumMod val="50000"/>
-                    <a:lumOff val="50000"/>
-                  </a:schemeClr>
-                </a:solidFill>
-              </a:rPr>
-              <a:t>Intel SSD DC S3700 </a:t>
-            </a:r>
-            <a:r>
-              <a:rPr lang="ru-RU" sz="1600" i="1" baseline="0" dirty="0">
-                <a:solidFill>
-                  <a:schemeClr val="tx1">
-                    <a:lumMod val="50000"/>
-                    <a:lumOff val="50000"/>
-                  </a:schemeClr>
-                </a:solidFill>
-              </a:rPr>
-              <a:t>и </a:t>
-            </a:r>
-            <a:r>
-              <a:rPr lang="en-GB" sz="1600" i="1" baseline="0" dirty="0">
-                <a:solidFill>
-                  <a:schemeClr val="tx1">
-                    <a:lumMod val="50000"/>
-                    <a:lumOff val="50000"/>
-                  </a:schemeClr>
-                </a:solidFill>
-              </a:rPr>
-              <a:t>D7-P5600</a:t>
-            </a:r>
-            <a:r>
-              <a:rPr lang="en-US" sz="1600" i="1" baseline="0" dirty="0">
-                <a:solidFill>
-                  <a:schemeClr val="tx1">
-                    <a:lumMod val="50000"/>
-                    <a:lumOff val="50000"/>
-                  </a:schemeClr>
-                </a:solidFill>
-              </a:rPr>
-              <a:t>.</a:t>
-            </a:r>
-            <a:endParaRPr lang="en-GB" sz="1600" i="1" baseline="0" dirty="0">
-              <a:solidFill>
-                <a:schemeClr val="tx1">
-                  <a:lumMod val="50000"/>
-                  <a:lumOff val="50000"/>
-                </a:schemeClr>
-              </a:solidFill>
-            </a:endParaRPr>
-          </a:p>
-        </p:txBody>
-      </p:sp>
-    </p:spTree>
-    <p:extLst>
-      <p:ext uri="{BB962C8B-B14F-4D97-AF65-F5344CB8AC3E}">
-        <p14:creationId xmlns:p14="http://schemas.microsoft.com/office/powerpoint/2010/main" val="45487670"/>
       </p:ext>
     </p:extLst>
   </p:cSld>
@@ -20786,7 +20581,7 @@
           <p:nvPr>
             <p:extLst>
               <p:ext uri="{D42A27DB-BD31-4B8C-83A1-F6EECF244321}">
-                <p14:modId xmlns:p14="http://schemas.microsoft.com/office/powerpoint/2010/main" val="3699176643"/>
+                <p14:modId xmlns:p14="http://schemas.microsoft.com/office/powerpoint/2010/main" val="3166532625"/>
               </p:ext>
             </p:extLst>
           </p:nvPr>
@@ -20837,7 +20632,769 @@
           <p:cNvGraphicFramePr>
             <a:graphicFrameLocks noGrp="1"/>
           </p:cNvGraphicFramePr>
+          <p:nvPr>
+            <p:extLst>
+              <p:ext uri="{D42A27DB-BD31-4B8C-83A1-F6EECF244321}">
+                <p14:modId xmlns:p14="http://schemas.microsoft.com/office/powerpoint/2010/main" val="1773320463"/>
+              </p:ext>
+            </p:extLst>
+          </p:nvPr>
+        </p:nvGraphicFramePr>
+        <p:xfrm>
+          <a:off x="0" y="365760"/>
+          <a:ext cx="12192000" cy="4661746"/>
+        </p:xfrm>
+        <a:graphic>
+          <a:graphicData uri="http://schemas.openxmlformats.org/drawingml/2006/table">
+            <a:tbl>
+              <a:tblPr firstRow="1" bandRow="1">
+                <a:tableStyleId>{3B4B98B0-60AC-42C2-AFA5-B58CD77FA1E5}</a:tableStyleId>
+              </a:tblPr>
+              <a:tblGrid>
+                <a:gridCol w="4300151">
+                  <a:extLst>
+                    <a:ext uri="{9D8B030D-6E8A-4147-A177-3AD203B41FA5}">
+                      <a16:colId xmlns:a16="http://schemas.microsoft.com/office/drawing/2014/main" val="20000"/>
+                    </a:ext>
+                  </a:extLst>
+                </a:gridCol>
+                <a:gridCol w="7891849">
+                  <a:extLst>
+                    <a:ext uri="{9D8B030D-6E8A-4147-A177-3AD203B41FA5}">
+                      <a16:colId xmlns:a16="http://schemas.microsoft.com/office/drawing/2014/main" val="20001"/>
+                    </a:ext>
+                  </a:extLst>
+                </a:gridCol>
+              </a:tblGrid>
+              <a:tr h="547793">
+                <a:tc>
+                  <a:txBody>
+                    <a:bodyPr/>
+                    <a:lstStyle/>
+                    <a:p>
+                      <a:r>
+                        <a:rPr lang="ru-RU" sz="2400" dirty="0"/>
+                        <a:t>Устройства хранения данных</a:t>
+                      </a:r>
+                      <a:r>
+                        <a:rPr lang="en-US" sz="2400" dirty="0"/>
+                        <a:t>:</a:t>
+                      </a:r>
+                      <a:endParaRPr lang="ru-RU" sz="2400" dirty="0"/>
+                    </a:p>
+                  </a:txBody>
+                  <a:tcPr/>
+                </a:tc>
+                <a:tc>
+                  <a:txBody>
+                    <a:bodyPr/>
+                    <a:lstStyle/>
+                    <a:p>
+                      <a:endParaRPr lang="ru-RU" dirty="0"/>
+                    </a:p>
+                  </a:txBody>
+                  <a:tcPr/>
+                </a:tc>
+                <a:extLst>
+                  <a:ext uri="{0D108BD9-81ED-4DB2-BD59-A6C34878D82A}">
+                    <a16:rowId xmlns:a16="http://schemas.microsoft.com/office/drawing/2014/main" val="10000"/>
+                  </a:ext>
+                </a:extLst>
+              </a:tr>
+              <a:tr h="547793">
+                <a:tc>
+                  <a:txBody>
+                    <a:bodyPr/>
+                    <a:lstStyle/>
+                    <a:p>
+                      <a:r>
+                        <a:rPr lang="en-US" dirty="0"/>
+                        <a:t>HDD (Hard Disk Drive, a.k.a.</a:t>
+                      </a:r>
+                      <a:r>
+                        <a:rPr lang="en-US" baseline="0" dirty="0"/>
+                        <a:t> Rotating drive,</a:t>
+                      </a:r>
+                      <a:br>
+                        <a:rPr lang="en-US" baseline="0" dirty="0"/>
+                      </a:br>
+                      <a:r>
+                        <a:rPr lang="en-US" baseline="0" dirty="0"/>
+                        <a:t>a.k.a. Spinning rust)</a:t>
+                      </a:r>
+                      <a:endParaRPr lang="ru-RU" dirty="0"/>
+                    </a:p>
+                  </a:txBody>
+                  <a:tcPr/>
+                </a:tc>
+                <a:tc>
+                  <a:txBody>
+                    <a:bodyPr/>
+                    <a:lstStyle/>
+                    <a:p>
+                      <a:r>
+                        <a:rPr lang="en-US" dirty="0"/>
+                        <a:t>+ </a:t>
+                      </a:r>
+                      <a:r>
+                        <a:rPr lang="ru-RU" dirty="0"/>
+                        <a:t>достаточно</a:t>
+                      </a:r>
+                      <a:r>
+                        <a:rPr lang="ru-RU" baseline="0" dirty="0"/>
+                        <a:t> быстрое линейное чтение</a:t>
+                      </a:r>
+                      <a:r>
+                        <a:rPr lang="en-US" baseline="0" dirty="0"/>
+                        <a:t> (</a:t>
+                      </a:r>
+                      <a:r>
+                        <a:rPr lang="ru-RU" dirty="0"/>
+                        <a:t>≈</a:t>
+                      </a:r>
+                      <a:r>
+                        <a:rPr lang="en-US" dirty="0"/>
+                        <a:t>250 MB/sec</a:t>
+                      </a:r>
+                      <a:r>
+                        <a:rPr lang="en-US" baseline="0" dirty="0"/>
+                        <a:t>),</a:t>
+                      </a:r>
+                      <a:endParaRPr lang="ru-RU" baseline="0" dirty="0"/>
+                    </a:p>
+                    <a:p>
+                      <a:r>
+                        <a:rPr lang="ru-RU" baseline="0" dirty="0"/>
+                        <a:t>- очень медленный случайный доступ</a:t>
+                      </a:r>
+                      <a:r>
+                        <a:rPr lang="en-US" baseline="0" dirty="0"/>
+                        <a:t> (</a:t>
+                      </a:r>
+                      <a:r>
+                        <a:rPr lang="ru-RU" dirty="0"/>
+                        <a:t>≈</a:t>
+                      </a:r>
+                      <a:r>
+                        <a:rPr lang="en-US" dirty="0"/>
+                        <a:t>100 IOPS</a:t>
+                      </a:r>
+                      <a:r>
+                        <a:rPr lang="en-US" baseline="0" dirty="0"/>
+                        <a:t>).</a:t>
+                      </a:r>
+                      <a:endParaRPr lang="ru-RU" dirty="0"/>
+                    </a:p>
+                  </a:txBody>
+                  <a:tcPr/>
+                </a:tc>
+                <a:extLst>
+                  <a:ext uri="{0D108BD9-81ED-4DB2-BD59-A6C34878D82A}">
+                    <a16:rowId xmlns:a16="http://schemas.microsoft.com/office/drawing/2014/main" val="10001"/>
+                  </a:ext>
+                </a:extLst>
+              </a:tr>
+              <a:tr h="547793">
+                <a:tc>
+                  <a:txBody>
+                    <a:bodyPr/>
+                    <a:lstStyle/>
+                    <a:p>
+                      <a:r>
+                        <a:rPr lang="en-US" dirty="0"/>
+                        <a:t>Flash</a:t>
+                      </a:r>
+                      <a:r>
+                        <a:rPr lang="en-US" baseline="0" dirty="0"/>
+                        <a:t> memory</a:t>
+                      </a:r>
+                      <a:endParaRPr lang="ru-RU" dirty="0"/>
+                    </a:p>
+                  </a:txBody>
+                  <a:tcPr/>
+                </a:tc>
+                <a:tc>
+                  <a:txBody>
+                    <a:bodyPr/>
+                    <a:lstStyle/>
+                    <a:p>
+                      <a:r>
+                        <a:rPr lang="en-US" dirty="0"/>
+                        <a:t>+ </a:t>
+                      </a:r>
+                      <a:r>
+                        <a:rPr lang="ru-RU" dirty="0"/>
+                        <a:t>быстрое линейное чтение</a:t>
+                      </a:r>
+                      <a:r>
+                        <a:rPr lang="en-US" dirty="0"/>
+                        <a:t>,</a:t>
+                      </a:r>
+                      <a:endParaRPr lang="ru-RU" dirty="0"/>
+                    </a:p>
+                    <a:p>
+                      <a:r>
+                        <a:rPr lang="ru-RU" dirty="0"/>
+                        <a:t>+ нет времени</a:t>
+                      </a:r>
+                      <a:r>
+                        <a:rPr lang="ru-RU" baseline="0" dirty="0"/>
+                        <a:t> «позиционирования головок»</a:t>
+                      </a:r>
+                      <a:r>
+                        <a:rPr lang="en-US" baseline="0" dirty="0"/>
+                        <a:t>,</a:t>
+                      </a:r>
+                      <a:endParaRPr lang="ru-RU" baseline="0" dirty="0"/>
+                    </a:p>
+                    <a:p>
+                      <a:pPr marL="285750" indent="-285750">
+                        <a:buFontTx/>
+                        <a:buChar char="-"/>
+                      </a:pPr>
+                      <a:r>
+                        <a:rPr lang="ru-RU" baseline="0" dirty="0"/>
+                        <a:t>перезаписывать можно только </a:t>
+                      </a:r>
+                      <a:r>
+                        <a:rPr lang="en-US" baseline="0" dirty="0"/>
+                        <a:t>“rewrite block”</a:t>
+                      </a:r>
+                      <a:r>
+                        <a:rPr lang="ru-RU" baseline="0" dirty="0"/>
+                        <a:t> целиком, а он несколько </a:t>
+                      </a:r>
+                      <a:r>
+                        <a:rPr lang="en-US" baseline="0" dirty="0"/>
+                        <a:t>MB </a:t>
+                      </a:r>
+                      <a:r>
+                        <a:rPr lang="ru-RU" baseline="0" dirty="0"/>
+                        <a:t>в размере</a:t>
+                      </a:r>
+                      <a:r>
+                        <a:rPr lang="en-US" baseline="0" dirty="0"/>
+                        <a:t>,</a:t>
+                      </a:r>
+                      <a:endParaRPr lang="ru-RU" baseline="0" dirty="0"/>
+                    </a:p>
+                    <a:p>
+                      <a:pPr marL="285750" indent="-285750">
+                        <a:buFontTx/>
+                        <a:buChar char="-"/>
+                      </a:pPr>
+                      <a:r>
+                        <a:rPr lang="ru-RU" baseline="0" dirty="0"/>
+                        <a:t>небольшое число циклов перезаписи</a:t>
+                      </a:r>
+                      <a:r>
+                        <a:rPr lang="en-US" baseline="0" dirty="0"/>
+                        <a:t>.</a:t>
+                      </a:r>
+                      <a:endParaRPr lang="ru-RU" dirty="0"/>
+                    </a:p>
+                  </a:txBody>
+                  <a:tcPr/>
+                </a:tc>
+                <a:extLst>
+                  <a:ext uri="{0D108BD9-81ED-4DB2-BD59-A6C34878D82A}">
+                    <a16:rowId xmlns:a16="http://schemas.microsoft.com/office/drawing/2014/main" val="10002"/>
+                  </a:ext>
+                </a:extLst>
+              </a:tr>
+              <a:tr h="547793">
+                <a:tc>
+                  <a:txBody>
+                    <a:bodyPr/>
+                    <a:lstStyle/>
+                    <a:p>
+                      <a:r>
+                        <a:rPr lang="en-US" dirty="0"/>
+                        <a:t>SSD</a:t>
+                      </a:r>
+                      <a:r>
+                        <a:rPr lang="en-US" baseline="0" dirty="0"/>
+                        <a:t> (Solid State Drive), SATA</a:t>
+                      </a:r>
+                      <a:endParaRPr lang="ru-RU" dirty="0"/>
+                    </a:p>
+                  </a:txBody>
+                  <a:tcPr/>
+                </a:tc>
+                <a:tc>
+                  <a:txBody>
+                    <a:bodyPr/>
+                    <a:lstStyle/>
+                    <a:p>
+                      <a:r>
+                        <a:rPr lang="en-US" dirty="0"/>
+                        <a:t>Flash + </a:t>
+                      </a:r>
+                      <a:r>
+                        <a:rPr lang="ru-RU" baseline="0" dirty="0"/>
+                        <a:t>компьютер, который прячет сложность работы с </a:t>
+                      </a:r>
+                      <a:r>
+                        <a:rPr lang="en-US" baseline="0" dirty="0"/>
+                        <a:t>“rewrite blocks”.</a:t>
+                      </a:r>
+                      <a:endParaRPr lang="ru-RU" baseline="0" dirty="0"/>
+                    </a:p>
+                    <a:p>
+                      <a:r>
+                        <a:rPr lang="ru-RU" baseline="0" dirty="0"/>
+                        <a:t>+ быстрый линейный доступ (</a:t>
+                      </a:r>
+                      <a:r>
+                        <a:rPr lang="ru-RU" dirty="0"/>
+                        <a:t>≈</a:t>
+                      </a:r>
+                      <a:r>
+                        <a:rPr lang="ru-RU" baseline="0" dirty="0"/>
+                        <a:t>500</a:t>
+                      </a:r>
+                      <a:r>
+                        <a:rPr lang="en-US" baseline="0" dirty="0"/>
+                        <a:t> MB/sec sequential read</a:t>
+                      </a:r>
+                      <a:r>
+                        <a:rPr lang="en-US" baseline="30000" dirty="0"/>
+                        <a:t>*</a:t>
+                      </a:r>
+                      <a:r>
+                        <a:rPr lang="ru-RU" baseline="0" dirty="0"/>
+                        <a:t>)</a:t>
+                      </a:r>
+                      <a:r>
+                        <a:rPr lang="en-US" baseline="0" dirty="0"/>
+                        <a:t>,</a:t>
+                      </a:r>
+                    </a:p>
+                    <a:p>
+                      <a:pPr marL="0" marR="0" lvl="0" indent="0" algn="l" defTabSz="914400" rtl="0" eaLnBrk="1" fontAlgn="auto" latinLnBrk="0" hangingPunct="1">
+                        <a:lnSpc>
+                          <a:spcPct val="100000"/>
+                        </a:lnSpc>
+                        <a:spcBef>
+                          <a:spcPts val="0"/>
+                        </a:spcBef>
+                        <a:spcAft>
+                          <a:spcPts val="0"/>
+                        </a:spcAft>
+                        <a:buClrTx/>
+                        <a:buSzTx/>
+                        <a:buFontTx/>
+                        <a:buNone/>
+                        <a:tabLst/>
+                        <a:defRPr/>
+                      </a:pPr>
+                      <a:r>
+                        <a:rPr lang="en-US" baseline="0" dirty="0"/>
+                        <a:t>+ </a:t>
+                      </a:r>
+                      <a:r>
+                        <a:rPr lang="ru-RU" baseline="0" dirty="0"/>
+                        <a:t>быстрый</a:t>
+                      </a:r>
+                      <a:r>
+                        <a:rPr lang="en-US" baseline="0" dirty="0"/>
+                        <a:t> </a:t>
+                      </a:r>
+                      <a:r>
+                        <a:rPr lang="ru-RU" baseline="0" dirty="0"/>
+                        <a:t>произвольный доступ (</a:t>
+                      </a:r>
+                      <a:r>
+                        <a:rPr lang="ru-RU" dirty="0"/>
+                        <a:t>≈</a:t>
+                      </a:r>
+                      <a:r>
+                        <a:rPr lang="en-US" baseline="0" dirty="0"/>
+                        <a:t>75.000 IOPS),</a:t>
+                      </a:r>
+                    </a:p>
+                    <a:p>
+                      <a:pPr marL="285750" marR="0" lvl="0" indent="-285750" algn="l" defTabSz="914400" rtl="0" eaLnBrk="1" fontAlgn="auto" latinLnBrk="0" hangingPunct="1">
+                        <a:lnSpc>
+                          <a:spcPct val="100000"/>
+                        </a:lnSpc>
+                        <a:spcBef>
+                          <a:spcPts val="0"/>
+                        </a:spcBef>
+                        <a:spcAft>
+                          <a:spcPts val="0"/>
+                        </a:spcAft>
+                        <a:buClrTx/>
+                        <a:buSzTx/>
+                        <a:buFontTx/>
+                        <a:buChar char="-"/>
+                        <a:tabLst/>
+                        <a:defRPr/>
+                      </a:pPr>
+                      <a:r>
+                        <a:rPr lang="ru-RU" baseline="0" dirty="0"/>
+                        <a:t>деградация производительности со временем</a:t>
+                      </a:r>
+                      <a:r>
+                        <a:rPr lang="en-US" baseline="0" dirty="0"/>
+                        <a:t>,</a:t>
+                      </a:r>
+                    </a:p>
+                    <a:p>
+                      <a:pPr marL="285750" marR="0" lvl="0" indent="-285750" algn="l" defTabSz="914400" rtl="0" eaLnBrk="1" fontAlgn="auto" latinLnBrk="0" hangingPunct="1">
+                        <a:lnSpc>
+                          <a:spcPct val="100000"/>
+                        </a:lnSpc>
+                        <a:spcBef>
+                          <a:spcPts val="0"/>
+                        </a:spcBef>
+                        <a:spcAft>
+                          <a:spcPts val="0"/>
+                        </a:spcAft>
+                        <a:buClrTx/>
+                        <a:buSzTx/>
+                        <a:buFontTx/>
+                        <a:buChar char="-"/>
+                        <a:tabLst/>
+                        <a:defRPr/>
+                      </a:pPr>
+                      <a:r>
+                        <a:rPr lang="ru-RU" baseline="0" dirty="0"/>
+                        <a:t>желательна специальная поддержки со стороны ОС, например, </a:t>
+                      </a:r>
+                      <a:r>
+                        <a:rPr lang="en-US" baseline="0" dirty="0"/>
+                        <a:t>ATA TRIM.</a:t>
+                      </a:r>
+                      <a:endParaRPr lang="ru-RU" dirty="0"/>
+                    </a:p>
+                  </a:txBody>
+                  <a:tcPr/>
+                </a:tc>
+                <a:extLst>
+                  <a:ext uri="{0D108BD9-81ED-4DB2-BD59-A6C34878D82A}">
+                    <a16:rowId xmlns:a16="http://schemas.microsoft.com/office/drawing/2014/main" val="10003"/>
+                  </a:ext>
+                </a:extLst>
+              </a:tr>
+              <a:tr h="547793">
+                <a:tc>
+                  <a:txBody>
+                    <a:bodyPr/>
+                    <a:lstStyle/>
+                    <a:p>
+                      <a:r>
+                        <a:rPr lang="en-US" dirty="0"/>
+                        <a:t>SSD, </a:t>
+                      </a:r>
+                      <a:r>
+                        <a:rPr lang="en-US" dirty="0" err="1"/>
+                        <a:t>NVMe</a:t>
+                      </a:r>
+                      <a:endParaRPr lang="ru-RU" dirty="0"/>
+                    </a:p>
+                  </a:txBody>
+                  <a:tcPr/>
+                </a:tc>
+                <a:tc>
+                  <a:txBody>
+                    <a:bodyPr/>
+                    <a:lstStyle/>
+                    <a:p>
+                      <a:r>
+                        <a:rPr lang="en-US" baseline="0" dirty="0"/>
+                        <a:t>SSD </a:t>
+                      </a:r>
+                      <a:r>
+                        <a:rPr lang="ru-RU" baseline="0" dirty="0"/>
+                        <a:t>с более быстрым интерфейсом</a:t>
+                      </a:r>
+                      <a:r>
+                        <a:rPr lang="en-US" baseline="0" dirty="0"/>
+                        <a:t>: </a:t>
+                      </a:r>
+                      <a:r>
+                        <a:rPr lang="ru-RU" dirty="0"/>
+                        <a:t>≈</a:t>
+                      </a:r>
+                      <a:r>
+                        <a:rPr lang="en-US" baseline="0" dirty="0"/>
+                        <a:t>5 GB/sec sequential read, </a:t>
+                      </a:r>
+                      <a:r>
+                        <a:rPr lang="ru-RU" dirty="0"/>
+                        <a:t>≈</a:t>
+                      </a:r>
+                      <a:r>
+                        <a:rPr lang="en-US" baseline="0" dirty="0"/>
+                        <a:t>1M IOPS*.</a:t>
+                      </a:r>
+                    </a:p>
+                  </a:txBody>
+                  <a:tcPr/>
+                </a:tc>
+                <a:extLst>
+                  <a:ext uri="{0D108BD9-81ED-4DB2-BD59-A6C34878D82A}">
+                    <a16:rowId xmlns:a16="http://schemas.microsoft.com/office/drawing/2014/main" val="3699355593"/>
+                  </a:ext>
+                </a:extLst>
+              </a:tr>
+            </a:tbl>
+          </a:graphicData>
+        </a:graphic>
+      </p:graphicFrame>
+      <p:sp>
+        <p:nvSpPr>
+          <p:cNvPr id="3" name="TextBox 2"/>
+          <p:cNvSpPr txBox="1"/>
           <p:nvPr/>
+        </p:nvSpPr>
+        <p:spPr>
+          <a:xfrm>
+            <a:off x="0" y="6194050"/>
+            <a:ext cx="7676204" cy="338554"/>
+          </a:xfrm>
+          <a:prstGeom prst="rect">
+            <a:avLst/>
+          </a:prstGeom>
+          <a:noFill/>
+        </p:spPr>
+        <p:txBody>
+          <a:bodyPr wrap="none" rtlCol="0">
+            <a:spAutoFit/>
+          </a:bodyPr>
+          <a:lstStyle/>
+          <a:p>
+            <a:r>
+              <a:rPr lang="en-US" sz="1600" i="1" dirty="0">
+                <a:solidFill>
+                  <a:schemeClr val="tx1">
+                    <a:lumMod val="50000"/>
+                    <a:lumOff val="50000"/>
+                  </a:schemeClr>
+                </a:solidFill>
+              </a:rPr>
+              <a:t>* IOPS – Input/output Operations Per Second; </a:t>
+            </a:r>
+            <a:r>
+              <a:rPr lang="ru-RU" sz="1600" i="1" dirty="0">
+                <a:solidFill>
+                  <a:schemeClr val="tx1">
+                    <a:lumMod val="50000"/>
+                    <a:lumOff val="50000"/>
+                  </a:schemeClr>
+                </a:solidFill>
+              </a:rPr>
+              <a:t>Данные для </a:t>
+            </a:r>
+            <a:r>
+              <a:rPr lang="en-US" sz="1600" i="1" baseline="0" dirty="0">
+                <a:solidFill>
+                  <a:schemeClr val="tx1">
+                    <a:lumMod val="50000"/>
+                    <a:lumOff val="50000"/>
+                  </a:schemeClr>
+                </a:solidFill>
+              </a:rPr>
+              <a:t>Intel SSD DC S3700 </a:t>
+            </a:r>
+            <a:r>
+              <a:rPr lang="ru-RU" sz="1600" i="1" baseline="0" dirty="0">
+                <a:solidFill>
+                  <a:schemeClr val="tx1">
+                    <a:lumMod val="50000"/>
+                    <a:lumOff val="50000"/>
+                  </a:schemeClr>
+                </a:solidFill>
+              </a:rPr>
+              <a:t>и </a:t>
+            </a:r>
+            <a:r>
+              <a:rPr lang="en-GB" sz="1600" i="1" baseline="0" dirty="0">
+                <a:solidFill>
+                  <a:schemeClr val="tx1">
+                    <a:lumMod val="50000"/>
+                    <a:lumOff val="50000"/>
+                  </a:schemeClr>
+                </a:solidFill>
+              </a:rPr>
+              <a:t>D7-P5600</a:t>
+            </a:r>
+            <a:r>
+              <a:rPr lang="en-US" sz="1600" i="1" baseline="0" dirty="0">
+                <a:solidFill>
+                  <a:schemeClr val="tx1">
+                    <a:lumMod val="50000"/>
+                    <a:lumOff val="50000"/>
+                  </a:schemeClr>
+                </a:solidFill>
+              </a:rPr>
+              <a:t>.</a:t>
+            </a:r>
+            <a:endParaRPr lang="en-GB" sz="1600" i="1" baseline="0" dirty="0">
+              <a:solidFill>
+                <a:schemeClr val="tx1">
+                  <a:lumMod val="50000"/>
+                  <a:lumOff val="50000"/>
+                </a:schemeClr>
+              </a:solidFill>
+            </a:endParaRPr>
+          </a:p>
+        </p:txBody>
+      </p:sp>
+    </p:spTree>
+    <p:extLst>
+      <p:ext uri="{BB962C8B-B14F-4D97-AF65-F5344CB8AC3E}">
+        <p14:creationId xmlns:p14="http://schemas.microsoft.com/office/powerpoint/2010/main" val="45487670"/>
+      </p:ext>
+    </p:extLst>
+  </p:cSld>
+  <p:clrMapOvr>
+    <a:masterClrMapping/>
+  </p:clrMapOvr>
+</p:sld>
+</file>
+
+<file path=ppt/slides/slide24.xml><?xml version="1.0" encoding="utf-8"?>
+<p:sld xmlns:a="http://schemas.openxmlformats.org/drawingml/2006/main" xmlns:r="http://schemas.openxmlformats.org/officeDocument/2006/relationships" xmlns:p="http://schemas.openxmlformats.org/presentationml/2006/main">
+  <p:cSld>
+    <p:spTree>
+      <p:nvGrpSpPr>
+        <p:cNvPr id="1" name=""/>
+        <p:cNvGrpSpPr/>
+        <p:nvPr/>
+      </p:nvGrpSpPr>
+      <p:grpSpPr>
+        <a:xfrm>
+          <a:off x="0" y="0"/>
+          <a:ext cx="0" cy="0"/>
+          <a:chOff x="0" y="0"/>
+          <a:chExt cx="0" cy="0"/>
+        </a:xfrm>
+      </p:grpSpPr>
+      <p:graphicFrame>
+        <p:nvGraphicFramePr>
+          <p:cNvPr id="5" name="Table 4"/>
+          <p:cNvGraphicFramePr>
+            <a:graphicFrameLocks noGrp="1"/>
+          </p:cNvGraphicFramePr>
+          <p:nvPr/>
+        </p:nvGraphicFramePr>
+        <p:xfrm>
+          <a:off x="0" y="1"/>
+          <a:ext cx="12192000" cy="365760"/>
+        </p:xfrm>
+        <a:graphic>
+          <a:graphicData uri="http://schemas.openxmlformats.org/drawingml/2006/table">
+            <a:tbl>
+              <a:tblPr firstRow="1" bandRow="1">
+                <a:tableStyleId>{5C22544A-7EE6-4342-B048-85BDC9FD1C3A}</a:tableStyleId>
+              </a:tblPr>
+              <a:tblGrid>
+                <a:gridCol w="12192000">
+                  <a:extLst>
+                    <a:ext uri="{9D8B030D-6E8A-4147-A177-3AD203B41FA5}">
+                      <a16:colId xmlns:a16="http://schemas.microsoft.com/office/drawing/2014/main" val="20000"/>
+                    </a:ext>
+                  </a:extLst>
+                </a:gridCol>
+              </a:tblGrid>
+              <a:tr h="321276">
+                <a:tc>
+                  <a:txBody>
+                    <a:bodyPr/>
+                    <a:lstStyle/>
+                    <a:p>
+                      <a:r>
+                        <a:rPr lang="ru-RU" dirty="0"/>
+                        <a:t>Основы</a:t>
+                      </a:r>
+                      <a:r>
+                        <a:rPr lang="ru-RU" baseline="0" dirty="0"/>
+                        <a:t> построения файловых систем</a:t>
+                      </a:r>
+                      <a:endParaRPr lang="ru-RU" dirty="0"/>
+                    </a:p>
+                  </a:txBody>
+                  <a:tcPr/>
+                </a:tc>
+                <a:extLst>
+                  <a:ext uri="{0D108BD9-81ED-4DB2-BD59-A6C34878D82A}">
+                    <a16:rowId xmlns:a16="http://schemas.microsoft.com/office/drawing/2014/main" val="10000"/>
+                  </a:ext>
+                </a:extLst>
+              </a:tr>
+            </a:tbl>
+          </a:graphicData>
+        </a:graphic>
+      </p:graphicFrame>
+      <p:graphicFrame>
+        <p:nvGraphicFramePr>
+          <p:cNvPr id="6" name="Table 5"/>
+          <p:cNvGraphicFramePr>
+            <a:graphicFrameLocks noGrp="1"/>
+          </p:cNvGraphicFramePr>
+          <p:nvPr>
+            <p:extLst>
+              <p:ext uri="{D42A27DB-BD31-4B8C-83A1-F6EECF244321}">
+                <p14:modId xmlns:p14="http://schemas.microsoft.com/office/powerpoint/2010/main" val="3699176643"/>
+              </p:ext>
+            </p:extLst>
+          </p:nvPr>
+        </p:nvGraphicFramePr>
+        <p:xfrm>
+          <a:off x="0" y="6532604"/>
+          <a:ext cx="12192000" cy="365760"/>
+        </p:xfrm>
+        <a:graphic>
+          <a:graphicData uri="http://schemas.openxmlformats.org/drawingml/2006/table">
+            <a:tbl>
+              <a:tblPr firstRow="1" bandRow="1">
+                <a:tableStyleId>{5C22544A-7EE6-4342-B048-85BDC9FD1C3A}</a:tableStyleId>
+              </a:tblPr>
+              <a:tblGrid>
+                <a:gridCol w="12192000">
+                  <a:extLst>
+                    <a:ext uri="{9D8B030D-6E8A-4147-A177-3AD203B41FA5}">
+                      <a16:colId xmlns:a16="http://schemas.microsoft.com/office/drawing/2014/main" val="20000"/>
+                    </a:ext>
+                  </a:extLst>
+                </a:gridCol>
+              </a:tblGrid>
+              <a:tr h="308094">
+                <a:tc>
+                  <a:txBody>
+                    <a:bodyPr/>
+                    <a:lstStyle/>
+                    <a:p>
+                      <a:endParaRPr lang="ru-RU" dirty="0"/>
+                    </a:p>
+                  </a:txBody>
+                  <a:tcPr/>
+                </a:tc>
+                <a:extLst>
+                  <a:ext uri="{0D108BD9-81ED-4DB2-BD59-A6C34878D82A}">
+                    <a16:rowId xmlns:a16="http://schemas.microsoft.com/office/drawing/2014/main" val="10000"/>
+                  </a:ext>
+                </a:extLst>
+              </a:tr>
+            </a:tbl>
+          </a:graphicData>
+        </a:graphic>
+      </p:graphicFrame>
+      <p:graphicFrame>
+        <p:nvGraphicFramePr>
+          <p:cNvPr id="2" name="Table 1"/>
+          <p:cNvGraphicFramePr>
+            <a:graphicFrameLocks noGrp="1"/>
+          </p:cNvGraphicFramePr>
+          <p:nvPr>
+            <p:extLst>
+              <p:ext uri="{D42A27DB-BD31-4B8C-83A1-F6EECF244321}">
+                <p14:modId xmlns:p14="http://schemas.microsoft.com/office/powerpoint/2010/main" val="2766098516"/>
+              </p:ext>
+            </p:extLst>
+          </p:nvPr>
         </p:nvGraphicFramePr>
         <p:xfrm>
           <a:off x="0" y="365760"/>
@@ -20908,11 +21465,7 @@
                     <a:p>
                       <a:r>
                         <a:rPr lang="en-US" dirty="0"/>
-                        <a:t>HDD (Hard Disk Drive, </a:t>
-                      </a:r>
-                      <a:r>
-                        <a:rPr lang="en-US" dirty="0" err="1"/>
-                        <a:t>a.k.a</a:t>
+                        <a:t>HDD (Hard Disk Drive, a.k.a.</a:t>
                       </a:r>
                       <a:r>
                         <a:rPr lang="en-US" baseline="0" dirty="0"/>
@@ -20922,12 +21475,8 @@
                         <a:rPr lang="en-US" baseline="0" dirty="0"/>
                       </a:br>
                       <a:r>
-                        <a:rPr lang="en-US" baseline="0" dirty="0" err="1"/>
-                        <a:t>a.k.a</a:t>
-                      </a:r>
-                      <a:r>
                         <a:rPr lang="en-US" baseline="0" dirty="0"/>
-                        <a:t> Spinning rust)</a:t>
+                        <a:t>a.k.a. Spinning rust)</a:t>
                       </a:r>
                       <a:endParaRPr lang="ru-RU" dirty="0"/>
                     </a:p>
@@ -20961,7 +21510,7 @@
                       </a:r>
                       <a:r>
                         <a:rPr lang="en-US" dirty="0"/>
-                        <a:t>100 MB/sec</a:t>
+                        <a:t>250 MB/sec</a:t>
                       </a:r>
                       <a:r>
                         <a:rPr lang="en-US" baseline="0" dirty="0"/>
@@ -21560,7 +22109,7 @@
 </p:sld>
 </file>
 
-<file path=ppt/slides/slide24.xml><?xml version="1.0" encoding="utf-8"?>
+<file path=ppt/slides/slide25.xml><?xml version="1.0" encoding="utf-8"?>
 <p:sld xmlns:a="http://schemas.openxmlformats.org/drawingml/2006/main" xmlns:r="http://schemas.openxmlformats.org/officeDocument/2006/relationships" xmlns:p="http://schemas.openxmlformats.org/presentationml/2006/main">
   <p:cSld>
     <p:spTree>
@@ -21846,7 +22395,7 @@
 </p:sld>
 </file>
 
-<file path=ppt/slides/slide25.xml><?xml version="1.0" encoding="utf-8"?>
+<file path=ppt/slides/slide26.xml><?xml version="1.0" encoding="utf-8"?>
 <p:sld xmlns:a="http://schemas.openxmlformats.org/drawingml/2006/main" xmlns:r="http://schemas.openxmlformats.org/officeDocument/2006/relationships" xmlns:p="http://schemas.openxmlformats.org/presentationml/2006/main">
   <p:cSld>
     <p:spTree>
@@ -22094,7 +22643,7 @@
 </p:sld>
 </file>
 
-<file path=ppt/slides/slide26.xml><?xml version="1.0" encoding="utf-8"?>
+<file path=ppt/slides/slide27.xml><?xml version="1.0" encoding="utf-8"?>
 <p:sld xmlns:a="http://schemas.openxmlformats.org/drawingml/2006/main" xmlns:r="http://schemas.openxmlformats.org/officeDocument/2006/relationships" xmlns:p="http://schemas.openxmlformats.org/presentationml/2006/main">
   <p:cSld>
     <p:spTree>
@@ -22484,7 +23033,7 @@
 </p:sld>
 </file>
 
-<file path=ppt/slides/slide27.xml><?xml version="1.0" encoding="utf-8"?>
+<file path=ppt/slides/slide28.xml><?xml version="1.0" encoding="utf-8"?>
 <p:sld xmlns:a="http://schemas.openxmlformats.org/drawingml/2006/main" xmlns:r="http://schemas.openxmlformats.org/officeDocument/2006/relationships" xmlns:p="http://schemas.openxmlformats.org/presentationml/2006/main">
   <p:cSld>
     <p:spTree>
@@ -22932,7 +23481,7 @@
 </p:sld>
 </file>
 
-<file path=ppt/slides/slide28.xml><?xml version="1.0" encoding="utf-8"?>
+<file path=ppt/slides/slide29.xml><?xml version="1.0" encoding="utf-8"?>
 <p:sld xmlns:a="http://schemas.openxmlformats.org/drawingml/2006/main" xmlns:r="http://schemas.openxmlformats.org/officeDocument/2006/relationships" xmlns:p="http://schemas.openxmlformats.org/presentationml/2006/main">
   <p:cSld>
     <p:spTree>
@@ -23383,7 +23932,381 @@
 </p:sld>
 </file>
 
-<file path=ppt/slides/slide29.xml><?xml version="1.0" encoding="utf-8"?>
+<file path=ppt/slides/slide3.xml><?xml version="1.0" encoding="utf-8"?>
+<p:sld xmlns:a="http://schemas.openxmlformats.org/drawingml/2006/main" xmlns:r="http://schemas.openxmlformats.org/officeDocument/2006/relationships" xmlns:p="http://schemas.openxmlformats.org/presentationml/2006/main">
+  <p:cSld>
+    <p:spTree>
+      <p:nvGrpSpPr>
+        <p:cNvPr id="1" name=""/>
+        <p:cNvGrpSpPr/>
+        <p:nvPr/>
+      </p:nvGrpSpPr>
+      <p:grpSpPr>
+        <a:xfrm>
+          <a:off x="0" y="0"/>
+          <a:ext cx="0" cy="0"/>
+          <a:chOff x="0" y="0"/>
+          <a:chExt cx="0" cy="0"/>
+        </a:xfrm>
+      </p:grpSpPr>
+      <p:graphicFrame>
+        <p:nvGraphicFramePr>
+          <p:cNvPr id="5" name="Table 4"/>
+          <p:cNvGraphicFramePr>
+            <a:graphicFrameLocks noGrp="1"/>
+          </p:cNvGraphicFramePr>
+          <p:nvPr>
+            <p:extLst>
+              <p:ext uri="{D42A27DB-BD31-4B8C-83A1-F6EECF244321}">
+                <p14:modId xmlns:p14="http://schemas.microsoft.com/office/powerpoint/2010/main" val="2281224332"/>
+              </p:ext>
+            </p:extLst>
+          </p:nvPr>
+        </p:nvGraphicFramePr>
+        <p:xfrm>
+          <a:off x="0" y="1"/>
+          <a:ext cx="12192000" cy="365760"/>
+        </p:xfrm>
+        <a:graphic>
+          <a:graphicData uri="http://schemas.openxmlformats.org/drawingml/2006/table">
+            <a:tbl>
+              <a:tblPr firstRow="1" bandRow="1">
+                <a:tableStyleId>{5C22544A-7EE6-4342-B048-85BDC9FD1C3A}</a:tableStyleId>
+              </a:tblPr>
+              <a:tblGrid>
+                <a:gridCol w="12192000">
+                  <a:extLst>
+                    <a:ext uri="{9D8B030D-6E8A-4147-A177-3AD203B41FA5}">
+                      <a16:colId xmlns:a16="http://schemas.microsoft.com/office/drawing/2014/main" val="20000"/>
+                    </a:ext>
+                  </a:extLst>
+                </a:gridCol>
+              </a:tblGrid>
+              <a:tr h="321276">
+                <a:tc>
+                  <a:txBody>
+                    <a:bodyPr/>
+                    <a:lstStyle/>
+                    <a:p>
+                      <a:r>
+                        <a:rPr lang="ru-RU" dirty="0"/>
+                        <a:t>Основы</a:t>
+                      </a:r>
+                      <a:r>
+                        <a:rPr lang="ru-RU" baseline="0" dirty="0"/>
+                        <a:t> построения файловых систем</a:t>
+                      </a:r>
+                      <a:endParaRPr lang="ru-RU" dirty="0"/>
+                    </a:p>
+                  </a:txBody>
+                  <a:tcPr/>
+                </a:tc>
+                <a:extLst>
+                  <a:ext uri="{0D108BD9-81ED-4DB2-BD59-A6C34878D82A}">
+                    <a16:rowId xmlns:a16="http://schemas.microsoft.com/office/drawing/2014/main" val="10000"/>
+                  </a:ext>
+                </a:extLst>
+              </a:tr>
+            </a:tbl>
+          </a:graphicData>
+        </a:graphic>
+      </p:graphicFrame>
+      <p:graphicFrame>
+        <p:nvGraphicFramePr>
+          <p:cNvPr id="6" name="Table 5"/>
+          <p:cNvGraphicFramePr>
+            <a:graphicFrameLocks noGrp="1"/>
+          </p:cNvGraphicFramePr>
+          <p:nvPr>
+            <p:extLst>
+              <p:ext uri="{D42A27DB-BD31-4B8C-83A1-F6EECF244321}">
+                <p14:modId xmlns:p14="http://schemas.microsoft.com/office/powerpoint/2010/main" val="2496097309"/>
+              </p:ext>
+            </p:extLst>
+          </p:nvPr>
+        </p:nvGraphicFramePr>
+        <p:xfrm>
+          <a:off x="0" y="6532604"/>
+          <a:ext cx="12192000" cy="365760"/>
+        </p:xfrm>
+        <a:graphic>
+          <a:graphicData uri="http://schemas.openxmlformats.org/drawingml/2006/table">
+            <a:tbl>
+              <a:tblPr firstRow="1" bandRow="1">
+                <a:tableStyleId>{5C22544A-7EE6-4342-B048-85BDC9FD1C3A}</a:tableStyleId>
+              </a:tblPr>
+              <a:tblGrid>
+                <a:gridCol w="12192000">
+                  <a:extLst>
+                    <a:ext uri="{9D8B030D-6E8A-4147-A177-3AD203B41FA5}">
+                      <a16:colId xmlns:a16="http://schemas.microsoft.com/office/drawing/2014/main" val="20000"/>
+                    </a:ext>
+                  </a:extLst>
+                </a:gridCol>
+              </a:tblGrid>
+              <a:tr h="308094">
+                <a:tc>
+                  <a:txBody>
+                    <a:bodyPr/>
+                    <a:lstStyle/>
+                    <a:p>
+                      <a:endParaRPr lang="ru-RU" dirty="0"/>
+                    </a:p>
+                  </a:txBody>
+                  <a:tcPr/>
+                </a:tc>
+                <a:extLst>
+                  <a:ext uri="{0D108BD9-81ED-4DB2-BD59-A6C34878D82A}">
+                    <a16:rowId xmlns:a16="http://schemas.microsoft.com/office/drawing/2014/main" val="10000"/>
+                  </a:ext>
+                </a:extLst>
+              </a:tr>
+            </a:tbl>
+          </a:graphicData>
+        </a:graphic>
+      </p:graphicFrame>
+      <p:graphicFrame>
+        <p:nvGraphicFramePr>
+          <p:cNvPr id="8" name="Table 7"/>
+          <p:cNvGraphicFramePr>
+            <a:graphicFrameLocks noGrp="1"/>
+          </p:cNvGraphicFramePr>
+          <p:nvPr>
+            <p:extLst>
+              <p:ext uri="{D42A27DB-BD31-4B8C-83A1-F6EECF244321}">
+                <p14:modId xmlns:p14="http://schemas.microsoft.com/office/powerpoint/2010/main" val="664054570"/>
+              </p:ext>
+            </p:extLst>
+          </p:nvPr>
+        </p:nvGraphicFramePr>
+        <p:xfrm>
+          <a:off x="0" y="1524000"/>
+          <a:ext cx="7463481" cy="2438400"/>
+        </p:xfrm>
+        <a:graphic>
+          <a:graphicData uri="http://schemas.openxmlformats.org/drawingml/2006/table">
+            <a:tbl>
+              <a:tblPr firstRow="1" bandRow="1">
+                <a:tableStyleId>{2D5ABB26-0587-4C30-8999-92F81FD0307C}</a:tableStyleId>
+              </a:tblPr>
+              <a:tblGrid>
+                <a:gridCol w="7463481">
+                  <a:extLst>
+                    <a:ext uri="{9D8B030D-6E8A-4147-A177-3AD203B41FA5}">
+                      <a16:colId xmlns:a16="http://schemas.microsoft.com/office/drawing/2014/main" val="20000"/>
+                    </a:ext>
+                  </a:extLst>
+                </a:gridCol>
+              </a:tblGrid>
+              <a:tr h="2438400">
+                <a:tc>
+                  <a:txBody>
+                    <a:bodyPr/>
+                    <a:lstStyle/>
+                    <a:p>
+                      <a:pPr marL="457200" indent="-457200">
+                        <a:buFont typeface="Arial" panose="020B0604020202020204" pitchFamily="34" charset="0"/>
+                        <a:buChar char="•"/>
+                      </a:pPr>
+                      <a:r>
+                        <a:rPr lang="ru-RU" sz="4000" dirty="0"/>
+                        <a:t>сохранять</a:t>
+                      </a:r>
+                      <a:r>
+                        <a:rPr lang="ru-RU" sz="4000" baseline="0" dirty="0"/>
+                        <a:t> </a:t>
+                      </a:r>
+                      <a:r>
+                        <a:rPr lang="ru-RU" sz="4000" dirty="0"/>
+                        <a:t>данные</a:t>
+                      </a:r>
+                      <a:endParaRPr lang="en-US" sz="4000" dirty="0"/>
+                    </a:p>
+                  </a:txBody>
+                  <a:tcPr/>
+                </a:tc>
+                <a:extLst>
+                  <a:ext uri="{0D108BD9-81ED-4DB2-BD59-A6C34878D82A}">
+                    <a16:rowId xmlns:a16="http://schemas.microsoft.com/office/drawing/2014/main" val="10000"/>
+                  </a:ext>
+                </a:extLst>
+              </a:tr>
+            </a:tbl>
+          </a:graphicData>
+        </a:graphic>
+      </p:graphicFrame>
+      <p:graphicFrame>
+        <p:nvGraphicFramePr>
+          <p:cNvPr id="9" name="Table 8"/>
+          <p:cNvGraphicFramePr>
+            <a:graphicFrameLocks noGrp="1"/>
+          </p:cNvGraphicFramePr>
+          <p:nvPr>
+            <p:extLst>
+              <p:ext uri="{D42A27DB-BD31-4B8C-83A1-F6EECF244321}">
+                <p14:modId xmlns:p14="http://schemas.microsoft.com/office/powerpoint/2010/main" val="535700601"/>
+              </p:ext>
+            </p:extLst>
+          </p:nvPr>
+        </p:nvGraphicFramePr>
+        <p:xfrm>
+          <a:off x="0" y="365761"/>
+          <a:ext cx="12192000" cy="579120"/>
+        </p:xfrm>
+        <a:graphic>
+          <a:graphicData uri="http://schemas.openxmlformats.org/drawingml/2006/table">
+            <a:tbl>
+              <a:tblPr firstRow="1" bandRow="1">
+                <a:tableStyleId>{3B4B98B0-60AC-42C2-AFA5-B58CD77FA1E5}</a:tableStyleId>
+              </a:tblPr>
+              <a:tblGrid>
+                <a:gridCol w="12192000">
+                  <a:extLst>
+                    <a:ext uri="{9D8B030D-6E8A-4147-A177-3AD203B41FA5}">
+                      <a16:colId xmlns:a16="http://schemas.microsoft.com/office/drawing/2014/main" val="20000"/>
+                    </a:ext>
+                  </a:extLst>
+                </a:gridCol>
+              </a:tblGrid>
+              <a:tr h="365761">
+                <a:tc>
+                  <a:txBody>
+                    <a:bodyPr/>
+                    <a:lstStyle/>
+                    <a:p>
+                      <a:r>
+                        <a:rPr lang="ru-RU" sz="3200" dirty="0"/>
+                        <a:t>Что мы хотим от ФС:</a:t>
+                      </a:r>
+                    </a:p>
+                  </a:txBody>
+                  <a:tcPr/>
+                </a:tc>
+                <a:extLst>
+                  <a:ext uri="{0D108BD9-81ED-4DB2-BD59-A6C34878D82A}">
+                    <a16:rowId xmlns:a16="http://schemas.microsoft.com/office/drawing/2014/main" val="10000"/>
+                  </a:ext>
+                </a:extLst>
+              </a:tr>
+            </a:tbl>
+          </a:graphicData>
+        </a:graphic>
+      </p:graphicFrame>
+      <p:pic>
+        <p:nvPicPr>
+          <p:cNvPr id="2" name="Picture 1"/>
+          <p:cNvPicPr>
+            <a:picLocks noChangeAspect="1"/>
+          </p:cNvPicPr>
+          <p:nvPr/>
+        </p:nvPicPr>
+        <p:blipFill>
+          <a:blip r:embed="rId3"/>
+          <a:stretch>
+            <a:fillRect/>
+          </a:stretch>
+        </p:blipFill>
+        <p:spPr>
+          <a:xfrm>
+            <a:off x="5669693" y="1524000"/>
+            <a:ext cx="5943600" cy="723900"/>
+          </a:xfrm>
+          <a:prstGeom prst="rect">
+            <a:avLst/>
+          </a:prstGeom>
+        </p:spPr>
+      </p:pic>
+      <p:sp>
+        <p:nvSpPr>
+          <p:cNvPr id="3" name="Up Arrow 2"/>
+          <p:cNvSpPr/>
+          <p:nvPr/>
+        </p:nvSpPr>
+        <p:spPr>
+          <a:xfrm>
+            <a:off x="7463481" y="2306595"/>
+            <a:ext cx="420130" cy="683740"/>
+          </a:xfrm>
+          <a:prstGeom prst="upArrow">
+            <a:avLst/>
+          </a:prstGeom>
+        </p:spPr>
+        <p:style>
+          <a:lnRef idx="2">
+            <a:schemeClr val="accent1">
+              <a:shade val="50000"/>
+            </a:schemeClr>
+          </a:lnRef>
+          <a:fillRef idx="1">
+            <a:schemeClr val="accent1"/>
+          </a:fillRef>
+          <a:effectRef idx="0">
+            <a:schemeClr val="accent1"/>
+          </a:effectRef>
+          <a:fontRef idx="minor">
+            <a:schemeClr val="lt1"/>
+          </a:fontRef>
+        </p:style>
+        <p:txBody>
+          <a:bodyPr rtlCol="0" anchor="ctr"/>
+          <a:lstStyle/>
+          <a:p>
+            <a:pPr algn="ctr"/>
+            <a:endParaRPr lang="ru-RU"/>
+          </a:p>
+        </p:txBody>
+      </p:sp>
+      <p:sp>
+        <p:nvSpPr>
+          <p:cNvPr id="4" name="TextBox 3"/>
+          <p:cNvSpPr txBox="1"/>
+          <p:nvPr/>
+        </p:nvSpPr>
+        <p:spPr>
+          <a:xfrm>
+            <a:off x="6088176" y="3153202"/>
+            <a:ext cx="3170740" cy="646331"/>
+          </a:xfrm>
+          <a:prstGeom prst="rect">
+            <a:avLst/>
+          </a:prstGeom>
+          <a:noFill/>
+        </p:spPr>
+        <p:txBody>
+          <a:bodyPr wrap="none" rtlCol="0">
+            <a:spAutoFit/>
+          </a:bodyPr>
+          <a:lstStyle/>
+          <a:p>
+            <a:pPr algn="ctr"/>
+            <a:r>
+              <a:rPr lang="ru-RU" dirty="0"/>
+              <a:t>Если файлов тысячи, то</a:t>
+            </a:r>
+            <a:br>
+              <a:rPr lang="ru-RU" dirty="0"/>
+            </a:br>
+            <a:r>
+              <a:rPr lang="ru-RU" dirty="0"/>
+              <a:t>список становится неудобным</a:t>
+            </a:r>
+          </a:p>
+        </p:txBody>
+      </p:sp>
+    </p:spTree>
+    <p:extLst>
+      <p:ext uri="{BB962C8B-B14F-4D97-AF65-F5344CB8AC3E}">
+        <p14:creationId xmlns:p14="http://schemas.microsoft.com/office/powerpoint/2010/main" val="3856830964"/>
+      </p:ext>
+    </p:extLst>
+  </p:cSld>
+  <p:clrMapOvr>
+    <a:masterClrMapping/>
+  </p:clrMapOvr>
+</p:sld>
+</file>
+
+<file path=ppt/slides/slide30.xml><?xml version="1.0" encoding="utf-8"?>
 <p:sld xmlns:a="http://schemas.openxmlformats.org/drawingml/2006/main" xmlns:r="http://schemas.openxmlformats.org/officeDocument/2006/relationships" xmlns:p="http://schemas.openxmlformats.org/presentationml/2006/main">
   <p:cSld>
     <p:spTree>
@@ -24216,7 +25139,7 @@
 </p:sld>
 </file>
 
-<file path=ppt/slides/slide3.xml><?xml version="1.0" encoding="utf-8"?>
+<file path=ppt/slides/slide31.xml><?xml version="1.0" encoding="utf-8"?>
 <p:sld xmlns:a="http://schemas.openxmlformats.org/drawingml/2006/main" xmlns:r="http://schemas.openxmlformats.org/officeDocument/2006/relationships" xmlns:p="http://schemas.openxmlformats.org/presentationml/2006/main">
   <p:cSld>
     <p:spTree>
@@ -24304,7 +25227,7 @@
           <p:nvPr>
             <p:extLst>
               <p:ext uri="{D42A27DB-BD31-4B8C-83A1-F6EECF244321}">
-                <p14:modId xmlns:p14="http://schemas.microsoft.com/office/powerpoint/2010/main" val="2496097309"/>
+                <p14:modId xmlns:p14="http://schemas.microsoft.com/office/powerpoint/2010/main" val="2471234950"/>
               </p:ext>
             </p:extLst>
           </p:nvPr>
@@ -24351,380 +25274,6 @@
       </p:graphicFrame>
       <p:graphicFrame>
         <p:nvGraphicFramePr>
-          <p:cNvPr id="8" name="Table 7"/>
-          <p:cNvGraphicFramePr>
-            <a:graphicFrameLocks noGrp="1"/>
-          </p:cNvGraphicFramePr>
-          <p:nvPr>
-            <p:extLst>
-              <p:ext uri="{D42A27DB-BD31-4B8C-83A1-F6EECF244321}">
-                <p14:modId xmlns:p14="http://schemas.microsoft.com/office/powerpoint/2010/main" val="664054570"/>
-              </p:ext>
-            </p:extLst>
-          </p:nvPr>
-        </p:nvGraphicFramePr>
-        <p:xfrm>
-          <a:off x="0" y="1524000"/>
-          <a:ext cx="7463481" cy="2438400"/>
-        </p:xfrm>
-        <a:graphic>
-          <a:graphicData uri="http://schemas.openxmlformats.org/drawingml/2006/table">
-            <a:tbl>
-              <a:tblPr firstRow="1" bandRow="1">
-                <a:tableStyleId>{2D5ABB26-0587-4C30-8999-92F81FD0307C}</a:tableStyleId>
-              </a:tblPr>
-              <a:tblGrid>
-                <a:gridCol w="7463481">
-                  <a:extLst>
-                    <a:ext uri="{9D8B030D-6E8A-4147-A177-3AD203B41FA5}">
-                      <a16:colId xmlns:a16="http://schemas.microsoft.com/office/drawing/2014/main" val="20000"/>
-                    </a:ext>
-                  </a:extLst>
-                </a:gridCol>
-              </a:tblGrid>
-              <a:tr h="2438400">
-                <a:tc>
-                  <a:txBody>
-                    <a:bodyPr/>
-                    <a:lstStyle/>
-                    <a:p>
-                      <a:pPr marL="457200" indent="-457200">
-                        <a:buFont typeface="Arial" panose="020B0604020202020204" pitchFamily="34" charset="0"/>
-                        <a:buChar char="•"/>
-                      </a:pPr>
-                      <a:r>
-                        <a:rPr lang="ru-RU" sz="4000" dirty="0"/>
-                        <a:t>сохранять</a:t>
-                      </a:r>
-                      <a:r>
-                        <a:rPr lang="ru-RU" sz="4000" baseline="0" dirty="0"/>
-                        <a:t> </a:t>
-                      </a:r>
-                      <a:r>
-                        <a:rPr lang="ru-RU" sz="4000" dirty="0"/>
-                        <a:t>данные</a:t>
-                      </a:r>
-                      <a:endParaRPr lang="en-US" sz="4000" dirty="0"/>
-                    </a:p>
-                  </a:txBody>
-                  <a:tcPr/>
-                </a:tc>
-                <a:extLst>
-                  <a:ext uri="{0D108BD9-81ED-4DB2-BD59-A6C34878D82A}">
-                    <a16:rowId xmlns:a16="http://schemas.microsoft.com/office/drawing/2014/main" val="10000"/>
-                  </a:ext>
-                </a:extLst>
-              </a:tr>
-            </a:tbl>
-          </a:graphicData>
-        </a:graphic>
-      </p:graphicFrame>
-      <p:graphicFrame>
-        <p:nvGraphicFramePr>
-          <p:cNvPr id="9" name="Table 8"/>
-          <p:cNvGraphicFramePr>
-            <a:graphicFrameLocks noGrp="1"/>
-          </p:cNvGraphicFramePr>
-          <p:nvPr>
-            <p:extLst>
-              <p:ext uri="{D42A27DB-BD31-4B8C-83A1-F6EECF244321}">
-                <p14:modId xmlns:p14="http://schemas.microsoft.com/office/powerpoint/2010/main" val="535700601"/>
-              </p:ext>
-            </p:extLst>
-          </p:nvPr>
-        </p:nvGraphicFramePr>
-        <p:xfrm>
-          <a:off x="0" y="365761"/>
-          <a:ext cx="12192000" cy="579120"/>
-        </p:xfrm>
-        <a:graphic>
-          <a:graphicData uri="http://schemas.openxmlformats.org/drawingml/2006/table">
-            <a:tbl>
-              <a:tblPr firstRow="1" bandRow="1">
-                <a:tableStyleId>{3B4B98B0-60AC-42C2-AFA5-B58CD77FA1E5}</a:tableStyleId>
-              </a:tblPr>
-              <a:tblGrid>
-                <a:gridCol w="12192000">
-                  <a:extLst>
-                    <a:ext uri="{9D8B030D-6E8A-4147-A177-3AD203B41FA5}">
-                      <a16:colId xmlns:a16="http://schemas.microsoft.com/office/drawing/2014/main" val="20000"/>
-                    </a:ext>
-                  </a:extLst>
-                </a:gridCol>
-              </a:tblGrid>
-              <a:tr h="365761">
-                <a:tc>
-                  <a:txBody>
-                    <a:bodyPr/>
-                    <a:lstStyle/>
-                    <a:p>
-                      <a:r>
-                        <a:rPr lang="ru-RU" sz="3200" dirty="0"/>
-                        <a:t>Что мы хотим от ФС:</a:t>
-                      </a:r>
-                    </a:p>
-                  </a:txBody>
-                  <a:tcPr/>
-                </a:tc>
-                <a:extLst>
-                  <a:ext uri="{0D108BD9-81ED-4DB2-BD59-A6C34878D82A}">
-                    <a16:rowId xmlns:a16="http://schemas.microsoft.com/office/drawing/2014/main" val="10000"/>
-                  </a:ext>
-                </a:extLst>
-              </a:tr>
-            </a:tbl>
-          </a:graphicData>
-        </a:graphic>
-      </p:graphicFrame>
-      <p:pic>
-        <p:nvPicPr>
-          <p:cNvPr id="2" name="Picture 1"/>
-          <p:cNvPicPr>
-            <a:picLocks noChangeAspect="1"/>
-          </p:cNvPicPr>
-          <p:nvPr/>
-        </p:nvPicPr>
-        <p:blipFill>
-          <a:blip r:embed="rId3"/>
-          <a:stretch>
-            <a:fillRect/>
-          </a:stretch>
-        </p:blipFill>
-        <p:spPr>
-          <a:xfrm>
-            <a:off x="5669693" y="1524000"/>
-            <a:ext cx="5943600" cy="723900"/>
-          </a:xfrm>
-          <a:prstGeom prst="rect">
-            <a:avLst/>
-          </a:prstGeom>
-        </p:spPr>
-      </p:pic>
-      <p:sp>
-        <p:nvSpPr>
-          <p:cNvPr id="3" name="Up Arrow 2"/>
-          <p:cNvSpPr/>
-          <p:nvPr/>
-        </p:nvSpPr>
-        <p:spPr>
-          <a:xfrm>
-            <a:off x="7463481" y="2306595"/>
-            <a:ext cx="420130" cy="683740"/>
-          </a:xfrm>
-          <a:prstGeom prst="upArrow">
-            <a:avLst/>
-          </a:prstGeom>
-        </p:spPr>
-        <p:style>
-          <a:lnRef idx="2">
-            <a:schemeClr val="accent1">
-              <a:shade val="50000"/>
-            </a:schemeClr>
-          </a:lnRef>
-          <a:fillRef idx="1">
-            <a:schemeClr val="accent1"/>
-          </a:fillRef>
-          <a:effectRef idx="0">
-            <a:schemeClr val="accent1"/>
-          </a:effectRef>
-          <a:fontRef idx="minor">
-            <a:schemeClr val="lt1"/>
-          </a:fontRef>
-        </p:style>
-        <p:txBody>
-          <a:bodyPr rtlCol="0" anchor="ctr"/>
-          <a:lstStyle/>
-          <a:p>
-            <a:pPr algn="ctr"/>
-            <a:endParaRPr lang="ru-RU"/>
-          </a:p>
-        </p:txBody>
-      </p:sp>
-      <p:sp>
-        <p:nvSpPr>
-          <p:cNvPr id="4" name="TextBox 3"/>
-          <p:cNvSpPr txBox="1"/>
-          <p:nvPr/>
-        </p:nvSpPr>
-        <p:spPr>
-          <a:xfrm>
-            <a:off x="6088176" y="3153202"/>
-            <a:ext cx="3170740" cy="646331"/>
-          </a:xfrm>
-          <a:prstGeom prst="rect">
-            <a:avLst/>
-          </a:prstGeom>
-          <a:noFill/>
-        </p:spPr>
-        <p:txBody>
-          <a:bodyPr wrap="none" rtlCol="0">
-            <a:spAutoFit/>
-          </a:bodyPr>
-          <a:lstStyle/>
-          <a:p>
-            <a:pPr algn="ctr"/>
-            <a:r>
-              <a:rPr lang="ru-RU" dirty="0"/>
-              <a:t>Если файлов тысячи, то</a:t>
-            </a:r>
-            <a:br>
-              <a:rPr lang="ru-RU" dirty="0"/>
-            </a:br>
-            <a:r>
-              <a:rPr lang="ru-RU" dirty="0"/>
-              <a:t>список становится неудобным</a:t>
-            </a:r>
-          </a:p>
-        </p:txBody>
-      </p:sp>
-    </p:spTree>
-    <p:extLst>
-      <p:ext uri="{BB962C8B-B14F-4D97-AF65-F5344CB8AC3E}">
-        <p14:creationId xmlns:p14="http://schemas.microsoft.com/office/powerpoint/2010/main" val="3856830964"/>
-      </p:ext>
-    </p:extLst>
-  </p:cSld>
-  <p:clrMapOvr>
-    <a:masterClrMapping/>
-  </p:clrMapOvr>
-</p:sld>
-</file>
-
-<file path=ppt/slides/slide30.xml><?xml version="1.0" encoding="utf-8"?>
-<p:sld xmlns:a="http://schemas.openxmlformats.org/drawingml/2006/main" xmlns:r="http://schemas.openxmlformats.org/officeDocument/2006/relationships" xmlns:p="http://schemas.openxmlformats.org/presentationml/2006/main">
-  <p:cSld>
-    <p:spTree>
-      <p:nvGrpSpPr>
-        <p:cNvPr id="1" name=""/>
-        <p:cNvGrpSpPr/>
-        <p:nvPr/>
-      </p:nvGrpSpPr>
-      <p:grpSpPr>
-        <a:xfrm>
-          <a:off x="0" y="0"/>
-          <a:ext cx="0" cy="0"/>
-          <a:chOff x="0" y="0"/>
-          <a:chExt cx="0" cy="0"/>
-        </a:xfrm>
-      </p:grpSpPr>
-      <p:graphicFrame>
-        <p:nvGraphicFramePr>
-          <p:cNvPr id="5" name="Table 4"/>
-          <p:cNvGraphicFramePr>
-            <a:graphicFrameLocks noGrp="1"/>
-          </p:cNvGraphicFramePr>
-          <p:nvPr>
-            <p:extLst>
-              <p:ext uri="{D42A27DB-BD31-4B8C-83A1-F6EECF244321}">
-                <p14:modId xmlns:p14="http://schemas.microsoft.com/office/powerpoint/2010/main" val="2281224332"/>
-              </p:ext>
-            </p:extLst>
-          </p:nvPr>
-        </p:nvGraphicFramePr>
-        <p:xfrm>
-          <a:off x="0" y="1"/>
-          <a:ext cx="12192000" cy="365760"/>
-        </p:xfrm>
-        <a:graphic>
-          <a:graphicData uri="http://schemas.openxmlformats.org/drawingml/2006/table">
-            <a:tbl>
-              <a:tblPr firstRow="1" bandRow="1">
-                <a:tableStyleId>{5C22544A-7EE6-4342-B048-85BDC9FD1C3A}</a:tableStyleId>
-              </a:tblPr>
-              <a:tblGrid>
-                <a:gridCol w="12192000">
-                  <a:extLst>
-                    <a:ext uri="{9D8B030D-6E8A-4147-A177-3AD203B41FA5}">
-                      <a16:colId xmlns:a16="http://schemas.microsoft.com/office/drawing/2014/main" val="20000"/>
-                    </a:ext>
-                  </a:extLst>
-                </a:gridCol>
-              </a:tblGrid>
-              <a:tr h="321276">
-                <a:tc>
-                  <a:txBody>
-                    <a:bodyPr/>
-                    <a:lstStyle/>
-                    <a:p>
-                      <a:r>
-                        <a:rPr lang="ru-RU" dirty="0"/>
-                        <a:t>Основы</a:t>
-                      </a:r>
-                      <a:r>
-                        <a:rPr lang="ru-RU" baseline="0" dirty="0"/>
-                        <a:t> построения файловых систем</a:t>
-                      </a:r>
-                      <a:endParaRPr lang="ru-RU" dirty="0"/>
-                    </a:p>
-                  </a:txBody>
-                  <a:tcPr/>
-                </a:tc>
-                <a:extLst>
-                  <a:ext uri="{0D108BD9-81ED-4DB2-BD59-A6C34878D82A}">
-                    <a16:rowId xmlns:a16="http://schemas.microsoft.com/office/drawing/2014/main" val="10000"/>
-                  </a:ext>
-                </a:extLst>
-              </a:tr>
-            </a:tbl>
-          </a:graphicData>
-        </a:graphic>
-      </p:graphicFrame>
-      <p:graphicFrame>
-        <p:nvGraphicFramePr>
-          <p:cNvPr id="6" name="Table 5"/>
-          <p:cNvGraphicFramePr>
-            <a:graphicFrameLocks noGrp="1"/>
-          </p:cNvGraphicFramePr>
-          <p:nvPr>
-            <p:extLst>
-              <p:ext uri="{D42A27DB-BD31-4B8C-83A1-F6EECF244321}">
-                <p14:modId xmlns:p14="http://schemas.microsoft.com/office/powerpoint/2010/main" val="2471234950"/>
-              </p:ext>
-            </p:extLst>
-          </p:nvPr>
-        </p:nvGraphicFramePr>
-        <p:xfrm>
-          <a:off x="0" y="6532604"/>
-          <a:ext cx="12192000" cy="365760"/>
-        </p:xfrm>
-        <a:graphic>
-          <a:graphicData uri="http://schemas.openxmlformats.org/drawingml/2006/table">
-            <a:tbl>
-              <a:tblPr firstRow="1" bandRow="1">
-                <a:tableStyleId>{5C22544A-7EE6-4342-B048-85BDC9FD1C3A}</a:tableStyleId>
-              </a:tblPr>
-              <a:tblGrid>
-                <a:gridCol w="12192000">
-                  <a:extLst>
-                    <a:ext uri="{9D8B030D-6E8A-4147-A177-3AD203B41FA5}">
-                      <a16:colId xmlns:a16="http://schemas.microsoft.com/office/drawing/2014/main" val="20000"/>
-                    </a:ext>
-                  </a:extLst>
-                </a:gridCol>
-              </a:tblGrid>
-              <a:tr h="308094">
-                <a:tc>
-                  <a:txBody>
-                    <a:bodyPr/>
-                    <a:lstStyle/>
-                    <a:p>
-                      <a:endParaRPr lang="ru-RU" dirty="0"/>
-                    </a:p>
-                  </a:txBody>
-                  <a:tcPr/>
-                </a:tc>
-                <a:extLst>
-                  <a:ext uri="{0D108BD9-81ED-4DB2-BD59-A6C34878D82A}">
-                    <a16:rowId xmlns:a16="http://schemas.microsoft.com/office/drawing/2014/main" val="10000"/>
-                  </a:ext>
-                </a:extLst>
-              </a:tr>
-            </a:tbl>
-          </a:graphicData>
-        </a:graphic>
-      </p:graphicFrame>
-      <p:graphicFrame>
-        <p:nvGraphicFramePr>
           <p:cNvPr id="2" name="Table 1"/>
           <p:cNvGraphicFramePr>
             <a:graphicFrameLocks noGrp="1"/>
@@ -24830,310 +25379,6 @@
     <p:extLst>
       <p:ext uri="{BB962C8B-B14F-4D97-AF65-F5344CB8AC3E}">
         <p14:creationId xmlns:p14="http://schemas.microsoft.com/office/powerpoint/2010/main" val="860865305"/>
-      </p:ext>
-    </p:extLst>
-  </p:cSld>
-  <p:clrMapOvr>
-    <a:masterClrMapping/>
-  </p:clrMapOvr>
-</p:sld>
-</file>
-
-<file path=ppt/slides/slide31.xml><?xml version="1.0" encoding="utf-8"?>
-<p:sld xmlns:a="http://schemas.openxmlformats.org/drawingml/2006/main" xmlns:r="http://schemas.openxmlformats.org/officeDocument/2006/relationships" xmlns:p="http://schemas.openxmlformats.org/presentationml/2006/main">
-  <p:cSld>
-    <p:spTree>
-      <p:nvGrpSpPr>
-        <p:cNvPr id="1" name=""/>
-        <p:cNvGrpSpPr/>
-        <p:nvPr/>
-      </p:nvGrpSpPr>
-      <p:grpSpPr>
-        <a:xfrm>
-          <a:off x="0" y="0"/>
-          <a:ext cx="0" cy="0"/>
-          <a:chOff x="0" y="0"/>
-          <a:chExt cx="0" cy="0"/>
-        </a:xfrm>
-      </p:grpSpPr>
-      <p:graphicFrame>
-        <p:nvGraphicFramePr>
-          <p:cNvPr id="5" name="Table 4"/>
-          <p:cNvGraphicFramePr>
-            <a:graphicFrameLocks noGrp="1"/>
-          </p:cNvGraphicFramePr>
-          <p:nvPr>
-            <p:extLst>
-              <p:ext uri="{D42A27DB-BD31-4B8C-83A1-F6EECF244321}">
-                <p14:modId xmlns:p14="http://schemas.microsoft.com/office/powerpoint/2010/main" val="2281224332"/>
-              </p:ext>
-            </p:extLst>
-          </p:nvPr>
-        </p:nvGraphicFramePr>
-        <p:xfrm>
-          <a:off x="0" y="1"/>
-          <a:ext cx="12192000" cy="365760"/>
-        </p:xfrm>
-        <a:graphic>
-          <a:graphicData uri="http://schemas.openxmlformats.org/drawingml/2006/table">
-            <a:tbl>
-              <a:tblPr firstRow="1" bandRow="1">
-                <a:tableStyleId>{5C22544A-7EE6-4342-B048-85BDC9FD1C3A}</a:tableStyleId>
-              </a:tblPr>
-              <a:tblGrid>
-                <a:gridCol w="12192000">
-                  <a:extLst>
-                    <a:ext uri="{9D8B030D-6E8A-4147-A177-3AD203B41FA5}">
-                      <a16:colId xmlns:a16="http://schemas.microsoft.com/office/drawing/2014/main" val="20000"/>
-                    </a:ext>
-                  </a:extLst>
-                </a:gridCol>
-              </a:tblGrid>
-              <a:tr h="321276">
-                <a:tc>
-                  <a:txBody>
-                    <a:bodyPr/>
-                    <a:lstStyle/>
-                    <a:p>
-                      <a:r>
-                        <a:rPr lang="ru-RU" dirty="0"/>
-                        <a:t>Основы</a:t>
-                      </a:r>
-                      <a:r>
-                        <a:rPr lang="ru-RU" baseline="0" dirty="0"/>
-                        <a:t> построения файловых систем</a:t>
-                      </a:r>
-                      <a:endParaRPr lang="ru-RU" dirty="0"/>
-                    </a:p>
-                  </a:txBody>
-                  <a:tcPr/>
-                </a:tc>
-                <a:extLst>
-                  <a:ext uri="{0D108BD9-81ED-4DB2-BD59-A6C34878D82A}">
-                    <a16:rowId xmlns:a16="http://schemas.microsoft.com/office/drawing/2014/main" val="10000"/>
-                  </a:ext>
-                </a:extLst>
-              </a:tr>
-            </a:tbl>
-          </a:graphicData>
-        </a:graphic>
-      </p:graphicFrame>
-      <p:graphicFrame>
-        <p:nvGraphicFramePr>
-          <p:cNvPr id="6" name="Table 5"/>
-          <p:cNvGraphicFramePr>
-            <a:graphicFrameLocks noGrp="1"/>
-          </p:cNvGraphicFramePr>
-          <p:nvPr>
-            <p:extLst>
-              <p:ext uri="{D42A27DB-BD31-4B8C-83A1-F6EECF244321}">
-                <p14:modId xmlns:p14="http://schemas.microsoft.com/office/powerpoint/2010/main" val="4696356"/>
-              </p:ext>
-            </p:extLst>
-          </p:nvPr>
-        </p:nvGraphicFramePr>
-        <p:xfrm>
-          <a:off x="0" y="6532604"/>
-          <a:ext cx="12192000" cy="365760"/>
-        </p:xfrm>
-        <a:graphic>
-          <a:graphicData uri="http://schemas.openxmlformats.org/drawingml/2006/table">
-            <a:tbl>
-              <a:tblPr firstRow="1" bandRow="1">
-                <a:tableStyleId>{5C22544A-7EE6-4342-B048-85BDC9FD1C3A}</a:tableStyleId>
-              </a:tblPr>
-              <a:tblGrid>
-                <a:gridCol w="12192000">
-                  <a:extLst>
-                    <a:ext uri="{9D8B030D-6E8A-4147-A177-3AD203B41FA5}">
-                      <a16:colId xmlns:a16="http://schemas.microsoft.com/office/drawing/2014/main" val="20000"/>
-                    </a:ext>
-                  </a:extLst>
-                </a:gridCol>
-              </a:tblGrid>
-              <a:tr h="308094">
-                <a:tc>
-                  <a:txBody>
-                    <a:bodyPr/>
-                    <a:lstStyle/>
-                    <a:p>
-                      <a:endParaRPr lang="ru-RU" dirty="0"/>
-                    </a:p>
-                  </a:txBody>
-                  <a:tcPr/>
-                </a:tc>
-                <a:extLst>
-                  <a:ext uri="{0D108BD9-81ED-4DB2-BD59-A6C34878D82A}">
-                    <a16:rowId xmlns:a16="http://schemas.microsoft.com/office/drawing/2014/main" val="10000"/>
-                  </a:ext>
-                </a:extLst>
-              </a:tr>
-            </a:tbl>
-          </a:graphicData>
-        </a:graphic>
-      </p:graphicFrame>
-      <p:graphicFrame>
-        <p:nvGraphicFramePr>
-          <p:cNvPr id="2" name="Table 1"/>
-          <p:cNvGraphicFramePr>
-            <a:graphicFrameLocks noGrp="1"/>
-          </p:cNvGraphicFramePr>
-          <p:nvPr>
-            <p:extLst>
-              <p:ext uri="{D42A27DB-BD31-4B8C-83A1-F6EECF244321}">
-                <p14:modId xmlns:p14="http://schemas.microsoft.com/office/powerpoint/2010/main" val="2658096442"/>
-              </p:ext>
-            </p:extLst>
-          </p:nvPr>
-        </p:nvGraphicFramePr>
-        <p:xfrm>
-          <a:off x="0" y="365761"/>
-          <a:ext cx="12192000" cy="2016760"/>
-        </p:xfrm>
-        <a:graphic>
-          <a:graphicData uri="http://schemas.openxmlformats.org/drawingml/2006/table">
-            <a:tbl>
-              <a:tblPr firstRow="1" bandRow="1">
-                <a:tableStyleId>{3B4B98B0-60AC-42C2-AFA5-B58CD77FA1E5}</a:tableStyleId>
-              </a:tblPr>
-              <a:tblGrid>
-                <a:gridCol w="12192000">
-                  <a:extLst>
-                    <a:ext uri="{9D8B030D-6E8A-4147-A177-3AD203B41FA5}">
-                      <a16:colId xmlns:a16="http://schemas.microsoft.com/office/drawing/2014/main" val="20000"/>
-                    </a:ext>
-                  </a:extLst>
-                </a:gridCol>
-              </a:tblGrid>
-              <a:tr h="370840">
-                <a:tc>
-                  <a:txBody>
-                    <a:bodyPr/>
-                    <a:lstStyle/>
-                    <a:p>
-                      <a:r>
-                        <a:rPr lang="ru-RU" sz="2400" dirty="0"/>
-                        <a:t>Обзор-напоминание</a:t>
-                      </a:r>
-                      <a:r>
-                        <a:rPr lang="ru-RU" sz="2400" baseline="0" dirty="0"/>
-                        <a:t> о </a:t>
-                      </a:r>
-                      <a:r>
-                        <a:rPr lang="en-US" sz="2400" baseline="0" dirty="0"/>
-                        <a:t>POSIX Filesystem API</a:t>
-                      </a:r>
-                      <a:endParaRPr lang="ru-RU" sz="2400" dirty="0"/>
-                    </a:p>
-                  </a:txBody>
-                  <a:tcPr/>
-                </a:tc>
-                <a:extLst>
-                  <a:ext uri="{0D108BD9-81ED-4DB2-BD59-A6C34878D82A}">
-                    <a16:rowId xmlns:a16="http://schemas.microsoft.com/office/drawing/2014/main" val="10000"/>
-                  </a:ext>
-                </a:extLst>
-              </a:tr>
-              <a:tr h="370840">
-                <a:tc>
-                  <a:txBody>
-                    <a:bodyPr/>
-                    <a:lstStyle/>
-                    <a:p>
-                      <a:r>
-                        <a:rPr lang="en-US" dirty="0"/>
-                        <a:t>1. open(path,</a:t>
-                      </a:r>
-                      <a:r>
-                        <a:rPr lang="en-US" baseline="0" dirty="0"/>
-                        <a:t> flags, mode</a:t>
-                      </a:r>
-                      <a:r>
-                        <a:rPr lang="en-US" dirty="0"/>
-                        <a:t>) / close(</a:t>
-                      </a:r>
-                      <a:r>
-                        <a:rPr lang="en-US" dirty="0" err="1"/>
-                        <a:t>fd</a:t>
-                      </a:r>
-                      <a:r>
-                        <a:rPr lang="en-US" dirty="0"/>
-                        <a:t>)</a:t>
-                      </a:r>
-                      <a:endParaRPr lang="ru-RU" dirty="0"/>
-                    </a:p>
-                  </a:txBody>
-                  <a:tcPr/>
-                </a:tc>
-                <a:extLst>
-                  <a:ext uri="{0D108BD9-81ED-4DB2-BD59-A6C34878D82A}">
-                    <a16:rowId xmlns:a16="http://schemas.microsoft.com/office/drawing/2014/main" val="10001"/>
-                  </a:ext>
-                </a:extLst>
-              </a:tr>
-              <a:tr h="370840">
-                <a:tc>
-                  <a:txBody>
-                    <a:bodyPr/>
-                    <a:lstStyle/>
-                    <a:p>
-                      <a:pPr marL="285750" indent="-285750">
-                        <a:buFont typeface="Arial" panose="020B0604020202020204" pitchFamily="34" charset="0"/>
-                        <a:buChar char="•"/>
-                      </a:pPr>
-                      <a:r>
-                        <a:rPr lang="en-US" dirty="0"/>
-                        <a:t>O_CREAT,</a:t>
-                      </a:r>
-                    </a:p>
-                    <a:p>
-                      <a:pPr marL="285750" indent="-285750">
-                        <a:buFont typeface="Arial" panose="020B0604020202020204" pitchFamily="34" charset="0"/>
-                        <a:buChar char="•"/>
-                      </a:pPr>
-                      <a:r>
-                        <a:rPr lang="en-US" baseline="0" dirty="0"/>
-                        <a:t>O_EXCL,</a:t>
-                      </a:r>
-                    </a:p>
-                    <a:p>
-                      <a:pPr marL="285750" indent="-285750">
-                        <a:buFont typeface="Arial" panose="020B0604020202020204" pitchFamily="34" charset="0"/>
-                        <a:buChar char="•"/>
-                      </a:pPr>
-                      <a:r>
-                        <a:rPr lang="en-US" baseline="0" dirty="0"/>
-                        <a:t>O_NOATIME,</a:t>
-                      </a:r>
-                    </a:p>
-                    <a:p>
-                      <a:pPr marL="285750" indent="-285750">
-                        <a:buFont typeface="Arial" panose="020B0604020202020204" pitchFamily="34" charset="0"/>
-                        <a:buChar char="•"/>
-                      </a:pPr>
-                      <a:r>
-                        <a:rPr lang="en-US" dirty="0"/>
-                        <a:t>O_CLOEXEC.</a:t>
-                      </a:r>
-                      <a:endParaRPr lang="ru-RU" dirty="0"/>
-                    </a:p>
-                  </a:txBody>
-                  <a:tcPr/>
-                </a:tc>
-                <a:extLst>
-                  <a:ext uri="{0D108BD9-81ED-4DB2-BD59-A6C34878D82A}">
-                    <a16:rowId xmlns:a16="http://schemas.microsoft.com/office/drawing/2014/main" val="10002"/>
-                  </a:ext>
-                </a:extLst>
-              </a:tr>
-            </a:tbl>
-          </a:graphicData>
-        </a:graphic>
-      </p:graphicFrame>
-    </p:spTree>
-    <p:extLst>
-      <p:ext uri="{BB962C8B-B14F-4D97-AF65-F5344CB8AC3E}">
-        <p14:creationId xmlns:p14="http://schemas.microsoft.com/office/powerpoint/2010/main" val="646365678"/>
       </p:ext>
     </p:extLst>
   </p:cSld>
@@ -25231,7 +25476,7 @@
           <p:nvPr>
             <p:extLst>
               <p:ext uri="{D42A27DB-BD31-4B8C-83A1-F6EECF244321}">
-                <p14:modId xmlns:p14="http://schemas.microsoft.com/office/powerpoint/2010/main" val="2092587633"/>
+                <p14:modId xmlns:p14="http://schemas.microsoft.com/office/powerpoint/2010/main" val="4696356"/>
               </p:ext>
             </p:extLst>
           </p:nvPr>
@@ -25285,14 +25530,14 @@
           <p:nvPr>
             <p:extLst>
               <p:ext uri="{D42A27DB-BD31-4B8C-83A1-F6EECF244321}">
-                <p14:modId xmlns:p14="http://schemas.microsoft.com/office/powerpoint/2010/main" val="652238823"/>
+                <p14:modId xmlns:p14="http://schemas.microsoft.com/office/powerpoint/2010/main" val="2658096442"/>
               </p:ext>
             </p:extLst>
           </p:nvPr>
         </p:nvGraphicFramePr>
         <p:xfrm>
           <a:off x="0" y="365761"/>
-          <a:ext cx="12192000" cy="1198880"/>
+          <a:ext cx="12192000" cy="2016760"/>
         </p:xfrm>
         <a:graphic>
           <a:graphicData uri="http://schemas.openxmlformats.org/drawingml/2006/table">
@@ -25381,25 +25626,43 @@
                     <a:bodyPr/>
                     <a:lstStyle/>
                     <a:p>
+                      <a:pPr marL="285750" indent="-285750">
+                        <a:buFont typeface="Arial" panose="020B0604020202020204" pitchFamily="34" charset="0"/>
+                        <a:buChar char="•"/>
+                      </a:pPr>
                       <a:r>
                         <a:rPr lang="en-US" dirty="0"/>
-                        <a:t>2. </a:t>
-                      </a:r>
-                      <a:r>
-                        <a:rPr lang="en-US" dirty="0" err="1"/>
-                        <a:t>mkdir</a:t>
-                      </a:r>
+                        <a:t>O_CREAT,</a:t>
+                      </a:r>
+                    </a:p>
+                    <a:p>
+                      <a:pPr marL="285750" indent="-285750">
+                        <a:buFont typeface="Arial" panose="020B0604020202020204" pitchFamily="34" charset="0"/>
+                        <a:buChar char="•"/>
+                      </a:pPr>
+                      <a:r>
+                        <a:rPr lang="en-US" baseline="0" dirty="0"/>
+                        <a:t>O_EXCL,</a:t>
+                      </a:r>
+                    </a:p>
+                    <a:p>
+                      <a:pPr marL="285750" indent="-285750">
+                        <a:buFont typeface="Arial" panose="020B0604020202020204" pitchFamily="34" charset="0"/>
+                        <a:buChar char="•"/>
+                      </a:pPr>
+                      <a:r>
+                        <a:rPr lang="en-US" baseline="0" dirty="0"/>
+                        <a:t>O_NOATIME,</a:t>
+                      </a:r>
+                    </a:p>
+                    <a:p>
+                      <a:pPr marL="285750" indent="-285750">
+                        <a:buFont typeface="Arial" panose="020B0604020202020204" pitchFamily="34" charset="0"/>
+                        <a:buChar char="•"/>
+                      </a:pPr>
                       <a:r>
                         <a:rPr lang="en-US" dirty="0"/>
-                        <a:t>(path, flags) / </a:t>
-                      </a:r>
-                      <a:r>
-                        <a:rPr lang="en-US" dirty="0" err="1"/>
-                        <a:t>rmdir</a:t>
-                      </a:r>
-                      <a:r>
-                        <a:rPr lang="en-US" dirty="0"/>
-                        <a:t>(path)</a:t>
+                        <a:t>O_CLOEXEC.</a:t>
                       </a:r>
                       <a:endParaRPr lang="ru-RU" dirty="0"/>
                     </a:p>
@@ -25419,7 +25682,7 @@
     </p:spTree>
     <p:extLst>
       <p:ext uri="{BB962C8B-B14F-4D97-AF65-F5344CB8AC3E}">
-        <p14:creationId xmlns:p14="http://schemas.microsoft.com/office/powerpoint/2010/main" val="168796789"/>
+        <p14:creationId xmlns:p14="http://schemas.microsoft.com/office/powerpoint/2010/main" val="646365678"/>
       </p:ext>
     </p:extLst>
   </p:cSld>
@@ -25517,7 +25780,7 @@
           <p:nvPr>
             <p:extLst>
               <p:ext uri="{D42A27DB-BD31-4B8C-83A1-F6EECF244321}">
-                <p14:modId xmlns:p14="http://schemas.microsoft.com/office/powerpoint/2010/main" val="197676859"/>
+                <p14:modId xmlns:p14="http://schemas.microsoft.com/office/powerpoint/2010/main" val="2092587633"/>
               </p:ext>
             </p:extLst>
           </p:nvPr>
@@ -25571,14 +25834,14 @@
           <p:nvPr>
             <p:extLst>
               <p:ext uri="{D42A27DB-BD31-4B8C-83A1-F6EECF244321}">
-                <p14:modId xmlns:p14="http://schemas.microsoft.com/office/powerpoint/2010/main" val="3517014689"/>
+                <p14:modId xmlns:p14="http://schemas.microsoft.com/office/powerpoint/2010/main" val="652238823"/>
               </p:ext>
             </p:extLst>
           </p:nvPr>
         </p:nvGraphicFramePr>
         <p:xfrm>
           <a:off x="0" y="365761"/>
-          <a:ext cx="12192000" cy="1569720"/>
+          <a:ext cx="12192000" cy="1198880"/>
         </p:xfrm>
         <a:graphic>
           <a:graphicData uri="http://schemas.openxmlformats.org/drawingml/2006/table">
@@ -25698,47 +25961,6 @@
                   </a:ext>
                 </a:extLst>
               </a:tr>
-              <a:tr h="370840">
-                <a:tc>
-                  <a:txBody>
-                    <a:bodyPr/>
-                    <a:lstStyle/>
-                    <a:p>
-                      <a:r>
-                        <a:rPr lang="en-US" dirty="0"/>
-                        <a:t>3.</a:t>
-                      </a:r>
-                      <a:r>
-                        <a:rPr lang="en-US" baseline="0" dirty="0"/>
-                        <a:t> </a:t>
-                      </a:r>
-                      <a:r>
-                        <a:rPr lang="en-US" baseline="0" dirty="0" err="1"/>
-                        <a:t>chdir</a:t>
-                      </a:r>
-                      <a:r>
-                        <a:rPr lang="en-US" baseline="0" dirty="0"/>
-                        <a:t>(path), </a:t>
-                      </a:r>
-                      <a:r>
-                        <a:rPr lang="en-US" baseline="0" dirty="0" err="1"/>
-                        <a:t>chroot</a:t>
-                      </a:r>
-                      <a:r>
-                        <a:rPr lang="en-US" baseline="0" dirty="0"/>
-                        <a:t>(path)</a:t>
-                      </a:r>
-                      <a:endParaRPr lang="ru-RU" dirty="0"/>
-                    </a:p>
-                  </a:txBody>
-                  <a:tcPr/>
-                </a:tc>
-                <a:extLst>
-                  <a:ext uri="{0D108BD9-81ED-4DB2-BD59-A6C34878D82A}">
-                    <a16:rowId xmlns:a16="http://schemas.microsoft.com/office/drawing/2014/main" val="10003"/>
-                  </a:ext>
-                </a:extLst>
-              </a:tr>
             </a:tbl>
           </a:graphicData>
         </a:graphic>
@@ -25746,7 +25968,7 @@
     </p:spTree>
     <p:extLst>
       <p:ext uri="{BB962C8B-B14F-4D97-AF65-F5344CB8AC3E}">
-        <p14:creationId xmlns:p14="http://schemas.microsoft.com/office/powerpoint/2010/main" val="2813411199"/>
+        <p14:creationId xmlns:p14="http://schemas.microsoft.com/office/powerpoint/2010/main" val="168796789"/>
       </p:ext>
     </p:extLst>
   </p:cSld>
@@ -25844,6 +26066,333 @@
           <p:nvPr>
             <p:extLst>
               <p:ext uri="{D42A27DB-BD31-4B8C-83A1-F6EECF244321}">
+                <p14:modId xmlns:p14="http://schemas.microsoft.com/office/powerpoint/2010/main" val="197676859"/>
+              </p:ext>
+            </p:extLst>
+          </p:nvPr>
+        </p:nvGraphicFramePr>
+        <p:xfrm>
+          <a:off x="0" y="6532604"/>
+          <a:ext cx="12192000" cy="365760"/>
+        </p:xfrm>
+        <a:graphic>
+          <a:graphicData uri="http://schemas.openxmlformats.org/drawingml/2006/table">
+            <a:tbl>
+              <a:tblPr firstRow="1" bandRow="1">
+                <a:tableStyleId>{5C22544A-7EE6-4342-B048-85BDC9FD1C3A}</a:tableStyleId>
+              </a:tblPr>
+              <a:tblGrid>
+                <a:gridCol w="12192000">
+                  <a:extLst>
+                    <a:ext uri="{9D8B030D-6E8A-4147-A177-3AD203B41FA5}">
+                      <a16:colId xmlns:a16="http://schemas.microsoft.com/office/drawing/2014/main" val="20000"/>
+                    </a:ext>
+                  </a:extLst>
+                </a:gridCol>
+              </a:tblGrid>
+              <a:tr h="308094">
+                <a:tc>
+                  <a:txBody>
+                    <a:bodyPr/>
+                    <a:lstStyle/>
+                    <a:p>
+                      <a:endParaRPr lang="ru-RU" dirty="0"/>
+                    </a:p>
+                  </a:txBody>
+                  <a:tcPr/>
+                </a:tc>
+                <a:extLst>
+                  <a:ext uri="{0D108BD9-81ED-4DB2-BD59-A6C34878D82A}">
+                    <a16:rowId xmlns:a16="http://schemas.microsoft.com/office/drawing/2014/main" val="10000"/>
+                  </a:ext>
+                </a:extLst>
+              </a:tr>
+            </a:tbl>
+          </a:graphicData>
+        </a:graphic>
+      </p:graphicFrame>
+      <p:graphicFrame>
+        <p:nvGraphicFramePr>
+          <p:cNvPr id="2" name="Table 1"/>
+          <p:cNvGraphicFramePr>
+            <a:graphicFrameLocks noGrp="1"/>
+          </p:cNvGraphicFramePr>
+          <p:nvPr>
+            <p:extLst>
+              <p:ext uri="{D42A27DB-BD31-4B8C-83A1-F6EECF244321}">
+                <p14:modId xmlns:p14="http://schemas.microsoft.com/office/powerpoint/2010/main" val="3517014689"/>
+              </p:ext>
+            </p:extLst>
+          </p:nvPr>
+        </p:nvGraphicFramePr>
+        <p:xfrm>
+          <a:off x="0" y="365761"/>
+          <a:ext cx="12192000" cy="1569720"/>
+        </p:xfrm>
+        <a:graphic>
+          <a:graphicData uri="http://schemas.openxmlformats.org/drawingml/2006/table">
+            <a:tbl>
+              <a:tblPr firstRow="1" bandRow="1">
+                <a:tableStyleId>{3B4B98B0-60AC-42C2-AFA5-B58CD77FA1E5}</a:tableStyleId>
+              </a:tblPr>
+              <a:tblGrid>
+                <a:gridCol w="12192000">
+                  <a:extLst>
+                    <a:ext uri="{9D8B030D-6E8A-4147-A177-3AD203B41FA5}">
+                      <a16:colId xmlns:a16="http://schemas.microsoft.com/office/drawing/2014/main" val="20000"/>
+                    </a:ext>
+                  </a:extLst>
+                </a:gridCol>
+              </a:tblGrid>
+              <a:tr h="370840">
+                <a:tc>
+                  <a:txBody>
+                    <a:bodyPr/>
+                    <a:lstStyle/>
+                    <a:p>
+                      <a:r>
+                        <a:rPr lang="ru-RU" sz="2400" dirty="0"/>
+                        <a:t>Обзор-напоминание</a:t>
+                      </a:r>
+                      <a:r>
+                        <a:rPr lang="ru-RU" sz="2400" baseline="0" dirty="0"/>
+                        <a:t> о </a:t>
+                      </a:r>
+                      <a:r>
+                        <a:rPr lang="en-US" sz="2400" baseline="0" dirty="0"/>
+                        <a:t>POSIX Filesystem API</a:t>
+                      </a:r>
+                      <a:endParaRPr lang="ru-RU" sz="2400" dirty="0"/>
+                    </a:p>
+                  </a:txBody>
+                  <a:tcPr/>
+                </a:tc>
+                <a:extLst>
+                  <a:ext uri="{0D108BD9-81ED-4DB2-BD59-A6C34878D82A}">
+                    <a16:rowId xmlns:a16="http://schemas.microsoft.com/office/drawing/2014/main" val="10000"/>
+                  </a:ext>
+                </a:extLst>
+              </a:tr>
+              <a:tr h="370840">
+                <a:tc>
+                  <a:txBody>
+                    <a:bodyPr/>
+                    <a:lstStyle/>
+                    <a:p>
+                      <a:r>
+                        <a:rPr lang="en-US" dirty="0"/>
+                        <a:t>1. open(path,</a:t>
+                      </a:r>
+                      <a:r>
+                        <a:rPr lang="en-US" baseline="0" dirty="0"/>
+                        <a:t> flags, mode</a:t>
+                      </a:r>
+                      <a:r>
+                        <a:rPr lang="en-US" dirty="0"/>
+                        <a:t>) / close(</a:t>
+                      </a:r>
+                      <a:r>
+                        <a:rPr lang="en-US" dirty="0" err="1"/>
+                        <a:t>fd</a:t>
+                      </a:r>
+                      <a:r>
+                        <a:rPr lang="en-US" dirty="0"/>
+                        <a:t>)</a:t>
+                      </a:r>
+                      <a:endParaRPr lang="ru-RU" dirty="0"/>
+                    </a:p>
+                  </a:txBody>
+                  <a:tcPr/>
+                </a:tc>
+                <a:extLst>
+                  <a:ext uri="{0D108BD9-81ED-4DB2-BD59-A6C34878D82A}">
+                    <a16:rowId xmlns:a16="http://schemas.microsoft.com/office/drawing/2014/main" val="10001"/>
+                  </a:ext>
+                </a:extLst>
+              </a:tr>
+              <a:tr h="370840">
+                <a:tc>
+                  <a:txBody>
+                    <a:bodyPr/>
+                    <a:lstStyle/>
+                    <a:p>
+                      <a:r>
+                        <a:rPr lang="en-US" dirty="0"/>
+                        <a:t>2. </a:t>
+                      </a:r>
+                      <a:r>
+                        <a:rPr lang="en-US" dirty="0" err="1"/>
+                        <a:t>mkdir</a:t>
+                      </a:r>
+                      <a:r>
+                        <a:rPr lang="en-US" dirty="0"/>
+                        <a:t>(path, flags) / </a:t>
+                      </a:r>
+                      <a:r>
+                        <a:rPr lang="en-US" dirty="0" err="1"/>
+                        <a:t>rmdir</a:t>
+                      </a:r>
+                      <a:r>
+                        <a:rPr lang="en-US" dirty="0"/>
+                        <a:t>(path)</a:t>
+                      </a:r>
+                      <a:endParaRPr lang="ru-RU" dirty="0"/>
+                    </a:p>
+                  </a:txBody>
+                  <a:tcPr/>
+                </a:tc>
+                <a:extLst>
+                  <a:ext uri="{0D108BD9-81ED-4DB2-BD59-A6C34878D82A}">
+                    <a16:rowId xmlns:a16="http://schemas.microsoft.com/office/drawing/2014/main" val="10002"/>
+                  </a:ext>
+                </a:extLst>
+              </a:tr>
+              <a:tr h="370840">
+                <a:tc>
+                  <a:txBody>
+                    <a:bodyPr/>
+                    <a:lstStyle/>
+                    <a:p>
+                      <a:r>
+                        <a:rPr lang="en-US" dirty="0"/>
+                        <a:t>3.</a:t>
+                      </a:r>
+                      <a:r>
+                        <a:rPr lang="en-US" baseline="0" dirty="0"/>
+                        <a:t> </a:t>
+                      </a:r>
+                      <a:r>
+                        <a:rPr lang="en-US" baseline="0" dirty="0" err="1"/>
+                        <a:t>chdir</a:t>
+                      </a:r>
+                      <a:r>
+                        <a:rPr lang="en-US" baseline="0" dirty="0"/>
+                        <a:t>(path), </a:t>
+                      </a:r>
+                      <a:r>
+                        <a:rPr lang="en-US" baseline="0" dirty="0" err="1"/>
+                        <a:t>chroot</a:t>
+                      </a:r>
+                      <a:r>
+                        <a:rPr lang="en-US" baseline="0" dirty="0"/>
+                        <a:t>(path)</a:t>
+                      </a:r>
+                      <a:endParaRPr lang="ru-RU" dirty="0"/>
+                    </a:p>
+                  </a:txBody>
+                  <a:tcPr/>
+                </a:tc>
+                <a:extLst>
+                  <a:ext uri="{0D108BD9-81ED-4DB2-BD59-A6C34878D82A}">
+                    <a16:rowId xmlns:a16="http://schemas.microsoft.com/office/drawing/2014/main" val="10003"/>
+                  </a:ext>
+                </a:extLst>
+              </a:tr>
+            </a:tbl>
+          </a:graphicData>
+        </a:graphic>
+      </p:graphicFrame>
+    </p:spTree>
+    <p:extLst>
+      <p:ext uri="{BB962C8B-B14F-4D97-AF65-F5344CB8AC3E}">
+        <p14:creationId xmlns:p14="http://schemas.microsoft.com/office/powerpoint/2010/main" val="2813411199"/>
+      </p:ext>
+    </p:extLst>
+  </p:cSld>
+  <p:clrMapOvr>
+    <a:masterClrMapping/>
+  </p:clrMapOvr>
+</p:sld>
+</file>
+
+<file path=ppt/slides/slide35.xml><?xml version="1.0" encoding="utf-8"?>
+<p:sld xmlns:a="http://schemas.openxmlformats.org/drawingml/2006/main" xmlns:r="http://schemas.openxmlformats.org/officeDocument/2006/relationships" xmlns:p="http://schemas.openxmlformats.org/presentationml/2006/main">
+  <p:cSld>
+    <p:spTree>
+      <p:nvGrpSpPr>
+        <p:cNvPr id="1" name=""/>
+        <p:cNvGrpSpPr/>
+        <p:nvPr/>
+      </p:nvGrpSpPr>
+      <p:grpSpPr>
+        <a:xfrm>
+          <a:off x="0" y="0"/>
+          <a:ext cx="0" cy="0"/>
+          <a:chOff x="0" y="0"/>
+          <a:chExt cx="0" cy="0"/>
+        </a:xfrm>
+      </p:grpSpPr>
+      <p:graphicFrame>
+        <p:nvGraphicFramePr>
+          <p:cNvPr id="5" name="Table 4"/>
+          <p:cNvGraphicFramePr>
+            <a:graphicFrameLocks noGrp="1"/>
+          </p:cNvGraphicFramePr>
+          <p:nvPr>
+            <p:extLst>
+              <p:ext uri="{D42A27DB-BD31-4B8C-83A1-F6EECF244321}">
+                <p14:modId xmlns:p14="http://schemas.microsoft.com/office/powerpoint/2010/main" val="2281224332"/>
+              </p:ext>
+            </p:extLst>
+          </p:nvPr>
+        </p:nvGraphicFramePr>
+        <p:xfrm>
+          <a:off x="0" y="1"/>
+          <a:ext cx="12192000" cy="365760"/>
+        </p:xfrm>
+        <a:graphic>
+          <a:graphicData uri="http://schemas.openxmlformats.org/drawingml/2006/table">
+            <a:tbl>
+              <a:tblPr firstRow="1" bandRow="1">
+                <a:tableStyleId>{5C22544A-7EE6-4342-B048-85BDC9FD1C3A}</a:tableStyleId>
+              </a:tblPr>
+              <a:tblGrid>
+                <a:gridCol w="12192000">
+                  <a:extLst>
+                    <a:ext uri="{9D8B030D-6E8A-4147-A177-3AD203B41FA5}">
+                      <a16:colId xmlns:a16="http://schemas.microsoft.com/office/drawing/2014/main" val="20000"/>
+                    </a:ext>
+                  </a:extLst>
+                </a:gridCol>
+              </a:tblGrid>
+              <a:tr h="321276">
+                <a:tc>
+                  <a:txBody>
+                    <a:bodyPr/>
+                    <a:lstStyle/>
+                    <a:p>
+                      <a:r>
+                        <a:rPr lang="ru-RU" dirty="0"/>
+                        <a:t>Основы</a:t>
+                      </a:r>
+                      <a:r>
+                        <a:rPr lang="ru-RU" baseline="0" dirty="0"/>
+                        <a:t> построения файловых систем</a:t>
+                      </a:r>
+                      <a:endParaRPr lang="ru-RU" dirty="0"/>
+                    </a:p>
+                  </a:txBody>
+                  <a:tcPr/>
+                </a:tc>
+                <a:extLst>
+                  <a:ext uri="{0D108BD9-81ED-4DB2-BD59-A6C34878D82A}">
+                    <a16:rowId xmlns:a16="http://schemas.microsoft.com/office/drawing/2014/main" val="10000"/>
+                  </a:ext>
+                </a:extLst>
+              </a:tr>
+            </a:tbl>
+          </a:graphicData>
+        </a:graphic>
+      </p:graphicFrame>
+      <p:graphicFrame>
+        <p:nvGraphicFramePr>
+          <p:cNvPr id="6" name="Table 5"/>
+          <p:cNvGraphicFramePr>
+            <a:graphicFrameLocks noGrp="1"/>
+          </p:cNvGraphicFramePr>
+          <p:nvPr>
+            <p:extLst>
+              <p:ext uri="{D42A27DB-BD31-4B8C-83A1-F6EECF244321}">
                 <p14:modId xmlns:p14="http://schemas.microsoft.com/office/powerpoint/2010/main" val="3322136306"/>
               </p:ext>
             </p:extLst>
@@ -26176,7 +26725,7 @@
 </p:sld>
 </file>
 
-<file path=ppt/slides/slide35.xml><?xml version="1.0" encoding="utf-8"?>
+<file path=ppt/slides/slide36.xml><?xml version="1.0" encoding="utf-8"?>
 <p:sld xmlns:a="http://schemas.openxmlformats.org/drawingml/2006/main" xmlns:r="http://schemas.openxmlformats.org/officeDocument/2006/relationships" xmlns:p="http://schemas.openxmlformats.org/presentationml/2006/main">
   <p:cSld>
     <p:spTree>
@@ -26612,7 +27161,7 @@
 </p:sld>
 </file>
 
-<file path=ppt/slides/slide36.xml><?xml version="1.0" encoding="utf-8"?>
+<file path=ppt/slides/slide37.xml><?xml version="1.0" encoding="utf-8"?>
 <p:sld xmlns:a="http://schemas.openxmlformats.org/drawingml/2006/main" xmlns:r="http://schemas.openxmlformats.org/officeDocument/2006/relationships" xmlns:p="http://schemas.openxmlformats.org/presentationml/2006/main">
   <p:cSld>
     <p:spTree>
@@ -27023,483 +27572,6 @@
     <p:extLst>
       <p:ext uri="{BB962C8B-B14F-4D97-AF65-F5344CB8AC3E}">
         <p14:creationId xmlns:p14="http://schemas.microsoft.com/office/powerpoint/2010/main" val="2829276229"/>
-      </p:ext>
-    </p:extLst>
-  </p:cSld>
-  <p:clrMapOvr>
-    <a:masterClrMapping/>
-  </p:clrMapOvr>
-</p:sld>
-</file>
-
-<file path=ppt/slides/slide37.xml><?xml version="1.0" encoding="utf-8"?>
-<p:sld xmlns:a="http://schemas.openxmlformats.org/drawingml/2006/main" xmlns:r="http://schemas.openxmlformats.org/officeDocument/2006/relationships" xmlns:p="http://schemas.openxmlformats.org/presentationml/2006/main">
-  <p:cSld>
-    <p:spTree>
-      <p:nvGrpSpPr>
-        <p:cNvPr id="1" name=""/>
-        <p:cNvGrpSpPr/>
-        <p:nvPr/>
-      </p:nvGrpSpPr>
-      <p:grpSpPr>
-        <a:xfrm>
-          <a:off x="0" y="0"/>
-          <a:ext cx="0" cy="0"/>
-          <a:chOff x="0" y="0"/>
-          <a:chExt cx="0" cy="0"/>
-        </a:xfrm>
-      </p:grpSpPr>
-      <p:graphicFrame>
-        <p:nvGraphicFramePr>
-          <p:cNvPr id="5" name="Table 4"/>
-          <p:cNvGraphicFramePr>
-            <a:graphicFrameLocks noGrp="1"/>
-          </p:cNvGraphicFramePr>
-          <p:nvPr>
-            <p:extLst>
-              <p:ext uri="{D42A27DB-BD31-4B8C-83A1-F6EECF244321}">
-                <p14:modId xmlns:p14="http://schemas.microsoft.com/office/powerpoint/2010/main" val="2281224332"/>
-              </p:ext>
-            </p:extLst>
-          </p:nvPr>
-        </p:nvGraphicFramePr>
-        <p:xfrm>
-          <a:off x="0" y="1"/>
-          <a:ext cx="12192000" cy="365760"/>
-        </p:xfrm>
-        <a:graphic>
-          <a:graphicData uri="http://schemas.openxmlformats.org/drawingml/2006/table">
-            <a:tbl>
-              <a:tblPr firstRow="1" bandRow="1">
-                <a:tableStyleId>{5C22544A-7EE6-4342-B048-85BDC9FD1C3A}</a:tableStyleId>
-              </a:tblPr>
-              <a:tblGrid>
-                <a:gridCol w="12192000">
-                  <a:extLst>
-                    <a:ext uri="{9D8B030D-6E8A-4147-A177-3AD203B41FA5}">
-                      <a16:colId xmlns:a16="http://schemas.microsoft.com/office/drawing/2014/main" val="20000"/>
-                    </a:ext>
-                  </a:extLst>
-                </a:gridCol>
-              </a:tblGrid>
-              <a:tr h="321276">
-                <a:tc>
-                  <a:txBody>
-                    <a:bodyPr/>
-                    <a:lstStyle/>
-                    <a:p>
-                      <a:r>
-                        <a:rPr lang="ru-RU" dirty="0"/>
-                        <a:t>Основы</a:t>
-                      </a:r>
-                      <a:r>
-                        <a:rPr lang="ru-RU" baseline="0" dirty="0"/>
-                        <a:t> построения файловых систем</a:t>
-                      </a:r>
-                      <a:endParaRPr lang="ru-RU" dirty="0"/>
-                    </a:p>
-                  </a:txBody>
-                  <a:tcPr/>
-                </a:tc>
-                <a:extLst>
-                  <a:ext uri="{0D108BD9-81ED-4DB2-BD59-A6C34878D82A}">
-                    <a16:rowId xmlns:a16="http://schemas.microsoft.com/office/drawing/2014/main" val="10000"/>
-                  </a:ext>
-                </a:extLst>
-              </a:tr>
-            </a:tbl>
-          </a:graphicData>
-        </a:graphic>
-      </p:graphicFrame>
-      <p:graphicFrame>
-        <p:nvGraphicFramePr>
-          <p:cNvPr id="6" name="Table 5"/>
-          <p:cNvGraphicFramePr>
-            <a:graphicFrameLocks noGrp="1"/>
-          </p:cNvGraphicFramePr>
-          <p:nvPr>
-            <p:extLst>
-              <p:ext uri="{D42A27DB-BD31-4B8C-83A1-F6EECF244321}">
-                <p14:modId xmlns:p14="http://schemas.microsoft.com/office/powerpoint/2010/main" val="3900242186"/>
-              </p:ext>
-            </p:extLst>
-          </p:nvPr>
-        </p:nvGraphicFramePr>
-        <p:xfrm>
-          <a:off x="0" y="6532604"/>
-          <a:ext cx="12192000" cy="365760"/>
-        </p:xfrm>
-        <a:graphic>
-          <a:graphicData uri="http://schemas.openxmlformats.org/drawingml/2006/table">
-            <a:tbl>
-              <a:tblPr firstRow="1" bandRow="1">
-                <a:tableStyleId>{5C22544A-7EE6-4342-B048-85BDC9FD1C3A}</a:tableStyleId>
-              </a:tblPr>
-              <a:tblGrid>
-                <a:gridCol w="12192000">
-                  <a:extLst>
-                    <a:ext uri="{9D8B030D-6E8A-4147-A177-3AD203B41FA5}">
-                      <a16:colId xmlns:a16="http://schemas.microsoft.com/office/drawing/2014/main" val="20000"/>
-                    </a:ext>
-                  </a:extLst>
-                </a:gridCol>
-              </a:tblGrid>
-              <a:tr h="308094">
-                <a:tc>
-                  <a:txBody>
-                    <a:bodyPr/>
-                    <a:lstStyle/>
-                    <a:p>
-                      <a:endParaRPr lang="ru-RU" dirty="0"/>
-                    </a:p>
-                  </a:txBody>
-                  <a:tcPr/>
-                </a:tc>
-                <a:extLst>
-                  <a:ext uri="{0D108BD9-81ED-4DB2-BD59-A6C34878D82A}">
-                    <a16:rowId xmlns:a16="http://schemas.microsoft.com/office/drawing/2014/main" val="10000"/>
-                  </a:ext>
-                </a:extLst>
-              </a:tr>
-            </a:tbl>
-          </a:graphicData>
-        </a:graphic>
-      </p:graphicFrame>
-      <p:graphicFrame>
-        <p:nvGraphicFramePr>
-          <p:cNvPr id="2" name="Table 1"/>
-          <p:cNvGraphicFramePr>
-            <a:graphicFrameLocks noGrp="1"/>
-          </p:cNvGraphicFramePr>
-          <p:nvPr>
-            <p:extLst>
-              <p:ext uri="{D42A27DB-BD31-4B8C-83A1-F6EECF244321}">
-                <p14:modId xmlns:p14="http://schemas.microsoft.com/office/powerpoint/2010/main" val="233030361"/>
-              </p:ext>
-            </p:extLst>
-          </p:nvPr>
-        </p:nvGraphicFramePr>
-        <p:xfrm>
-          <a:off x="0" y="365761"/>
-          <a:ext cx="12192000" cy="3774440"/>
-        </p:xfrm>
-        <a:graphic>
-          <a:graphicData uri="http://schemas.openxmlformats.org/drawingml/2006/table">
-            <a:tbl>
-              <a:tblPr firstRow="1" bandRow="1">
-                <a:tableStyleId>{3B4B98B0-60AC-42C2-AFA5-B58CD77FA1E5}</a:tableStyleId>
-              </a:tblPr>
-              <a:tblGrid>
-                <a:gridCol w="12192000">
-                  <a:extLst>
-                    <a:ext uri="{9D8B030D-6E8A-4147-A177-3AD203B41FA5}">
-                      <a16:colId xmlns:a16="http://schemas.microsoft.com/office/drawing/2014/main" val="20000"/>
-                    </a:ext>
-                  </a:extLst>
-                </a:gridCol>
-              </a:tblGrid>
-              <a:tr h="370840">
-                <a:tc>
-                  <a:txBody>
-                    <a:bodyPr/>
-                    <a:lstStyle/>
-                    <a:p>
-                      <a:r>
-                        <a:rPr lang="ru-RU" sz="2400" dirty="0"/>
-                        <a:t>Обзор-напоминание</a:t>
-                      </a:r>
-                      <a:r>
-                        <a:rPr lang="ru-RU" sz="2400" baseline="0" dirty="0"/>
-                        <a:t> о </a:t>
-                      </a:r>
-                      <a:r>
-                        <a:rPr lang="en-US" sz="2400" baseline="0" dirty="0"/>
-                        <a:t>POSIX Filesystem API</a:t>
-                      </a:r>
-                      <a:endParaRPr lang="ru-RU" sz="2400" dirty="0"/>
-                    </a:p>
-                  </a:txBody>
-                  <a:tcPr/>
-                </a:tc>
-                <a:extLst>
-                  <a:ext uri="{0D108BD9-81ED-4DB2-BD59-A6C34878D82A}">
-                    <a16:rowId xmlns:a16="http://schemas.microsoft.com/office/drawing/2014/main" val="10000"/>
-                  </a:ext>
-                </a:extLst>
-              </a:tr>
-              <a:tr h="370840">
-                <a:tc>
-                  <a:txBody>
-                    <a:bodyPr/>
-                    <a:lstStyle/>
-                    <a:p>
-                      <a:r>
-                        <a:rPr lang="en-US" dirty="0"/>
-                        <a:t>1. open(path,</a:t>
-                      </a:r>
-                      <a:r>
-                        <a:rPr lang="en-US" baseline="0" dirty="0"/>
-                        <a:t> flags, mode</a:t>
-                      </a:r>
-                      <a:r>
-                        <a:rPr lang="en-US" dirty="0"/>
-                        <a:t>) / close(</a:t>
-                      </a:r>
-                      <a:r>
-                        <a:rPr lang="en-US" dirty="0" err="1"/>
-                        <a:t>fd</a:t>
-                      </a:r>
-                      <a:r>
-                        <a:rPr lang="en-US" dirty="0"/>
-                        <a:t>)</a:t>
-                      </a:r>
-                      <a:endParaRPr lang="ru-RU" dirty="0"/>
-                    </a:p>
-                  </a:txBody>
-                  <a:tcPr/>
-                </a:tc>
-                <a:extLst>
-                  <a:ext uri="{0D108BD9-81ED-4DB2-BD59-A6C34878D82A}">
-                    <a16:rowId xmlns:a16="http://schemas.microsoft.com/office/drawing/2014/main" val="10001"/>
-                  </a:ext>
-                </a:extLst>
-              </a:tr>
-              <a:tr h="370840">
-                <a:tc>
-                  <a:txBody>
-                    <a:bodyPr/>
-                    <a:lstStyle/>
-                    <a:p>
-                      <a:r>
-                        <a:rPr lang="en-US" dirty="0"/>
-                        <a:t>2. </a:t>
-                      </a:r>
-                      <a:r>
-                        <a:rPr lang="en-US" dirty="0" err="1"/>
-                        <a:t>mkdir</a:t>
-                      </a:r>
-                      <a:r>
-                        <a:rPr lang="en-US" dirty="0"/>
-                        <a:t>(path, flags) / </a:t>
-                      </a:r>
-                      <a:r>
-                        <a:rPr lang="en-US" dirty="0" err="1"/>
-                        <a:t>rmdir</a:t>
-                      </a:r>
-                      <a:r>
-                        <a:rPr lang="en-US" dirty="0"/>
-                        <a:t>(path)</a:t>
-                      </a:r>
-                      <a:endParaRPr lang="ru-RU" dirty="0"/>
-                    </a:p>
-                  </a:txBody>
-                  <a:tcPr/>
-                </a:tc>
-                <a:extLst>
-                  <a:ext uri="{0D108BD9-81ED-4DB2-BD59-A6C34878D82A}">
-                    <a16:rowId xmlns:a16="http://schemas.microsoft.com/office/drawing/2014/main" val="10002"/>
-                  </a:ext>
-                </a:extLst>
-              </a:tr>
-              <a:tr h="370840">
-                <a:tc>
-                  <a:txBody>
-                    <a:bodyPr/>
-                    <a:lstStyle/>
-                    <a:p>
-                      <a:r>
-                        <a:rPr lang="en-US" dirty="0"/>
-                        <a:t>3.</a:t>
-                      </a:r>
-                      <a:r>
-                        <a:rPr lang="en-US" baseline="0" dirty="0"/>
-                        <a:t> </a:t>
-                      </a:r>
-                      <a:r>
-                        <a:rPr lang="en-US" baseline="0" dirty="0" err="1"/>
-                        <a:t>chdir</a:t>
-                      </a:r>
-                      <a:r>
-                        <a:rPr lang="en-US" baseline="0" dirty="0"/>
-                        <a:t>(path), </a:t>
-                      </a:r>
-                      <a:r>
-                        <a:rPr lang="en-US" baseline="0" dirty="0" err="1"/>
-                        <a:t>chroot</a:t>
-                      </a:r>
-                      <a:r>
-                        <a:rPr lang="en-US" baseline="0" dirty="0"/>
-                        <a:t>(path)</a:t>
-                      </a:r>
-                      <a:endParaRPr lang="ru-RU" dirty="0"/>
-                    </a:p>
-                  </a:txBody>
-                  <a:tcPr/>
-                </a:tc>
-                <a:extLst>
-                  <a:ext uri="{0D108BD9-81ED-4DB2-BD59-A6C34878D82A}">
-                    <a16:rowId xmlns:a16="http://schemas.microsoft.com/office/drawing/2014/main" val="10003"/>
-                  </a:ext>
-                </a:extLst>
-              </a:tr>
-              <a:tr h="370840">
-                <a:tc>
-                  <a:txBody>
-                    <a:bodyPr/>
-                    <a:lstStyle/>
-                    <a:p>
-                      <a:r>
-                        <a:rPr lang="en-US" dirty="0"/>
-                        <a:t>4. </a:t>
-                      </a:r>
-                      <a:r>
-                        <a:rPr lang="en-US" dirty="0" err="1"/>
-                        <a:t>openat</a:t>
-                      </a:r>
-                      <a:r>
-                        <a:rPr lang="en-US" dirty="0"/>
-                        <a:t>(</a:t>
-                      </a:r>
-                      <a:r>
-                        <a:rPr lang="en-US" dirty="0" err="1"/>
-                        <a:t>dirfd</a:t>
-                      </a:r>
-                      <a:r>
-                        <a:rPr lang="en-US" dirty="0"/>
-                        <a:t>, path, flags) / </a:t>
-                      </a:r>
-                      <a:r>
-                        <a:rPr lang="en-US" dirty="0" err="1"/>
-                        <a:t>mkdirat</a:t>
-                      </a:r>
-                      <a:r>
-                        <a:rPr lang="en-US" dirty="0"/>
-                        <a:t>() / </a:t>
-                      </a:r>
-                      <a:r>
-                        <a:rPr lang="en-US" dirty="0" err="1"/>
-                        <a:t>rmdirat</a:t>
-                      </a:r>
-                      <a:r>
-                        <a:rPr lang="en-US" dirty="0"/>
-                        <a:t>() / </a:t>
-                      </a:r>
-                      <a:r>
-                        <a:rPr lang="en-US" dirty="0" err="1"/>
-                        <a:t>etc</a:t>
-                      </a:r>
-                      <a:endParaRPr lang="en-US" dirty="0"/>
-                    </a:p>
-                  </a:txBody>
-                  <a:tcPr/>
-                </a:tc>
-                <a:extLst>
-                  <a:ext uri="{0D108BD9-81ED-4DB2-BD59-A6C34878D82A}">
-                    <a16:rowId xmlns:a16="http://schemas.microsoft.com/office/drawing/2014/main" val="10004"/>
-                  </a:ext>
-                </a:extLst>
-              </a:tr>
-              <a:tr h="370840">
-                <a:tc>
-                  <a:txBody>
-                    <a:bodyPr/>
-                    <a:lstStyle/>
-                    <a:p>
-                      <a:r>
-                        <a:rPr lang="en-US" dirty="0"/>
-                        <a:t>5. </a:t>
-                      </a:r>
-                      <a:r>
-                        <a:rPr lang="en-US" dirty="0" err="1"/>
-                        <a:t>symlink</a:t>
-                      </a:r>
-                      <a:r>
-                        <a:rPr lang="en-US" dirty="0"/>
-                        <a:t>() / </a:t>
-                      </a:r>
-                      <a:r>
-                        <a:rPr lang="en-US" dirty="0" err="1"/>
-                        <a:t>readlink</a:t>
-                      </a:r>
-                      <a:r>
-                        <a:rPr lang="en-US" dirty="0"/>
-                        <a:t>()</a:t>
-                      </a:r>
-                    </a:p>
-                  </a:txBody>
-                  <a:tcPr/>
-                </a:tc>
-                <a:extLst>
-                  <a:ext uri="{0D108BD9-81ED-4DB2-BD59-A6C34878D82A}">
-                    <a16:rowId xmlns:a16="http://schemas.microsoft.com/office/drawing/2014/main" val="10005"/>
-                  </a:ext>
-                </a:extLst>
-              </a:tr>
-              <a:tr h="370840">
-                <a:tc>
-                  <a:txBody>
-                    <a:bodyPr/>
-                    <a:lstStyle/>
-                    <a:p>
-                      <a:r>
-                        <a:rPr lang="en-US" dirty="0"/>
-                        <a:t>6. link() / unlink()</a:t>
-                      </a:r>
-                    </a:p>
-                    <a:p>
-                      <a:endParaRPr lang="en-US" dirty="0"/>
-                    </a:p>
-                    <a:p>
-                      <a:r>
-                        <a:rPr lang="ru-RU" dirty="0"/>
-                        <a:t>В </a:t>
-                      </a:r>
-                      <a:r>
-                        <a:rPr lang="en-US" dirty="0"/>
-                        <a:t>POSIX </a:t>
-                      </a:r>
-                      <a:r>
-                        <a:rPr lang="ru-RU" dirty="0"/>
-                        <a:t>файлы и имена существуют отдельно друг от друга. Возможны ситуации:</a:t>
-                      </a:r>
-                    </a:p>
-                    <a:p>
-                      <a:pPr marL="285750" indent="-285750">
-                        <a:buFont typeface="Arial" panose="020B0604020202020204" pitchFamily="34" charset="0"/>
-                        <a:buChar char="•"/>
-                      </a:pPr>
-                      <a:r>
-                        <a:rPr lang="ru-RU" dirty="0"/>
-                        <a:t>файл имеет несколько имён,</a:t>
-                      </a:r>
-                    </a:p>
-                    <a:p>
-                      <a:pPr marL="285750" indent="-285750">
-                        <a:buFont typeface="Arial" panose="020B0604020202020204" pitchFamily="34" charset="0"/>
-                        <a:buChar char="•"/>
-                      </a:pPr>
-                      <a:r>
-                        <a:rPr lang="ru-RU" dirty="0"/>
-                        <a:t>файл не имеет ни одного имени.</a:t>
-                      </a:r>
-                    </a:p>
-                  </a:txBody>
-                  <a:tcPr/>
-                </a:tc>
-                <a:extLst>
-                  <a:ext uri="{0D108BD9-81ED-4DB2-BD59-A6C34878D82A}">
-                    <a16:rowId xmlns:a16="http://schemas.microsoft.com/office/drawing/2014/main" val="10006"/>
-                  </a:ext>
-                </a:extLst>
-              </a:tr>
-            </a:tbl>
-          </a:graphicData>
-        </a:graphic>
-      </p:graphicFrame>
-    </p:spTree>
-    <p:extLst>
-      <p:ext uri="{BB962C8B-B14F-4D97-AF65-F5344CB8AC3E}">
-        <p14:creationId xmlns:p14="http://schemas.microsoft.com/office/powerpoint/2010/main" val="4152298700"/>
       </p:ext>
     </p:extLst>
   </p:cSld>
@@ -27597,7 +27669,7 @@
           <p:nvPr>
             <p:extLst>
               <p:ext uri="{D42A27DB-BD31-4B8C-83A1-F6EECF244321}">
-                <p14:modId xmlns:p14="http://schemas.microsoft.com/office/powerpoint/2010/main" val="3307140070"/>
+                <p14:modId xmlns:p14="http://schemas.microsoft.com/office/powerpoint/2010/main" val="3900242186"/>
               </p:ext>
             </p:extLst>
           </p:nvPr>
@@ -27651,14 +27723,14 @@
           <p:nvPr>
             <p:extLst>
               <p:ext uri="{D42A27DB-BD31-4B8C-83A1-F6EECF244321}">
-                <p14:modId xmlns:p14="http://schemas.microsoft.com/office/powerpoint/2010/main" val="2492653987"/>
+                <p14:modId xmlns:p14="http://schemas.microsoft.com/office/powerpoint/2010/main" val="233030361"/>
               </p:ext>
             </p:extLst>
           </p:nvPr>
         </p:nvGraphicFramePr>
         <p:xfrm>
           <a:off x="0" y="365761"/>
-          <a:ext cx="12192000" cy="4323080"/>
+          <a:ext cx="12192000" cy="3774440"/>
         </p:xfrm>
         <a:graphic>
           <a:graphicData uri="http://schemas.openxmlformats.org/drawingml/2006/table">
@@ -27957,38 +28029,8 @@
                       </a:pPr>
                       <a:r>
                         <a:rPr lang="ru-RU" dirty="0"/>
-                        <a:t>файл не имеет ни одного имени</a:t>
-                      </a:r>
-                      <a:r>
-                        <a:rPr lang="en-US" dirty="0"/>
-                        <a:t>.</a:t>
-                      </a:r>
-                    </a:p>
-                    <a:p>
-                      <a:pPr marL="0" indent="0">
-                        <a:buFont typeface="Arial" panose="020B0604020202020204" pitchFamily="34" charset="0"/>
-                        <a:buNone/>
-                      </a:pPr>
-                      <a:endParaRPr lang="ru-RU" dirty="0"/>
-                    </a:p>
-                    <a:p>
-                      <a:pPr marL="0" indent="0">
-                        <a:buFont typeface="Arial" panose="020B0604020202020204" pitchFamily="34" charset="0"/>
-                        <a:buNone/>
-                      </a:pPr>
-                      <a:r>
-                        <a:rPr lang="en-US" dirty="0"/>
-                        <a:t>open(O_TMPFILE)</a:t>
-                      </a:r>
-                      <a:r>
-                        <a:rPr lang="ru-RU" baseline="0" dirty="0"/>
-                        <a:t> создаёт файл, у которого изначально нет имени</a:t>
-                      </a:r>
-                      <a:r>
-                        <a:rPr lang="en-US" dirty="0"/>
-                        <a:t>.</a:t>
-                      </a:r>
-                      <a:endParaRPr lang="ru-RU" dirty="0"/>
+                        <a:t>файл не имеет ни одного имени.</a:t>
+                      </a:r>
                     </a:p>
                   </a:txBody>
                   <a:tcPr/>
@@ -28006,7 +28048,7 @@
     </p:spTree>
     <p:extLst>
       <p:ext uri="{BB962C8B-B14F-4D97-AF65-F5344CB8AC3E}">
-        <p14:creationId xmlns:p14="http://schemas.microsoft.com/office/powerpoint/2010/main" val="3382582635"/>
+        <p14:creationId xmlns:p14="http://schemas.microsoft.com/office/powerpoint/2010/main" val="4152298700"/>
       </p:ext>
     </p:extLst>
   </p:cSld>
@@ -28104,7 +28146,7 @@
           <p:nvPr>
             <p:extLst>
               <p:ext uri="{D42A27DB-BD31-4B8C-83A1-F6EECF244321}">
-                <p14:modId xmlns:p14="http://schemas.microsoft.com/office/powerpoint/2010/main" val="353043243"/>
+                <p14:modId xmlns:p14="http://schemas.microsoft.com/office/powerpoint/2010/main" val="3307140070"/>
               </p:ext>
             </p:extLst>
           </p:nvPr>
@@ -28158,14 +28200,14 @@
           <p:nvPr>
             <p:extLst>
               <p:ext uri="{D42A27DB-BD31-4B8C-83A1-F6EECF244321}">
-                <p14:modId xmlns:p14="http://schemas.microsoft.com/office/powerpoint/2010/main" val="2326181152"/>
+                <p14:modId xmlns:p14="http://schemas.microsoft.com/office/powerpoint/2010/main" val="2492653987"/>
               </p:ext>
             </p:extLst>
           </p:nvPr>
         </p:nvGraphicFramePr>
         <p:xfrm>
           <a:off x="0" y="365761"/>
-          <a:ext cx="12192000" cy="4419600"/>
+          <a:ext cx="12192000" cy="4323080"/>
         </p:xfrm>
         <a:graphic>
           <a:graphicData uri="http://schemas.openxmlformats.org/drawingml/2006/table">
@@ -28430,100 +28472,79 @@
                         <a:t>6. link() / unlink()</a:t>
                       </a:r>
                     </a:p>
+                    <a:p>
+                      <a:endParaRPr lang="en-US" dirty="0"/>
+                    </a:p>
+                    <a:p>
+                      <a:r>
+                        <a:rPr lang="ru-RU" dirty="0"/>
+                        <a:t>В </a:t>
+                      </a:r>
+                      <a:r>
+                        <a:rPr lang="en-US" dirty="0"/>
+                        <a:t>POSIX </a:t>
+                      </a:r>
+                      <a:r>
+                        <a:rPr lang="ru-RU" dirty="0"/>
+                        <a:t>файлы и имена существуют отдельно друг от друга. Возможны ситуации:</a:t>
+                      </a:r>
+                    </a:p>
+                    <a:p>
+                      <a:pPr marL="285750" indent="-285750">
+                        <a:buFont typeface="Arial" panose="020B0604020202020204" pitchFamily="34" charset="0"/>
+                        <a:buChar char="•"/>
+                      </a:pPr>
+                      <a:r>
+                        <a:rPr lang="ru-RU" dirty="0"/>
+                        <a:t>файл имеет несколько имён,</a:t>
+                      </a:r>
+                    </a:p>
+                    <a:p>
+                      <a:pPr marL="285750" indent="-285750">
+                        <a:buFont typeface="Arial" panose="020B0604020202020204" pitchFamily="34" charset="0"/>
+                        <a:buChar char="•"/>
+                      </a:pPr>
+                      <a:r>
+                        <a:rPr lang="ru-RU" dirty="0"/>
+                        <a:t>файл не имеет ни одного имени</a:t>
+                      </a:r>
+                      <a:r>
+                        <a:rPr lang="en-US" dirty="0"/>
+                        <a:t>.</a:t>
+                      </a:r>
+                    </a:p>
+                    <a:p>
+                      <a:pPr marL="0" indent="0">
+                        <a:buFont typeface="Arial" panose="020B0604020202020204" pitchFamily="34" charset="0"/>
+                        <a:buNone/>
+                      </a:pPr>
+                      <a:endParaRPr lang="ru-RU" dirty="0"/>
+                    </a:p>
+                    <a:p>
+                      <a:pPr marL="0" indent="0">
+                        <a:buFont typeface="Arial" panose="020B0604020202020204" pitchFamily="34" charset="0"/>
+                        <a:buNone/>
+                      </a:pPr>
+                      <a:r>
+                        <a:rPr lang="en-US" dirty="0"/>
+                        <a:t>open(O_TMPFILE)</a:t>
+                      </a:r>
+                      <a:r>
+                        <a:rPr lang="ru-RU" baseline="0" dirty="0"/>
+                        <a:t> создаёт файл, у которого изначально нет имени</a:t>
+                      </a:r>
+                      <a:r>
+                        <a:rPr lang="en-US" dirty="0"/>
+                        <a:t>.</a:t>
+                      </a:r>
+                      <a:endParaRPr lang="ru-RU" dirty="0"/>
+                    </a:p>
                   </a:txBody>
                   <a:tcPr/>
                 </a:tc>
                 <a:extLst>
                   <a:ext uri="{0D108BD9-81ED-4DB2-BD59-A6C34878D82A}">
                     <a16:rowId xmlns:a16="http://schemas.microsoft.com/office/drawing/2014/main" val="10006"/>
-                  </a:ext>
-                </a:extLst>
-              </a:tr>
-              <a:tr h="370840">
-                <a:tc>
-                  <a:txBody>
-                    <a:bodyPr/>
-                    <a:lstStyle/>
-                    <a:p>
-                      <a:r>
-                        <a:rPr lang="en-US" dirty="0"/>
-                        <a:t>7. </a:t>
-                      </a:r>
-                      <a:r>
-                        <a:rPr lang="ru-RU" dirty="0"/>
-                        <a:t>Специальные</a:t>
-                      </a:r>
-                      <a:r>
-                        <a:rPr lang="ru-RU" baseline="0" dirty="0"/>
-                        <a:t> файлы:</a:t>
-                      </a:r>
-                      <a:endParaRPr lang="en-US" baseline="0" dirty="0"/>
-                    </a:p>
-                    <a:p>
-                      <a:pPr marL="285750" indent="-285750">
-                        <a:buFont typeface="Arial" panose="020B0604020202020204" pitchFamily="34" charset="0"/>
-                        <a:buChar char="•"/>
-                      </a:pPr>
-                      <a:r>
-                        <a:rPr lang="en-US" dirty="0"/>
-                        <a:t>directory,</a:t>
-                      </a:r>
-                    </a:p>
-                    <a:p>
-                      <a:pPr marL="285750" indent="-285750">
-                        <a:buFont typeface="Arial" panose="020B0604020202020204" pitchFamily="34" charset="0"/>
-                        <a:buChar char="•"/>
-                      </a:pPr>
-                      <a:r>
-                        <a:rPr lang="en-US" dirty="0"/>
-                        <a:t>character</a:t>
-                      </a:r>
-                      <a:r>
-                        <a:rPr lang="en-US" baseline="0" dirty="0"/>
-                        <a:t> devices,</a:t>
-                      </a:r>
-                    </a:p>
-                    <a:p>
-                      <a:pPr marL="285750" indent="-285750">
-                        <a:buFont typeface="Arial" panose="020B0604020202020204" pitchFamily="34" charset="0"/>
-                        <a:buChar char="•"/>
-                      </a:pPr>
-                      <a:r>
-                        <a:rPr lang="en-US" baseline="0" dirty="0"/>
-                        <a:t>block devices,</a:t>
-                      </a:r>
-                    </a:p>
-                    <a:p>
-                      <a:pPr marL="285750" indent="-285750">
-                        <a:buFont typeface="Arial" panose="020B0604020202020204" pitchFamily="34" charset="0"/>
-                        <a:buChar char="•"/>
-                      </a:pPr>
-                      <a:r>
-                        <a:rPr lang="en-US" baseline="0" dirty="0"/>
-                        <a:t>pipes,</a:t>
-                      </a:r>
-                    </a:p>
-                    <a:p>
-                      <a:pPr marL="285750" indent="-285750">
-                        <a:buFont typeface="Arial" panose="020B0604020202020204" pitchFamily="34" charset="0"/>
-                        <a:buChar char="•"/>
-                      </a:pPr>
-                      <a:r>
-                        <a:rPr lang="en-US" baseline="0" dirty="0" err="1"/>
-                        <a:t>unix</a:t>
-                      </a:r>
-                      <a:r>
-                        <a:rPr lang="en-US" baseline="0" dirty="0"/>
-                        <a:t> domain sockets.</a:t>
-                      </a:r>
-                      <a:endParaRPr lang="en-US" dirty="0"/>
-                    </a:p>
-                  </a:txBody>
-                  <a:tcPr/>
-                </a:tc>
-                <a:extLst>
-                  <a:ext uri="{0D108BD9-81ED-4DB2-BD59-A6C34878D82A}">
-                    <a16:rowId xmlns:a16="http://schemas.microsoft.com/office/drawing/2014/main" val="10007"/>
                   </a:ext>
                 </a:extLst>
               </a:tr>
@@ -28534,7 +28555,7 @@
     </p:spTree>
     <p:extLst>
       <p:ext uri="{BB962C8B-B14F-4D97-AF65-F5344CB8AC3E}">
-        <p14:creationId xmlns:p14="http://schemas.microsoft.com/office/powerpoint/2010/main" val="3429008705"/>
+        <p14:creationId xmlns:p14="http://schemas.microsoft.com/office/powerpoint/2010/main" val="3382582635"/>
       </p:ext>
     </p:extLst>
   </p:cSld>
@@ -28942,6 +28963,534 @@
           <p:nvPr>
             <p:extLst>
               <p:ext uri="{D42A27DB-BD31-4B8C-83A1-F6EECF244321}">
+                <p14:modId xmlns:p14="http://schemas.microsoft.com/office/powerpoint/2010/main" val="353043243"/>
+              </p:ext>
+            </p:extLst>
+          </p:nvPr>
+        </p:nvGraphicFramePr>
+        <p:xfrm>
+          <a:off x="0" y="6532604"/>
+          <a:ext cx="12192000" cy="365760"/>
+        </p:xfrm>
+        <a:graphic>
+          <a:graphicData uri="http://schemas.openxmlformats.org/drawingml/2006/table">
+            <a:tbl>
+              <a:tblPr firstRow="1" bandRow="1">
+                <a:tableStyleId>{5C22544A-7EE6-4342-B048-85BDC9FD1C3A}</a:tableStyleId>
+              </a:tblPr>
+              <a:tblGrid>
+                <a:gridCol w="12192000">
+                  <a:extLst>
+                    <a:ext uri="{9D8B030D-6E8A-4147-A177-3AD203B41FA5}">
+                      <a16:colId xmlns:a16="http://schemas.microsoft.com/office/drawing/2014/main" val="20000"/>
+                    </a:ext>
+                  </a:extLst>
+                </a:gridCol>
+              </a:tblGrid>
+              <a:tr h="308094">
+                <a:tc>
+                  <a:txBody>
+                    <a:bodyPr/>
+                    <a:lstStyle/>
+                    <a:p>
+                      <a:endParaRPr lang="ru-RU" dirty="0"/>
+                    </a:p>
+                  </a:txBody>
+                  <a:tcPr/>
+                </a:tc>
+                <a:extLst>
+                  <a:ext uri="{0D108BD9-81ED-4DB2-BD59-A6C34878D82A}">
+                    <a16:rowId xmlns:a16="http://schemas.microsoft.com/office/drawing/2014/main" val="10000"/>
+                  </a:ext>
+                </a:extLst>
+              </a:tr>
+            </a:tbl>
+          </a:graphicData>
+        </a:graphic>
+      </p:graphicFrame>
+      <p:graphicFrame>
+        <p:nvGraphicFramePr>
+          <p:cNvPr id="2" name="Table 1"/>
+          <p:cNvGraphicFramePr>
+            <a:graphicFrameLocks noGrp="1"/>
+          </p:cNvGraphicFramePr>
+          <p:nvPr>
+            <p:extLst>
+              <p:ext uri="{D42A27DB-BD31-4B8C-83A1-F6EECF244321}">
+                <p14:modId xmlns:p14="http://schemas.microsoft.com/office/powerpoint/2010/main" val="2326181152"/>
+              </p:ext>
+            </p:extLst>
+          </p:nvPr>
+        </p:nvGraphicFramePr>
+        <p:xfrm>
+          <a:off x="0" y="365761"/>
+          <a:ext cx="12192000" cy="4419600"/>
+        </p:xfrm>
+        <a:graphic>
+          <a:graphicData uri="http://schemas.openxmlformats.org/drawingml/2006/table">
+            <a:tbl>
+              <a:tblPr firstRow="1" bandRow="1">
+                <a:tableStyleId>{3B4B98B0-60AC-42C2-AFA5-B58CD77FA1E5}</a:tableStyleId>
+              </a:tblPr>
+              <a:tblGrid>
+                <a:gridCol w="12192000">
+                  <a:extLst>
+                    <a:ext uri="{9D8B030D-6E8A-4147-A177-3AD203B41FA5}">
+                      <a16:colId xmlns:a16="http://schemas.microsoft.com/office/drawing/2014/main" val="20000"/>
+                    </a:ext>
+                  </a:extLst>
+                </a:gridCol>
+              </a:tblGrid>
+              <a:tr h="370840">
+                <a:tc>
+                  <a:txBody>
+                    <a:bodyPr/>
+                    <a:lstStyle/>
+                    <a:p>
+                      <a:r>
+                        <a:rPr lang="ru-RU" sz="2400" dirty="0"/>
+                        <a:t>Обзор-напоминание</a:t>
+                      </a:r>
+                      <a:r>
+                        <a:rPr lang="ru-RU" sz="2400" baseline="0" dirty="0"/>
+                        <a:t> о </a:t>
+                      </a:r>
+                      <a:r>
+                        <a:rPr lang="en-US" sz="2400" baseline="0" dirty="0"/>
+                        <a:t>POSIX Filesystem API</a:t>
+                      </a:r>
+                      <a:endParaRPr lang="ru-RU" sz="2400" dirty="0"/>
+                    </a:p>
+                  </a:txBody>
+                  <a:tcPr/>
+                </a:tc>
+                <a:extLst>
+                  <a:ext uri="{0D108BD9-81ED-4DB2-BD59-A6C34878D82A}">
+                    <a16:rowId xmlns:a16="http://schemas.microsoft.com/office/drawing/2014/main" val="10000"/>
+                  </a:ext>
+                </a:extLst>
+              </a:tr>
+              <a:tr h="370840">
+                <a:tc>
+                  <a:txBody>
+                    <a:bodyPr/>
+                    <a:lstStyle/>
+                    <a:p>
+                      <a:r>
+                        <a:rPr lang="en-US" dirty="0"/>
+                        <a:t>1. open(path,</a:t>
+                      </a:r>
+                      <a:r>
+                        <a:rPr lang="en-US" baseline="0" dirty="0"/>
+                        <a:t> flags, mode</a:t>
+                      </a:r>
+                      <a:r>
+                        <a:rPr lang="en-US" dirty="0"/>
+                        <a:t>) / close(</a:t>
+                      </a:r>
+                      <a:r>
+                        <a:rPr lang="en-US" dirty="0" err="1"/>
+                        <a:t>fd</a:t>
+                      </a:r>
+                      <a:r>
+                        <a:rPr lang="en-US" dirty="0"/>
+                        <a:t>)</a:t>
+                      </a:r>
+                      <a:endParaRPr lang="ru-RU" dirty="0"/>
+                    </a:p>
+                  </a:txBody>
+                  <a:tcPr/>
+                </a:tc>
+                <a:extLst>
+                  <a:ext uri="{0D108BD9-81ED-4DB2-BD59-A6C34878D82A}">
+                    <a16:rowId xmlns:a16="http://schemas.microsoft.com/office/drawing/2014/main" val="10001"/>
+                  </a:ext>
+                </a:extLst>
+              </a:tr>
+              <a:tr h="370840">
+                <a:tc>
+                  <a:txBody>
+                    <a:bodyPr/>
+                    <a:lstStyle/>
+                    <a:p>
+                      <a:r>
+                        <a:rPr lang="en-US" dirty="0"/>
+                        <a:t>2. </a:t>
+                      </a:r>
+                      <a:r>
+                        <a:rPr lang="en-US" dirty="0" err="1"/>
+                        <a:t>mkdir</a:t>
+                      </a:r>
+                      <a:r>
+                        <a:rPr lang="en-US" dirty="0"/>
+                        <a:t>(path, flags) / </a:t>
+                      </a:r>
+                      <a:r>
+                        <a:rPr lang="en-US" dirty="0" err="1"/>
+                        <a:t>rmdir</a:t>
+                      </a:r>
+                      <a:r>
+                        <a:rPr lang="en-US" dirty="0"/>
+                        <a:t>(path)</a:t>
+                      </a:r>
+                      <a:endParaRPr lang="ru-RU" dirty="0"/>
+                    </a:p>
+                  </a:txBody>
+                  <a:tcPr/>
+                </a:tc>
+                <a:extLst>
+                  <a:ext uri="{0D108BD9-81ED-4DB2-BD59-A6C34878D82A}">
+                    <a16:rowId xmlns:a16="http://schemas.microsoft.com/office/drawing/2014/main" val="10002"/>
+                  </a:ext>
+                </a:extLst>
+              </a:tr>
+              <a:tr h="370840">
+                <a:tc>
+                  <a:txBody>
+                    <a:bodyPr/>
+                    <a:lstStyle/>
+                    <a:p>
+                      <a:r>
+                        <a:rPr lang="en-US" dirty="0"/>
+                        <a:t>3.</a:t>
+                      </a:r>
+                      <a:r>
+                        <a:rPr lang="en-US" baseline="0" dirty="0"/>
+                        <a:t> </a:t>
+                      </a:r>
+                      <a:r>
+                        <a:rPr lang="en-US" baseline="0" dirty="0" err="1"/>
+                        <a:t>chdir</a:t>
+                      </a:r>
+                      <a:r>
+                        <a:rPr lang="en-US" baseline="0" dirty="0"/>
+                        <a:t>(path), </a:t>
+                      </a:r>
+                      <a:r>
+                        <a:rPr lang="en-US" baseline="0" dirty="0" err="1"/>
+                        <a:t>chroot</a:t>
+                      </a:r>
+                      <a:r>
+                        <a:rPr lang="en-US" baseline="0" dirty="0"/>
+                        <a:t>(path)</a:t>
+                      </a:r>
+                      <a:endParaRPr lang="ru-RU" dirty="0"/>
+                    </a:p>
+                  </a:txBody>
+                  <a:tcPr/>
+                </a:tc>
+                <a:extLst>
+                  <a:ext uri="{0D108BD9-81ED-4DB2-BD59-A6C34878D82A}">
+                    <a16:rowId xmlns:a16="http://schemas.microsoft.com/office/drawing/2014/main" val="10003"/>
+                  </a:ext>
+                </a:extLst>
+              </a:tr>
+              <a:tr h="370840">
+                <a:tc>
+                  <a:txBody>
+                    <a:bodyPr/>
+                    <a:lstStyle/>
+                    <a:p>
+                      <a:r>
+                        <a:rPr lang="en-US" dirty="0"/>
+                        <a:t>4. </a:t>
+                      </a:r>
+                      <a:r>
+                        <a:rPr lang="en-US" dirty="0" err="1"/>
+                        <a:t>openat</a:t>
+                      </a:r>
+                      <a:r>
+                        <a:rPr lang="en-US" dirty="0"/>
+                        <a:t>(</a:t>
+                      </a:r>
+                      <a:r>
+                        <a:rPr lang="en-US" dirty="0" err="1"/>
+                        <a:t>dirfd</a:t>
+                      </a:r>
+                      <a:r>
+                        <a:rPr lang="en-US" dirty="0"/>
+                        <a:t>, path, flags) / </a:t>
+                      </a:r>
+                      <a:r>
+                        <a:rPr lang="en-US" dirty="0" err="1"/>
+                        <a:t>mkdirat</a:t>
+                      </a:r>
+                      <a:r>
+                        <a:rPr lang="en-US" dirty="0"/>
+                        <a:t>() / </a:t>
+                      </a:r>
+                      <a:r>
+                        <a:rPr lang="en-US" dirty="0" err="1"/>
+                        <a:t>rmdirat</a:t>
+                      </a:r>
+                      <a:r>
+                        <a:rPr lang="en-US" dirty="0"/>
+                        <a:t>() / </a:t>
+                      </a:r>
+                      <a:r>
+                        <a:rPr lang="en-US" dirty="0" err="1"/>
+                        <a:t>etc</a:t>
+                      </a:r>
+                      <a:endParaRPr lang="en-US" dirty="0"/>
+                    </a:p>
+                  </a:txBody>
+                  <a:tcPr/>
+                </a:tc>
+                <a:extLst>
+                  <a:ext uri="{0D108BD9-81ED-4DB2-BD59-A6C34878D82A}">
+                    <a16:rowId xmlns:a16="http://schemas.microsoft.com/office/drawing/2014/main" val="10004"/>
+                  </a:ext>
+                </a:extLst>
+              </a:tr>
+              <a:tr h="370840">
+                <a:tc>
+                  <a:txBody>
+                    <a:bodyPr/>
+                    <a:lstStyle/>
+                    <a:p>
+                      <a:r>
+                        <a:rPr lang="en-US" dirty="0"/>
+                        <a:t>5. </a:t>
+                      </a:r>
+                      <a:r>
+                        <a:rPr lang="en-US" dirty="0" err="1"/>
+                        <a:t>symlink</a:t>
+                      </a:r>
+                      <a:r>
+                        <a:rPr lang="en-US" dirty="0"/>
+                        <a:t>() / </a:t>
+                      </a:r>
+                      <a:r>
+                        <a:rPr lang="en-US" dirty="0" err="1"/>
+                        <a:t>readlink</a:t>
+                      </a:r>
+                      <a:r>
+                        <a:rPr lang="en-US" dirty="0"/>
+                        <a:t>()</a:t>
+                      </a:r>
+                    </a:p>
+                  </a:txBody>
+                  <a:tcPr/>
+                </a:tc>
+                <a:extLst>
+                  <a:ext uri="{0D108BD9-81ED-4DB2-BD59-A6C34878D82A}">
+                    <a16:rowId xmlns:a16="http://schemas.microsoft.com/office/drawing/2014/main" val="10005"/>
+                  </a:ext>
+                </a:extLst>
+              </a:tr>
+              <a:tr h="370840">
+                <a:tc>
+                  <a:txBody>
+                    <a:bodyPr/>
+                    <a:lstStyle/>
+                    <a:p>
+                      <a:r>
+                        <a:rPr lang="en-US" dirty="0"/>
+                        <a:t>6. link() / unlink()</a:t>
+                      </a:r>
+                    </a:p>
+                  </a:txBody>
+                  <a:tcPr/>
+                </a:tc>
+                <a:extLst>
+                  <a:ext uri="{0D108BD9-81ED-4DB2-BD59-A6C34878D82A}">
+                    <a16:rowId xmlns:a16="http://schemas.microsoft.com/office/drawing/2014/main" val="10006"/>
+                  </a:ext>
+                </a:extLst>
+              </a:tr>
+              <a:tr h="370840">
+                <a:tc>
+                  <a:txBody>
+                    <a:bodyPr/>
+                    <a:lstStyle/>
+                    <a:p>
+                      <a:r>
+                        <a:rPr lang="en-US" dirty="0"/>
+                        <a:t>7. </a:t>
+                      </a:r>
+                      <a:r>
+                        <a:rPr lang="ru-RU" dirty="0"/>
+                        <a:t>Специальные</a:t>
+                      </a:r>
+                      <a:r>
+                        <a:rPr lang="ru-RU" baseline="0" dirty="0"/>
+                        <a:t> файлы:</a:t>
+                      </a:r>
+                      <a:endParaRPr lang="en-US" baseline="0" dirty="0"/>
+                    </a:p>
+                    <a:p>
+                      <a:pPr marL="285750" indent="-285750">
+                        <a:buFont typeface="Arial" panose="020B0604020202020204" pitchFamily="34" charset="0"/>
+                        <a:buChar char="•"/>
+                      </a:pPr>
+                      <a:r>
+                        <a:rPr lang="en-US" dirty="0"/>
+                        <a:t>directory,</a:t>
+                      </a:r>
+                    </a:p>
+                    <a:p>
+                      <a:pPr marL="285750" indent="-285750">
+                        <a:buFont typeface="Arial" panose="020B0604020202020204" pitchFamily="34" charset="0"/>
+                        <a:buChar char="•"/>
+                      </a:pPr>
+                      <a:r>
+                        <a:rPr lang="en-US" dirty="0"/>
+                        <a:t>character</a:t>
+                      </a:r>
+                      <a:r>
+                        <a:rPr lang="en-US" baseline="0" dirty="0"/>
+                        <a:t> devices,</a:t>
+                      </a:r>
+                    </a:p>
+                    <a:p>
+                      <a:pPr marL="285750" indent="-285750">
+                        <a:buFont typeface="Arial" panose="020B0604020202020204" pitchFamily="34" charset="0"/>
+                        <a:buChar char="•"/>
+                      </a:pPr>
+                      <a:r>
+                        <a:rPr lang="en-US" baseline="0" dirty="0"/>
+                        <a:t>block devices,</a:t>
+                      </a:r>
+                    </a:p>
+                    <a:p>
+                      <a:pPr marL="285750" indent="-285750">
+                        <a:buFont typeface="Arial" panose="020B0604020202020204" pitchFamily="34" charset="0"/>
+                        <a:buChar char="•"/>
+                      </a:pPr>
+                      <a:r>
+                        <a:rPr lang="en-US" baseline="0" dirty="0"/>
+                        <a:t>pipes,</a:t>
+                      </a:r>
+                    </a:p>
+                    <a:p>
+                      <a:pPr marL="285750" indent="-285750">
+                        <a:buFont typeface="Arial" panose="020B0604020202020204" pitchFamily="34" charset="0"/>
+                        <a:buChar char="•"/>
+                      </a:pPr>
+                      <a:r>
+                        <a:rPr lang="en-US" baseline="0" dirty="0" err="1"/>
+                        <a:t>unix</a:t>
+                      </a:r>
+                      <a:r>
+                        <a:rPr lang="en-US" baseline="0" dirty="0"/>
+                        <a:t> domain sockets.</a:t>
+                      </a:r>
+                      <a:endParaRPr lang="en-US" dirty="0"/>
+                    </a:p>
+                  </a:txBody>
+                  <a:tcPr/>
+                </a:tc>
+                <a:extLst>
+                  <a:ext uri="{0D108BD9-81ED-4DB2-BD59-A6C34878D82A}">
+                    <a16:rowId xmlns:a16="http://schemas.microsoft.com/office/drawing/2014/main" val="10007"/>
+                  </a:ext>
+                </a:extLst>
+              </a:tr>
+            </a:tbl>
+          </a:graphicData>
+        </a:graphic>
+      </p:graphicFrame>
+    </p:spTree>
+    <p:extLst>
+      <p:ext uri="{BB962C8B-B14F-4D97-AF65-F5344CB8AC3E}">
+        <p14:creationId xmlns:p14="http://schemas.microsoft.com/office/powerpoint/2010/main" val="3429008705"/>
+      </p:ext>
+    </p:extLst>
+  </p:cSld>
+  <p:clrMapOvr>
+    <a:masterClrMapping/>
+  </p:clrMapOvr>
+</p:sld>
+</file>
+
+<file path=ppt/slides/slide41.xml><?xml version="1.0" encoding="utf-8"?>
+<p:sld xmlns:a="http://schemas.openxmlformats.org/drawingml/2006/main" xmlns:r="http://schemas.openxmlformats.org/officeDocument/2006/relationships" xmlns:p="http://schemas.openxmlformats.org/presentationml/2006/main">
+  <p:cSld>
+    <p:spTree>
+      <p:nvGrpSpPr>
+        <p:cNvPr id="1" name=""/>
+        <p:cNvGrpSpPr/>
+        <p:nvPr/>
+      </p:nvGrpSpPr>
+      <p:grpSpPr>
+        <a:xfrm>
+          <a:off x="0" y="0"/>
+          <a:ext cx="0" cy="0"/>
+          <a:chOff x="0" y="0"/>
+          <a:chExt cx="0" cy="0"/>
+        </a:xfrm>
+      </p:grpSpPr>
+      <p:graphicFrame>
+        <p:nvGraphicFramePr>
+          <p:cNvPr id="5" name="Table 4"/>
+          <p:cNvGraphicFramePr>
+            <a:graphicFrameLocks noGrp="1"/>
+          </p:cNvGraphicFramePr>
+          <p:nvPr>
+            <p:extLst>
+              <p:ext uri="{D42A27DB-BD31-4B8C-83A1-F6EECF244321}">
+                <p14:modId xmlns:p14="http://schemas.microsoft.com/office/powerpoint/2010/main" val="2281224332"/>
+              </p:ext>
+            </p:extLst>
+          </p:nvPr>
+        </p:nvGraphicFramePr>
+        <p:xfrm>
+          <a:off x="0" y="1"/>
+          <a:ext cx="12192000" cy="365760"/>
+        </p:xfrm>
+        <a:graphic>
+          <a:graphicData uri="http://schemas.openxmlformats.org/drawingml/2006/table">
+            <a:tbl>
+              <a:tblPr firstRow="1" bandRow="1">
+                <a:tableStyleId>{5C22544A-7EE6-4342-B048-85BDC9FD1C3A}</a:tableStyleId>
+              </a:tblPr>
+              <a:tblGrid>
+                <a:gridCol w="12192000">
+                  <a:extLst>
+                    <a:ext uri="{9D8B030D-6E8A-4147-A177-3AD203B41FA5}">
+                      <a16:colId xmlns:a16="http://schemas.microsoft.com/office/drawing/2014/main" val="20000"/>
+                    </a:ext>
+                  </a:extLst>
+                </a:gridCol>
+              </a:tblGrid>
+              <a:tr h="321276">
+                <a:tc>
+                  <a:txBody>
+                    <a:bodyPr/>
+                    <a:lstStyle/>
+                    <a:p>
+                      <a:r>
+                        <a:rPr lang="ru-RU" dirty="0"/>
+                        <a:t>Основы</a:t>
+                      </a:r>
+                      <a:r>
+                        <a:rPr lang="ru-RU" baseline="0" dirty="0"/>
+                        <a:t> построения файловых систем</a:t>
+                      </a:r>
+                      <a:endParaRPr lang="ru-RU" dirty="0"/>
+                    </a:p>
+                  </a:txBody>
+                  <a:tcPr/>
+                </a:tc>
+                <a:extLst>
+                  <a:ext uri="{0D108BD9-81ED-4DB2-BD59-A6C34878D82A}">
+                    <a16:rowId xmlns:a16="http://schemas.microsoft.com/office/drawing/2014/main" val="10000"/>
+                  </a:ext>
+                </a:extLst>
+              </a:tr>
+            </a:tbl>
+          </a:graphicData>
+        </a:graphic>
+      </p:graphicFrame>
+      <p:graphicFrame>
+        <p:nvGraphicFramePr>
+          <p:cNvPr id="6" name="Table 5"/>
+          <p:cNvGraphicFramePr>
+            <a:graphicFrameLocks noGrp="1"/>
+          </p:cNvGraphicFramePr>
+          <p:nvPr>
+            <p:extLst>
+              <p:ext uri="{D42A27DB-BD31-4B8C-83A1-F6EECF244321}">
                 <p14:modId xmlns:p14="http://schemas.microsoft.com/office/powerpoint/2010/main" val="3746468786"/>
               </p:ext>
             </p:extLst>
@@ -29375,7 +29924,7 @@
 </p:sld>
 </file>
 
-<file path=ppt/slides/slide41.xml><?xml version="1.0" encoding="utf-8"?>
+<file path=ppt/slides/slide42.xml><?xml version="1.0" encoding="utf-8"?>
 <p:sld xmlns:a="http://schemas.openxmlformats.org/drawingml/2006/main" xmlns:r="http://schemas.openxmlformats.org/officeDocument/2006/relationships" xmlns:p="http://schemas.openxmlformats.org/presentationml/2006/main">
   <p:cSld>
     <p:spTree>
